--- a/PRESENTATION/SOČ-2020-PREZENTACE-ŠKOLNÍ_KOLO/ŠKOLNÍ KOLO.pptx
+++ b/PRESENTATION/SOČ-2020-PREZENTACE-ŠKOLNÍ_KOLO/ŠKOLNÍ KOLO.pptx
@@ -6,36 +6,38 @@
     <p:sldMasterId id="2147483672" r:id="rId5"/>
   </p:sldMasterIdLst>
   <p:notesMasterIdLst>
-    <p:notesMasterId r:id="rId30"/>
+    <p:notesMasterId r:id="rId32"/>
   </p:notesMasterIdLst>
   <p:handoutMasterIdLst>
-    <p:handoutMasterId r:id="rId31"/>
+    <p:handoutMasterId r:id="rId33"/>
   </p:handoutMasterIdLst>
   <p:sldIdLst>
-    <p:sldId id="257" r:id="rId6"/>
-    <p:sldId id="306" r:id="rId7"/>
-    <p:sldId id="268" r:id="rId8"/>
-    <p:sldId id="312" r:id="rId9"/>
-    <p:sldId id="276" r:id="rId10"/>
-    <p:sldId id="310" r:id="rId11"/>
-    <p:sldId id="315" r:id="rId12"/>
-    <p:sldId id="314" r:id="rId13"/>
-    <p:sldId id="313" r:id="rId14"/>
-    <p:sldId id="259" r:id="rId15"/>
-    <p:sldId id="277" r:id="rId16"/>
-    <p:sldId id="311" r:id="rId17"/>
-    <p:sldId id="278" r:id="rId18"/>
-    <p:sldId id="316" r:id="rId19"/>
-    <p:sldId id="273" r:id="rId20"/>
-    <p:sldId id="303" r:id="rId21"/>
-    <p:sldId id="291" r:id="rId22"/>
-    <p:sldId id="304" r:id="rId23"/>
-    <p:sldId id="294" r:id="rId24"/>
-    <p:sldId id="295" r:id="rId25"/>
-    <p:sldId id="296" r:id="rId26"/>
-    <p:sldId id="308" r:id="rId27"/>
-    <p:sldId id="307" r:id="rId28"/>
-    <p:sldId id="309" r:id="rId29"/>
+    <p:sldId id="322" r:id="rId6"/>
+    <p:sldId id="257" r:id="rId7"/>
+    <p:sldId id="306" r:id="rId8"/>
+    <p:sldId id="268" r:id="rId9"/>
+    <p:sldId id="312" r:id="rId10"/>
+    <p:sldId id="276" r:id="rId11"/>
+    <p:sldId id="319" r:id="rId12"/>
+    <p:sldId id="310" r:id="rId13"/>
+    <p:sldId id="315" r:id="rId14"/>
+    <p:sldId id="314" r:id="rId15"/>
+    <p:sldId id="313" r:id="rId16"/>
+    <p:sldId id="259" r:id="rId17"/>
+    <p:sldId id="277" r:id="rId18"/>
+    <p:sldId id="311" r:id="rId19"/>
+    <p:sldId id="278" r:id="rId20"/>
+    <p:sldId id="316" r:id="rId21"/>
+    <p:sldId id="273" r:id="rId22"/>
+    <p:sldId id="317" r:id="rId23"/>
+    <p:sldId id="318" r:id="rId24"/>
+    <p:sldId id="320" r:id="rId25"/>
+    <p:sldId id="321" r:id="rId26"/>
+    <p:sldId id="291" r:id="rId27"/>
+    <p:sldId id="295" r:id="rId28"/>
+    <p:sldId id="296" r:id="rId29"/>
+    <p:sldId id="308" r:id="rId30"/>
+    <p:sldId id="307" r:id="rId31"/>
   </p:sldIdLst>
   <p:sldSz cx="12188825" cy="6858000"/>
   <p:notesSz cx="6858000" cy="9144000"/>
@@ -139,11 +141,13 @@
       <p14:sectionLst xmlns:p14="http://schemas.microsoft.com/office/powerpoint/2010/main">
         <p14:section name="Výchozí oddíl" id="{D05D845E-140C-4FEE-AC69-AC60C28D1FA8}">
           <p14:sldIdLst>
+            <p14:sldId id="322"/>
             <p14:sldId id="257"/>
             <p14:sldId id="306"/>
             <p14:sldId id="268"/>
             <p14:sldId id="312"/>
             <p14:sldId id="276"/>
+            <p14:sldId id="319"/>
             <p14:sldId id="310"/>
             <p14:sldId id="315"/>
             <p14:sldId id="314"/>
@@ -158,14 +162,15 @@
         <p14:section name="SOFTWARE" id="{F0AA7D4A-2F2B-4EB2-9329-FB57E6AD7FFC}">
           <p14:sldIdLst>
             <p14:sldId id="273"/>
-            <p14:sldId id="303"/>
+            <p14:sldId id="317"/>
+            <p14:sldId id="318"/>
+            <p14:sldId id="320"/>
+            <p14:sldId id="321"/>
             <p14:sldId id="291"/>
           </p14:sldIdLst>
         </p14:section>
         <p14:section name="ZÁVĚR" id="{57CDE1AE-672E-4BDA-ABFE-2471C3F1FC48}">
           <p14:sldIdLst>
-            <p14:sldId id="304"/>
-            <p14:sldId id="294"/>
             <p14:sldId id="295"/>
             <p14:sldId id="296"/>
           </p14:sldIdLst>
@@ -174,7 +179,6 @@
           <p14:sldIdLst>
             <p14:sldId id="308"/>
             <p14:sldId id="307"/>
-            <p14:sldId id="309"/>
           </p14:sldIdLst>
         </p14:section>
       </p14:sectionLst>
@@ -803,7 +807,7 @@
             <a:fld id="{3EBA5BD7-F043-4D1B-AA17-CD412FC534DE}" type="slidenum">
               <a:rPr lang="cs-CZ" smtClean="0"/>
               <a:pPr algn="r"/>
-              <a:t>1</a:t>
+              <a:t>2</a:t>
             </a:fld>
             <a:endParaRPr lang="cs-CZ" dirty="0"/>
           </a:p>
@@ -889,7 +893,7 @@
             <a:fld id="{3EBA5BD7-F043-4D1B-AA17-CD412FC534DE}" type="slidenum">
               <a:rPr lang="cs-CZ" smtClean="0"/>
               <a:pPr algn="r"/>
-              <a:t>14</a:t>
+              <a:t>15</a:t>
             </a:fld>
             <a:endParaRPr lang="cs-CZ" dirty="0"/>
           </a:p>
@@ -898,7 +902,7 @@
     </p:spTree>
     <p:extLst>
       <p:ext uri="{BB962C8B-B14F-4D97-AF65-F5344CB8AC3E}">
-        <p14:creationId xmlns:p14="http://schemas.microsoft.com/office/powerpoint/2010/main" val="2957241055"/>
+        <p14:creationId xmlns:p14="http://schemas.microsoft.com/office/powerpoint/2010/main" val="2768769316"/>
       </p:ext>
     </p:extLst>
   </p:cSld>
@@ -952,67 +956,6 @@
           <a:bodyPr/>
           <a:lstStyle/>
           <a:p>
-            <a:pPr marL="342900" indent="-342900">
-              <a:buFont typeface="+mj-lt"/>
-              <a:buAutoNum type="arabicPeriod"/>
-            </a:pPr>
-            <a:r>
-              <a:rPr lang="cs-CZ" dirty="0"/>
-              <a:t>Složený z mnoha funkcí a několika knihoven</a:t>
-            </a:r>
-          </a:p>
-          <a:p>
-            <a:pPr marL="342900" indent="-342900">
-              <a:buFont typeface="+mj-lt"/>
-              <a:buAutoNum type="arabicPeriod"/>
-            </a:pPr>
-            <a:r>
-              <a:rPr lang="cs-CZ" dirty="0"/>
-              <a:t>Mnou vytvořený software včetně mých knihoven má dohromady přibližně 1700 řádků kódu (aktuální k verzi  1.4.1)</a:t>
-            </a:r>
-          </a:p>
-          <a:p>
-            <a:pPr marL="342900" indent="-342900">
-              <a:buFont typeface="+mj-lt"/>
-              <a:buAutoNum type="arabicPeriod"/>
-            </a:pPr>
-            <a:r>
-              <a:rPr lang="cs-CZ" dirty="0"/>
-              <a:t>Dostupný ve dvou jazykových mutacích (CZE a ENG)</a:t>
-            </a:r>
-          </a:p>
-          <a:p>
-            <a:pPr marL="342900" marR="0" lvl="0" indent="-342900" algn="l" defTabSz="1218987" rtl="0" eaLnBrk="1" fontAlgn="auto" latinLnBrk="0" hangingPunct="1">
-              <a:lnSpc>
-                <a:spcPct val="100000"/>
-              </a:lnSpc>
-              <a:spcBef>
-                <a:spcPts val="0"/>
-              </a:spcBef>
-              <a:spcAft>
-                <a:spcPts val="0"/>
-              </a:spcAft>
-              <a:buClrTx/>
-              <a:buSzTx/>
-              <a:buFont typeface="+mj-lt"/>
-              <a:buAutoNum type="arabicPeriod"/>
-              <a:tabLst/>
-              <a:defRPr/>
-            </a:pPr>
-            <a:r>
-              <a:rPr lang="cs-CZ" sz="1600" kern="1200" dirty="0">
-                <a:solidFill>
-                  <a:schemeClr val="tx1"/>
-                </a:solidFill>
-                <a:effectLst/>
-                <a:latin typeface="+mn-lt"/>
-                <a:ea typeface="+mn-ea"/>
-                <a:cs typeface="+mn-cs"/>
-              </a:rPr>
-              <a:t>Co se týče knihoven, některé jsem si vytvořil sám, případně používám knihovny od výrobců HW</a:t>
-            </a:r>
-          </a:p>
-          <a:p>
             <a:endParaRPr lang="cs-CZ" dirty="0"/>
           </a:p>
         </p:txBody>
@@ -1024,7 +967,7 @@
             <a:spLocks noGrp="1"/>
           </p:cNvSpPr>
           <p:nvPr>
-            <p:ph type="sldNum" sz="quarter" idx="10"/>
+            <p:ph type="sldNum" sz="quarter" idx="5"/>
           </p:nvPr>
         </p:nvSpPr>
         <p:spPr/>
@@ -1036,7 +979,7 @@
             <a:fld id="{3EBA5BD7-F043-4D1B-AA17-CD412FC534DE}" type="slidenum">
               <a:rPr lang="cs-CZ" smtClean="0"/>
               <a:pPr algn="r"/>
-              <a:t>15</a:t>
+              <a:t>16</a:t>
             </a:fld>
             <a:endParaRPr lang="cs-CZ" dirty="0"/>
           </a:p>
@@ -1045,7 +988,7 @@
     </p:spTree>
     <p:extLst>
       <p:ext uri="{BB962C8B-B14F-4D97-AF65-F5344CB8AC3E}">
-        <p14:creationId xmlns:p14="http://schemas.microsoft.com/office/powerpoint/2010/main" val="2403481905"/>
+        <p14:creationId xmlns:p14="http://schemas.microsoft.com/office/powerpoint/2010/main" val="2957241055"/>
       </p:ext>
     </p:extLst>
   </p:cSld>
@@ -1105,7 +1048,7 @@
             </a:pPr>
             <a:r>
               <a:rPr lang="cs-CZ" dirty="0"/>
-              <a:t>Co se týče běhu programu, ProtoPlant dynamicky přepíná mezi několika režimy v závislosti na prostředí a různých stavech</a:t>
+              <a:t>Složený z mnoha funkcí a několika knihoven</a:t>
             </a:r>
           </a:p>
           <a:p>
@@ -1115,203 +1058,52 @@
             </a:pPr>
             <a:r>
               <a:rPr lang="cs-CZ" dirty="0"/>
-              <a:t>Mezi nejdůležitější patří:</a:t>
-            </a:r>
-          </a:p>
-          <a:p>
-            <a:pPr marL="952393" lvl="1" indent="-342900">
+              <a:t>Mnou vytvořený software včetně mých knihoven má dohromady přibližně 1700 řádků kódu (aktuální k verzi  1.4.1)</a:t>
+            </a:r>
+          </a:p>
+          <a:p>
+            <a:pPr marL="342900" indent="-342900">
               <a:buFont typeface="+mj-lt"/>
               <a:buAutoNum type="arabicPeriod"/>
             </a:pPr>
             <a:r>
               <a:rPr lang="cs-CZ" dirty="0"/>
-              <a:t>StartUp mode</a:t>
-            </a:r>
-          </a:p>
-          <a:p>
-            <a:pPr marL="1561887" lvl="2" indent="-342900">
+              <a:t>Dostupný ve dvou jazykových mutacích (CZE a ENG)</a:t>
+            </a:r>
+          </a:p>
+          <a:p>
+            <a:pPr marL="342900" marR="0" lvl="0" indent="-342900" algn="l" defTabSz="1218987" rtl="0" eaLnBrk="1" fontAlgn="auto" latinLnBrk="0" hangingPunct="1">
+              <a:lnSpc>
+                <a:spcPct val="100000"/>
+              </a:lnSpc>
+              <a:spcBef>
+                <a:spcPts val="0"/>
+              </a:spcBef>
+              <a:spcAft>
+                <a:spcPts val="0"/>
+              </a:spcAft>
+              <a:buClrTx/>
+              <a:buSzTx/>
               <a:buFont typeface="+mj-lt"/>
               <a:buAutoNum type="arabicPeriod"/>
+              <a:tabLst/>
+              <a:defRPr/>
             </a:pPr>
             <a:r>
-              <a:rPr lang="cs-CZ" dirty="0"/>
-              <a:t>Do tohoto režimu skočí protoplant okamžitě po spuštění</a:t>
-            </a:r>
-          </a:p>
-          <a:p>
-            <a:pPr marL="1561887" lvl="2" indent="-342900">
-              <a:buFont typeface="+mj-lt"/>
-              <a:buAutoNum type="arabicPeriod"/>
-            </a:pPr>
-            <a:r>
-              <a:rPr lang="cs-CZ" dirty="0"/>
-              <a:t>Během něj se provede nastavení celého systému a načtení nastavení z paměti</a:t>
-            </a:r>
-          </a:p>
-          <a:p>
-            <a:pPr marL="1561887" lvl="2" indent="-342900">
-              <a:buFont typeface="+mj-lt"/>
-              <a:buAutoNum type="arabicPeriod"/>
-            </a:pPr>
-            <a:r>
-              <a:rPr lang="cs-CZ" dirty="0"/>
-              <a:t>Zároveň proběhne kontrola při které systém detekuje připojené periferie a moduly</a:t>
-            </a:r>
-          </a:p>
-          <a:p>
-            <a:pPr marL="952393" lvl="1" indent="-342900">
-              <a:buFont typeface="+mj-lt"/>
-              <a:buAutoNum type="arabicPeriod"/>
-            </a:pPr>
-            <a:r>
-              <a:rPr lang="cs-CZ" dirty="0"/>
-              <a:t>Standby režim</a:t>
-            </a:r>
-          </a:p>
-          <a:p>
-            <a:pPr marL="1561887" lvl="2" indent="-342900">
-              <a:buFont typeface="+mj-lt"/>
-              <a:buAutoNum type="arabicPeriod"/>
-            </a:pPr>
-            <a:r>
-              <a:rPr lang="cs-CZ" dirty="0"/>
-              <a:t>Výchozí režim, ve kterém systém pravidelně kontroluje hodnoty ze senzorů</a:t>
-            </a:r>
-          </a:p>
-          <a:p>
-            <a:pPr marL="1561887" lvl="2" indent="-342900">
-              <a:buFont typeface="+mj-lt"/>
-              <a:buAutoNum type="arabicPeriod"/>
-            </a:pPr>
-            <a:r>
-              <a:rPr lang="cs-CZ" dirty="0"/>
-              <a:t>V případě, že některá z naměřených hodnot je mimo nastavený rozsah, přepne systém do stavu VNHop</a:t>
-            </a:r>
-          </a:p>
-          <a:p>
-            <a:pPr marL="952393" lvl="1" indent="-342900">
-              <a:buFont typeface="+mj-lt"/>
-              <a:buAutoNum type="arabicPeriod"/>
-            </a:pPr>
-            <a:r>
-              <a:rPr lang="cs-CZ" dirty="0"/>
-              <a:t>VNHop</a:t>
-            </a:r>
-          </a:p>
-          <a:p>
-            <a:pPr marL="1561887" lvl="2" indent="-342900">
-              <a:buFont typeface="+mj-lt"/>
-              <a:buAutoNum type="arabicPeriod"/>
-            </a:pPr>
-            <a:r>
-              <a:rPr lang="cs-CZ" dirty="0"/>
-              <a:t>Stav, který indikuje, že je VNH v provozu</a:t>
-            </a:r>
-          </a:p>
-          <a:p>
-            <a:pPr marL="1561887" lvl="2" indent="-342900">
-              <a:buFont typeface="+mj-lt"/>
-              <a:buAutoNum type="arabicPeriod"/>
-            </a:pPr>
-            <a:r>
-              <a:rPr lang="cs-CZ" dirty="0"/>
-              <a:t>V tomto stavu probíhá otevírání/zavírání oken, běh ventilátoru, nebo čerpadla </a:t>
-            </a:r>
-          </a:p>
-          <a:p>
-            <a:pPr marL="1561887" lvl="2" indent="-342900">
-              <a:buFont typeface="+mj-lt"/>
-              <a:buAutoNum type="arabicPeriod"/>
-            </a:pPr>
-            <a:r>
-              <a:rPr lang="cs-CZ" dirty="0"/>
-              <a:t>Souběžně s tímto stavem systém dál kontroluje naměřené hodnoty</a:t>
-            </a:r>
-          </a:p>
-          <a:p>
-            <a:pPr marL="1561887" lvl="2" indent="-342900">
-              <a:buFont typeface="+mj-lt"/>
-              <a:buAutoNum type="arabicPeriod"/>
-            </a:pPr>
-            <a:r>
-              <a:rPr lang="cs-CZ" dirty="0"/>
-              <a:t>Jakmile jsou všechny hodnoty v mezích, přepne se zpět do Standby</a:t>
-            </a:r>
-          </a:p>
-          <a:p>
-            <a:pPr marL="952393" lvl="1" indent="-342900">
-              <a:buFont typeface="+mj-lt"/>
-              <a:buAutoNum type="arabicPeriod"/>
-            </a:pPr>
-            <a:r>
-              <a:rPr lang="cs-CZ" dirty="0"/>
-              <a:t>aWIN</a:t>
-            </a:r>
-          </a:p>
-          <a:p>
-            <a:pPr marL="1561887" lvl="2" indent="-342900">
-              <a:buFont typeface="+mj-lt"/>
-              <a:buAutoNum type="arabicPeriod"/>
-            </a:pPr>
-            <a:r>
-              <a:rPr lang="cs-CZ" dirty="0"/>
-              <a:t>Pokud je aktivní režim aWIN, systém automaticky otevírá okna</a:t>
-            </a:r>
-          </a:p>
-          <a:p>
-            <a:pPr marL="1561887" lvl="2" indent="-342900">
-              <a:buFont typeface="+mj-lt"/>
-              <a:buAutoNum type="arabicPeriod"/>
-            </a:pPr>
-            <a:r>
-              <a:rPr lang="cs-CZ" dirty="0"/>
-              <a:t>Tento režim probíhá souběžně s režimem Standby</a:t>
-            </a:r>
-          </a:p>
-          <a:p>
-            <a:pPr marL="1561887" lvl="2" indent="-342900">
-              <a:buFont typeface="+mj-lt"/>
-              <a:buAutoNum type="arabicPeriod"/>
-            </a:pPr>
-            <a:r>
-              <a:rPr lang="cs-CZ" dirty="0"/>
-              <a:t>Zapínaní/vypínaní probíhá přes hardwarový přepínač na ovládacím panelu</a:t>
-            </a:r>
-          </a:p>
-          <a:p>
-            <a:pPr marL="952393" lvl="1" indent="-342900">
-              <a:buFont typeface="+mj-lt"/>
-              <a:buAutoNum type="arabicPeriod"/>
-            </a:pPr>
-            <a:r>
-              <a:rPr lang="cs-CZ" dirty="0"/>
-              <a:t>E-stop</a:t>
-            </a:r>
-            <a:endParaRPr lang="en-US" dirty="0"/>
-          </a:p>
-          <a:p>
-            <a:pPr marL="1561887" lvl="2" indent="-342900">
-              <a:buFont typeface="+mj-lt"/>
-              <a:buAutoNum type="arabicPeriod"/>
-            </a:pPr>
-            <a:r>
-              <a:rPr lang="en-US" dirty="0"/>
-              <a:t>Nou</a:t>
-            </a:r>
-            <a:r>
-              <a:rPr lang="cs-CZ" dirty="0"/>
-              <a:t>zový režim – systém se do něj přepne v případě, že nastane kritická chyba</a:t>
-            </a:r>
-          </a:p>
-          <a:p>
-            <a:pPr marL="1561887" lvl="2" indent="-342900">
-              <a:buFont typeface="+mj-lt"/>
-              <a:buAutoNum type="arabicPeriod"/>
-            </a:pPr>
-            <a:r>
-              <a:rPr lang="cs-CZ" dirty="0"/>
-              <a:t>V tomto režimu jsou přerušeny veškeré operace; běh programu se zastaví až do restartu celého systému</a:t>
-            </a:r>
+              <a:rPr lang="cs-CZ" sz="1600" kern="1200" dirty="0">
+                <a:solidFill>
+                  <a:schemeClr val="tx1"/>
+                </a:solidFill>
+                <a:effectLst/>
+                <a:latin typeface="+mn-lt"/>
+                <a:ea typeface="+mn-ea"/>
+                <a:cs typeface="+mn-cs"/>
+              </a:rPr>
+              <a:t>Co se týče knihoven, některé jsem si vytvořil sám, případně používám knihovny od výrobců HW</a:t>
+            </a:r>
+          </a:p>
+          <a:p>
+            <a:endParaRPr lang="cs-CZ" dirty="0"/>
           </a:p>
         </p:txBody>
       </p:sp>
@@ -1322,7 +1114,7 @@
             <a:spLocks noGrp="1"/>
           </p:cNvSpPr>
           <p:nvPr>
-            <p:ph type="sldNum" sz="quarter" idx="5"/>
+            <p:ph type="sldNum" sz="quarter" idx="10"/>
           </p:nvPr>
         </p:nvSpPr>
         <p:spPr/>
@@ -1334,7 +1126,7 @@
             <a:fld id="{3EBA5BD7-F043-4D1B-AA17-CD412FC534DE}" type="slidenum">
               <a:rPr lang="cs-CZ" smtClean="0"/>
               <a:pPr algn="r"/>
-              <a:t>16</a:t>
+              <a:t>17</a:t>
             </a:fld>
             <a:endParaRPr lang="cs-CZ" dirty="0"/>
           </a:p>
@@ -1343,7 +1135,7 @@
     </p:spTree>
     <p:extLst>
       <p:ext uri="{BB962C8B-B14F-4D97-AF65-F5344CB8AC3E}">
-        <p14:creationId xmlns:p14="http://schemas.microsoft.com/office/powerpoint/2010/main" val="3103208814"/>
+        <p14:creationId xmlns:p14="http://schemas.microsoft.com/office/powerpoint/2010/main" val="2403481905"/>
       </p:ext>
     </p:extLst>
   </p:cSld>
@@ -1429,7 +1221,7 @@
             <a:fld id="{3EBA5BD7-F043-4D1B-AA17-CD412FC534DE}" type="slidenum">
               <a:rPr lang="cs-CZ" smtClean="0"/>
               <a:pPr algn="r"/>
-              <a:t>17</a:t>
+              <a:t>22</a:t>
             </a:fld>
             <a:endParaRPr lang="cs-CZ" dirty="0"/>
           </a:p>
@@ -1492,6 +1284,36 @@
           <a:bodyPr/>
           <a:lstStyle/>
           <a:p>
+            <a:r>
+              <a:rPr lang="cs-CZ" dirty="0"/>
+              <a:t>FAQ:</a:t>
+            </a:r>
+          </a:p>
+          <a:p>
+            <a:r>
+              <a:rPr lang="cs-CZ" dirty="0"/>
+              <a:t>Cena</a:t>
+            </a:r>
+          </a:p>
+          <a:p>
+            <a:r>
+              <a:rPr lang="cs-CZ" dirty="0"/>
+              <a:t>	řídící jednotka	2000</a:t>
+            </a:r>
+          </a:p>
+          <a:p>
+            <a:r>
+              <a:rPr lang="cs-CZ" dirty="0"/>
+              <a:t>	skleník	780	</a:t>
+            </a:r>
+          </a:p>
+          <a:p>
+            <a:r>
+              <a:rPr lang="cs-CZ" dirty="0"/>
+              <a:t>	aktuátorů	2180</a:t>
+            </a:r>
+          </a:p>
+          <a:p>
             <a:endParaRPr lang="cs-CZ" dirty="0"/>
           </a:p>
         </p:txBody>
@@ -1515,7 +1337,7 @@
             <a:fld id="{3EBA5BD7-F043-4D1B-AA17-CD412FC534DE}" type="slidenum">
               <a:rPr lang="cs-CZ" smtClean="0"/>
               <a:pPr algn="r"/>
-              <a:t>18</a:t>
+              <a:t>23</a:t>
             </a:fld>
             <a:endParaRPr lang="cs-CZ" dirty="0"/>
           </a:p>
@@ -1524,7 +1346,7 @@
     </p:spTree>
     <p:extLst>
       <p:ext uri="{BB962C8B-B14F-4D97-AF65-F5344CB8AC3E}">
-        <p14:creationId xmlns:p14="http://schemas.microsoft.com/office/powerpoint/2010/main" val="1511148574"/>
+        <p14:creationId xmlns:p14="http://schemas.microsoft.com/office/powerpoint/2010/main" val="2475990968"/>
       </p:ext>
     </p:extLst>
   </p:cSld>
@@ -1601,209 +1423,7 @@
             <a:fld id="{3EBA5BD7-F043-4D1B-AA17-CD412FC534DE}" type="slidenum">
               <a:rPr lang="cs-CZ" smtClean="0"/>
               <a:pPr algn="r"/>
-              <a:t>19</a:t>
-            </a:fld>
-            <a:endParaRPr lang="cs-CZ" dirty="0"/>
-          </a:p>
-        </p:txBody>
-      </p:sp>
-    </p:spTree>
-    <p:extLst>
-      <p:ext uri="{BB962C8B-B14F-4D97-AF65-F5344CB8AC3E}">
-        <p14:creationId xmlns:p14="http://schemas.microsoft.com/office/powerpoint/2010/main" val="796156451"/>
-      </p:ext>
-    </p:extLst>
-  </p:cSld>
-  <p:clrMapOvr>
-    <a:masterClrMapping/>
-  </p:clrMapOvr>
-</p:notes>
-</file>
-
-<file path=ppt/notesSlides/notesSlide16.xml><?xml version="1.0" encoding="utf-8"?>
-<p:notes xmlns:a="http://schemas.openxmlformats.org/drawingml/2006/main" xmlns:r="http://schemas.openxmlformats.org/officeDocument/2006/relationships" xmlns:p="http://schemas.openxmlformats.org/presentationml/2006/main">
-  <p:cSld>
-    <p:spTree>
-      <p:nvGrpSpPr>
-        <p:cNvPr id="1" name=""/>
-        <p:cNvGrpSpPr/>
-        <p:nvPr/>
-      </p:nvGrpSpPr>
-      <p:grpSpPr>
-        <a:xfrm>
-          <a:off x="0" y="0"/>
-          <a:ext cx="0" cy="0"/>
-          <a:chOff x="0" y="0"/>
-          <a:chExt cx="0" cy="0"/>
-        </a:xfrm>
-      </p:grpSpPr>
-      <p:sp>
-        <p:nvSpPr>
-          <p:cNvPr id="2" name="Zástupný symbol pro obrázek snímku 1"/>
-          <p:cNvSpPr>
-            <a:spLocks noGrp="1" noRot="1" noChangeAspect="1"/>
-          </p:cNvSpPr>
-          <p:nvPr>
-            <p:ph type="sldImg"/>
-          </p:nvPr>
-        </p:nvSpPr>
-        <p:spPr/>
-      </p:sp>
-      <p:sp>
-        <p:nvSpPr>
-          <p:cNvPr id="3" name="Zástupný symbol pro poznámky 2"/>
-          <p:cNvSpPr>
-            <a:spLocks noGrp="1"/>
-          </p:cNvSpPr>
-          <p:nvPr>
-            <p:ph type="body" idx="1"/>
-          </p:nvPr>
-        </p:nvSpPr>
-        <p:spPr/>
-        <p:txBody>
-          <a:bodyPr/>
-          <a:lstStyle/>
-          <a:p>
-            <a:r>
-              <a:rPr lang="cs-CZ" dirty="0"/>
-              <a:t>FAQ:</a:t>
-            </a:r>
-          </a:p>
-          <a:p>
-            <a:r>
-              <a:rPr lang="cs-CZ" dirty="0"/>
-              <a:t>Cena</a:t>
-            </a:r>
-          </a:p>
-          <a:p>
-            <a:r>
-              <a:rPr lang="cs-CZ" dirty="0"/>
-              <a:t>	řídící jednotka	2000</a:t>
-            </a:r>
-          </a:p>
-          <a:p>
-            <a:r>
-              <a:rPr lang="cs-CZ" dirty="0"/>
-              <a:t>	skleník	780	</a:t>
-            </a:r>
-          </a:p>
-          <a:p>
-            <a:r>
-              <a:rPr lang="cs-CZ" dirty="0"/>
-              <a:t>	aktuátorů	2180</a:t>
-            </a:r>
-          </a:p>
-          <a:p>
-            <a:endParaRPr lang="cs-CZ" dirty="0"/>
-          </a:p>
-        </p:txBody>
-      </p:sp>
-      <p:sp>
-        <p:nvSpPr>
-          <p:cNvPr id="4" name="Zástupný symbol pro číslo snímku 3"/>
-          <p:cNvSpPr>
-            <a:spLocks noGrp="1"/>
-          </p:cNvSpPr>
-          <p:nvPr>
-            <p:ph type="sldNum" sz="quarter" idx="5"/>
-          </p:nvPr>
-        </p:nvSpPr>
-        <p:spPr/>
-        <p:txBody>
-          <a:bodyPr/>
-          <a:lstStyle/>
-          <a:p>
-            <a:pPr algn="r"/>
-            <a:fld id="{3EBA5BD7-F043-4D1B-AA17-CD412FC534DE}" type="slidenum">
-              <a:rPr lang="cs-CZ" smtClean="0"/>
-              <a:pPr algn="r"/>
-              <a:t>20</a:t>
-            </a:fld>
-            <a:endParaRPr lang="cs-CZ" dirty="0"/>
-          </a:p>
-        </p:txBody>
-      </p:sp>
-    </p:spTree>
-    <p:extLst>
-      <p:ext uri="{BB962C8B-B14F-4D97-AF65-F5344CB8AC3E}">
-        <p14:creationId xmlns:p14="http://schemas.microsoft.com/office/powerpoint/2010/main" val="2475990968"/>
-      </p:ext>
-    </p:extLst>
-  </p:cSld>
-  <p:clrMapOvr>
-    <a:masterClrMapping/>
-  </p:clrMapOvr>
-</p:notes>
-</file>
-
-<file path=ppt/notesSlides/notesSlide17.xml><?xml version="1.0" encoding="utf-8"?>
-<p:notes xmlns:a="http://schemas.openxmlformats.org/drawingml/2006/main" xmlns:r="http://schemas.openxmlformats.org/officeDocument/2006/relationships" xmlns:p="http://schemas.openxmlformats.org/presentationml/2006/main">
-  <p:cSld>
-    <p:spTree>
-      <p:nvGrpSpPr>
-        <p:cNvPr id="1" name=""/>
-        <p:cNvGrpSpPr/>
-        <p:nvPr/>
-      </p:nvGrpSpPr>
-      <p:grpSpPr>
-        <a:xfrm>
-          <a:off x="0" y="0"/>
-          <a:ext cx="0" cy="0"/>
-          <a:chOff x="0" y="0"/>
-          <a:chExt cx="0" cy="0"/>
-        </a:xfrm>
-      </p:grpSpPr>
-      <p:sp>
-        <p:nvSpPr>
-          <p:cNvPr id="2" name="Zástupný symbol pro obrázek snímku 1"/>
-          <p:cNvSpPr>
-            <a:spLocks noGrp="1" noRot="1" noChangeAspect="1"/>
-          </p:cNvSpPr>
-          <p:nvPr>
-            <p:ph type="sldImg"/>
-          </p:nvPr>
-        </p:nvSpPr>
-        <p:spPr/>
-      </p:sp>
-      <p:sp>
-        <p:nvSpPr>
-          <p:cNvPr id="3" name="Zástupný symbol pro poznámky 2"/>
-          <p:cNvSpPr>
-            <a:spLocks noGrp="1"/>
-          </p:cNvSpPr>
-          <p:nvPr>
-            <p:ph type="body" idx="1"/>
-          </p:nvPr>
-        </p:nvSpPr>
-        <p:spPr/>
-        <p:txBody>
-          <a:bodyPr/>
-          <a:lstStyle/>
-          <a:p>
-            <a:endParaRPr lang="cs-CZ" dirty="0"/>
-          </a:p>
-        </p:txBody>
-      </p:sp>
-      <p:sp>
-        <p:nvSpPr>
-          <p:cNvPr id="4" name="Zástupný symbol pro číslo snímku 3"/>
-          <p:cNvSpPr>
-            <a:spLocks noGrp="1"/>
-          </p:cNvSpPr>
-          <p:nvPr>
-            <p:ph type="sldNum" sz="quarter" idx="5"/>
-          </p:nvPr>
-        </p:nvSpPr>
-        <p:spPr/>
-        <p:txBody>
-          <a:bodyPr/>
-          <a:lstStyle/>
-          <a:p>
-            <a:pPr algn="r"/>
-            <a:fld id="{3EBA5BD7-F043-4D1B-AA17-CD412FC534DE}" type="slidenum">
-              <a:rPr lang="cs-CZ" smtClean="0"/>
-              <a:pPr algn="r"/>
-              <a:t>21</a:t>
+              <a:t>24</a:t>
             </a:fld>
             <a:endParaRPr lang="cs-CZ" dirty="0"/>
           </a:p>
@@ -1893,7 +1513,7 @@
             <a:fld id="{3EBA5BD7-F043-4D1B-AA17-CD412FC534DE}" type="slidenum">
               <a:rPr lang="cs-CZ" smtClean="0"/>
               <a:pPr algn="r"/>
-              <a:t>2</a:t>
+              <a:t>3</a:t>
             </a:fld>
             <a:endParaRPr lang="cs-CZ" dirty="0"/>
           </a:p>
@@ -1979,7 +1599,7 @@
             <a:fld id="{3EBA5BD7-F043-4D1B-AA17-CD412FC534DE}" type="slidenum">
               <a:rPr lang="cs-CZ" smtClean="0"/>
               <a:pPr algn="r"/>
-              <a:t>3</a:t>
+              <a:t>4</a:t>
             </a:fld>
             <a:endParaRPr lang="cs-CZ" dirty="0"/>
           </a:p>
@@ -2065,7 +1685,7 @@
             <a:fld id="{3EBA5BD7-F043-4D1B-AA17-CD412FC534DE}" type="slidenum">
               <a:rPr lang="cs-CZ" smtClean="0"/>
               <a:pPr algn="r"/>
-              <a:t>4</a:t>
+              <a:t>5</a:t>
             </a:fld>
             <a:endParaRPr lang="cs-CZ" dirty="0"/>
           </a:p>
@@ -2151,7 +1771,7 @@
             <a:fld id="{3EBA5BD7-F043-4D1B-AA17-CD412FC534DE}" type="slidenum">
               <a:rPr lang="cs-CZ" smtClean="0"/>
               <a:pPr algn="r"/>
-              <a:t>5</a:t>
+              <a:t>6</a:t>
             </a:fld>
             <a:endParaRPr lang="cs-CZ" dirty="0"/>
           </a:p>
@@ -2225,7 +1845,7 @@
             <a:spLocks noGrp="1"/>
           </p:cNvSpPr>
           <p:nvPr>
-            <p:ph type="sldNum" sz="quarter" idx="10"/>
+            <p:ph type="sldNum" sz="quarter" idx="5"/>
           </p:nvPr>
         </p:nvSpPr>
         <p:spPr/>
@@ -2237,7 +1857,7 @@
             <a:fld id="{3EBA5BD7-F043-4D1B-AA17-CD412FC534DE}" type="slidenum">
               <a:rPr lang="cs-CZ" smtClean="0"/>
               <a:pPr algn="r"/>
-              <a:t>10</a:t>
+              <a:t>7</a:t>
             </a:fld>
             <a:endParaRPr lang="cs-CZ" dirty="0"/>
           </a:p>
@@ -2246,7 +1866,7 @@
     </p:spTree>
     <p:extLst>
       <p:ext uri="{BB962C8B-B14F-4D97-AF65-F5344CB8AC3E}">
-        <p14:creationId xmlns:p14="http://schemas.microsoft.com/office/powerpoint/2010/main" val="3372699755"/>
+        <p14:creationId xmlns:p14="http://schemas.microsoft.com/office/powerpoint/2010/main" val="990110337"/>
       </p:ext>
     </p:extLst>
   </p:cSld>
@@ -2300,10 +1920,6 @@
           <a:bodyPr/>
           <a:lstStyle/>
           <a:p>
-            <a:pPr marL="0" indent="0">
-              <a:buFont typeface="+mj-lt"/>
-              <a:buNone/>
-            </a:pPr>
             <a:endParaRPr lang="cs-CZ" dirty="0"/>
           </a:p>
         </p:txBody>
@@ -2315,7 +1931,7 @@
             <a:spLocks noGrp="1"/>
           </p:cNvSpPr>
           <p:nvPr>
-            <p:ph type="sldNum" sz="quarter" idx="5"/>
+            <p:ph type="sldNum" sz="quarter" idx="10"/>
           </p:nvPr>
         </p:nvSpPr>
         <p:spPr/>
@@ -2327,7 +1943,7 @@
             <a:fld id="{3EBA5BD7-F043-4D1B-AA17-CD412FC534DE}" type="slidenum">
               <a:rPr lang="cs-CZ" smtClean="0"/>
               <a:pPr algn="r"/>
-              <a:t>11</a:t>
+              <a:t>12</a:t>
             </a:fld>
             <a:endParaRPr lang="cs-CZ" dirty="0"/>
           </a:p>
@@ -2336,7 +1952,7 @@
     </p:spTree>
     <p:extLst>
       <p:ext uri="{BB962C8B-B14F-4D97-AF65-F5344CB8AC3E}">
-        <p14:creationId xmlns:p14="http://schemas.microsoft.com/office/powerpoint/2010/main" val="1856689901"/>
+        <p14:creationId xmlns:p14="http://schemas.microsoft.com/office/powerpoint/2010/main" val="3372699755"/>
       </p:ext>
     </p:extLst>
   </p:cSld>
@@ -2390,6 +2006,10 @@
           <a:bodyPr/>
           <a:lstStyle/>
           <a:p>
+            <a:pPr marL="0" indent="0">
+              <a:buFont typeface="+mj-lt"/>
+              <a:buNone/>
+            </a:pPr>
             <a:endParaRPr lang="cs-CZ" dirty="0"/>
           </a:p>
         </p:txBody>
@@ -2401,7 +2021,7 @@
             <a:spLocks noGrp="1"/>
           </p:cNvSpPr>
           <p:nvPr>
-            <p:ph type="sldNum" sz="quarter" idx="10"/>
+            <p:ph type="sldNum" sz="quarter" idx="5"/>
           </p:nvPr>
         </p:nvSpPr>
         <p:spPr/>
@@ -2413,7 +2033,7 @@
             <a:fld id="{3EBA5BD7-F043-4D1B-AA17-CD412FC534DE}" type="slidenum">
               <a:rPr lang="cs-CZ" smtClean="0"/>
               <a:pPr algn="r"/>
-              <a:t>12</a:t>
+              <a:t>13</a:t>
             </a:fld>
             <a:endParaRPr lang="cs-CZ" dirty="0"/>
           </a:p>
@@ -2422,7 +2042,7 @@
     </p:spTree>
     <p:extLst>
       <p:ext uri="{BB962C8B-B14F-4D97-AF65-F5344CB8AC3E}">
-        <p14:creationId xmlns:p14="http://schemas.microsoft.com/office/powerpoint/2010/main" val="469735687"/>
+        <p14:creationId xmlns:p14="http://schemas.microsoft.com/office/powerpoint/2010/main" val="1856689901"/>
       </p:ext>
     </p:extLst>
   </p:cSld>
@@ -2487,7 +2107,7 @@
             <a:spLocks noGrp="1"/>
           </p:cNvSpPr>
           <p:nvPr>
-            <p:ph type="sldNum" sz="quarter" idx="5"/>
+            <p:ph type="sldNum" sz="quarter" idx="10"/>
           </p:nvPr>
         </p:nvSpPr>
         <p:spPr/>
@@ -2499,7 +2119,7 @@
             <a:fld id="{3EBA5BD7-F043-4D1B-AA17-CD412FC534DE}" type="slidenum">
               <a:rPr lang="cs-CZ" smtClean="0"/>
               <a:pPr algn="r"/>
-              <a:t>13</a:t>
+              <a:t>14</a:t>
             </a:fld>
             <a:endParaRPr lang="cs-CZ" dirty="0"/>
           </a:p>
@@ -2508,7 +2128,7 @@
     </p:spTree>
     <p:extLst>
       <p:ext uri="{BB962C8B-B14F-4D97-AF65-F5344CB8AC3E}">
-        <p14:creationId xmlns:p14="http://schemas.microsoft.com/office/powerpoint/2010/main" val="2768769316"/>
+        <p14:creationId xmlns:p14="http://schemas.microsoft.com/office/powerpoint/2010/main" val="469735687"/>
       </p:ext>
     </p:extLst>
   </p:cSld>
@@ -3342,13 +2962,13 @@
   <p:clrMapOvr>
     <a:masterClrMapping/>
   </p:clrMapOvr>
-  <mc:AlternateContent xmlns:mc="http://schemas.openxmlformats.org/markup-compatibility/2006">
-    <mc:Choice xmlns:p159="http://schemas.microsoft.com/office/powerpoint/2015/09/main" Requires="p159">
+  <mc:AlternateContent xmlns:mc="http://schemas.openxmlformats.org/markup-compatibility/2006" xmlns:p159="http://schemas.microsoft.com/office/powerpoint/2015/09/main">
+    <mc:Choice Requires="p159">
       <p:transition spd="slow">
         <p159:morph option="byObject"/>
       </p:transition>
     </mc:Choice>
-    <mc:Fallback>
+    <mc:Fallback xmlns="">
       <p:transition spd="slow">
         <p:fade/>
       </p:transition>
@@ -3551,13 +3171,13 @@
   <p:clrMapOvr>
     <a:masterClrMapping/>
   </p:clrMapOvr>
-  <mc:AlternateContent xmlns:mc="http://schemas.openxmlformats.org/markup-compatibility/2006">
-    <mc:Choice xmlns:p159="http://schemas.microsoft.com/office/powerpoint/2015/09/main" Requires="p159">
+  <mc:AlternateContent xmlns:mc="http://schemas.openxmlformats.org/markup-compatibility/2006" xmlns:p159="http://schemas.microsoft.com/office/powerpoint/2015/09/main">
+    <mc:Choice Requires="p159">
       <p:transition spd="slow">
         <p159:morph option="byObject"/>
       </p:transition>
     </mc:Choice>
-    <mc:Fallback>
+    <mc:Fallback xmlns="">
       <p:transition spd="slow">
         <p:fade/>
       </p:transition>
@@ -3770,13 +3390,13 @@
   <p:clrMapOvr>
     <a:masterClrMapping/>
   </p:clrMapOvr>
-  <mc:AlternateContent xmlns:mc="http://schemas.openxmlformats.org/markup-compatibility/2006">
-    <mc:Choice xmlns:p159="http://schemas.microsoft.com/office/powerpoint/2015/09/main" Requires="p159">
+  <mc:AlternateContent xmlns:mc="http://schemas.openxmlformats.org/markup-compatibility/2006" xmlns:p159="http://schemas.microsoft.com/office/powerpoint/2015/09/main">
+    <mc:Choice Requires="p159">
       <p:transition spd="slow">
         <p159:morph option="byObject"/>
       </p:transition>
     </mc:Choice>
-    <mc:Fallback>
+    <mc:Fallback xmlns="">
       <p:transition spd="slow">
         <p:fade/>
       </p:transition>
@@ -4005,13 +3625,13 @@
   <p:clrMapOvr>
     <a:masterClrMapping/>
   </p:clrMapOvr>
-  <mc:AlternateContent xmlns:mc="http://schemas.openxmlformats.org/markup-compatibility/2006">
-    <mc:Choice xmlns:p159="http://schemas.microsoft.com/office/powerpoint/2015/09/main" Requires="p159">
+  <mc:AlternateContent xmlns:mc="http://schemas.openxmlformats.org/markup-compatibility/2006" xmlns:p159="http://schemas.microsoft.com/office/powerpoint/2015/09/main">
+    <mc:Choice Requires="p159">
       <p:transition spd="slow">
         <p159:morph option="byObject"/>
       </p:transition>
     </mc:Choice>
-    <mc:Fallback>
+    <mc:Fallback xmlns="">
       <p:transition spd="slow">
         <p:fade/>
       </p:transition>
@@ -4218,13 +3838,13 @@
   <p:clrMapOvr>
     <a:masterClrMapping/>
   </p:clrMapOvr>
-  <mc:AlternateContent xmlns:mc="http://schemas.openxmlformats.org/markup-compatibility/2006">
-    <mc:Choice xmlns:p159="http://schemas.microsoft.com/office/powerpoint/2015/09/main" Requires="p159">
+  <mc:AlternateContent xmlns:mc="http://schemas.openxmlformats.org/markup-compatibility/2006" xmlns:p159="http://schemas.microsoft.com/office/powerpoint/2015/09/main">
+    <mc:Choice Requires="p159">
       <p:transition spd="slow">
         <p159:morph option="byObject"/>
       </p:transition>
     </mc:Choice>
-    <mc:Fallback>
+    <mc:Fallback xmlns="">
       <p:transition spd="slow">
         <p:fade/>
       </p:transition>
@@ -4508,13 +4128,13 @@
   <p:clrMapOvr>
     <a:masterClrMapping/>
   </p:clrMapOvr>
-  <mc:AlternateContent xmlns:mc="http://schemas.openxmlformats.org/markup-compatibility/2006">
-    <mc:Choice xmlns:p159="http://schemas.microsoft.com/office/powerpoint/2015/09/main" Requires="p159">
+  <mc:AlternateContent xmlns:mc="http://schemas.openxmlformats.org/markup-compatibility/2006" xmlns:p159="http://schemas.microsoft.com/office/powerpoint/2015/09/main">
+    <mc:Choice Requires="p159">
       <p:transition spd="slow">
         <p159:morph option="byObject"/>
       </p:transition>
     </mc:Choice>
-    <mc:Fallback>
+    <mc:Fallback xmlns="">
       <p:transition spd="slow">
         <p:fade/>
       </p:transition>
@@ -4787,13 +4407,13 @@
   <p:clrMapOvr>
     <a:masterClrMapping/>
   </p:clrMapOvr>
-  <mc:AlternateContent xmlns:mc="http://schemas.openxmlformats.org/markup-compatibility/2006">
-    <mc:Choice xmlns:p159="http://schemas.microsoft.com/office/powerpoint/2015/09/main" Requires="p159">
+  <mc:AlternateContent xmlns:mc="http://schemas.openxmlformats.org/markup-compatibility/2006" xmlns:p159="http://schemas.microsoft.com/office/powerpoint/2015/09/main">
+    <mc:Choice Requires="p159">
       <p:transition spd="slow">
         <p159:morph option="byObject"/>
       </p:transition>
     </mc:Choice>
-    <mc:Fallback>
+    <mc:Fallback xmlns="">
       <p:transition spd="slow">
         <p:fade/>
       </p:transition>
@@ -5214,13 +4834,13 @@
   <p:clrMapOvr>
     <a:masterClrMapping/>
   </p:clrMapOvr>
-  <mc:AlternateContent xmlns:mc="http://schemas.openxmlformats.org/markup-compatibility/2006">
-    <mc:Choice xmlns:p159="http://schemas.microsoft.com/office/powerpoint/2015/09/main" Requires="p159">
+  <mc:AlternateContent xmlns:mc="http://schemas.openxmlformats.org/markup-compatibility/2006" xmlns:p159="http://schemas.microsoft.com/office/powerpoint/2015/09/main">
+    <mc:Choice Requires="p159">
       <p:transition spd="slow">
         <p159:morph option="byObject"/>
       </p:transition>
     </mc:Choice>
-    <mc:Fallback>
+    <mc:Fallback xmlns="">
       <p:transition spd="slow">
         <p:fade/>
       </p:transition>
@@ -5370,13 +4990,13 @@
   <p:clrMapOvr>
     <a:masterClrMapping/>
   </p:clrMapOvr>
-  <mc:AlternateContent xmlns:mc="http://schemas.openxmlformats.org/markup-compatibility/2006">
-    <mc:Choice xmlns:p159="http://schemas.microsoft.com/office/powerpoint/2015/09/main" Requires="p159">
+  <mc:AlternateContent xmlns:mc="http://schemas.openxmlformats.org/markup-compatibility/2006" xmlns:p159="http://schemas.microsoft.com/office/powerpoint/2015/09/main">
+    <mc:Choice Requires="p159">
       <p:transition spd="slow">
         <p159:morph option="byObject"/>
       </p:transition>
     </mc:Choice>
-    <mc:Fallback>
+    <mc:Fallback xmlns="">
       <p:transition spd="slow">
         <p:fade/>
       </p:transition>
@@ -5497,13 +5117,13 @@
   <p:clrMapOvr>
     <a:masterClrMapping/>
   </p:clrMapOvr>
-  <mc:AlternateContent xmlns:mc="http://schemas.openxmlformats.org/markup-compatibility/2006">
-    <mc:Choice xmlns:p159="http://schemas.microsoft.com/office/powerpoint/2015/09/main" Requires="p159">
+  <mc:AlternateContent xmlns:mc="http://schemas.openxmlformats.org/markup-compatibility/2006" xmlns:p159="http://schemas.microsoft.com/office/powerpoint/2015/09/main">
+    <mc:Choice Requires="p159">
       <p:transition spd="slow">
         <p159:morph option="byObject"/>
       </p:transition>
     </mc:Choice>
-    <mc:Fallback>
+    <mc:Fallback xmlns="">
       <p:transition spd="slow">
         <p:fade/>
       </p:transition>
@@ -5823,13 +5443,13 @@
   <p:clrMapOvr>
     <a:masterClrMapping/>
   </p:clrMapOvr>
-  <mc:AlternateContent xmlns:mc="http://schemas.openxmlformats.org/markup-compatibility/2006">
-    <mc:Choice xmlns:p159="http://schemas.microsoft.com/office/powerpoint/2015/09/main" Requires="p159">
+  <mc:AlternateContent xmlns:mc="http://schemas.openxmlformats.org/markup-compatibility/2006" xmlns:p159="http://schemas.microsoft.com/office/powerpoint/2015/09/main">
+    <mc:Choice Requires="p159">
       <p:transition spd="slow">
         <p159:morph option="byObject"/>
       </p:transition>
     </mc:Choice>
-    <mc:Fallback>
+    <mc:Fallback xmlns="">
       <p:transition spd="slow">
         <p:fade/>
       </p:transition>
@@ -6072,13 +5692,13 @@
   <p:clrMapOvr>
     <a:masterClrMapping/>
   </p:clrMapOvr>
-  <mc:AlternateContent xmlns:mc="http://schemas.openxmlformats.org/markup-compatibility/2006">
-    <mc:Choice xmlns:p159="http://schemas.microsoft.com/office/powerpoint/2015/09/main" Requires="p159">
+  <mc:AlternateContent xmlns:mc="http://schemas.openxmlformats.org/markup-compatibility/2006" xmlns:p159="http://schemas.microsoft.com/office/powerpoint/2015/09/main">
+    <mc:Choice Requires="p159">
       <p:transition spd="slow">
         <p159:morph option="byObject"/>
       </p:transition>
     </mc:Choice>
-    <mc:Fallback>
+    <mc:Fallback xmlns="">
       <p:transition spd="slow">
         <p:fade/>
       </p:transition>
@@ -6375,13 +5995,13 @@
   <p:clrMapOvr>
     <a:masterClrMapping/>
   </p:clrMapOvr>
-  <mc:AlternateContent xmlns:mc="http://schemas.openxmlformats.org/markup-compatibility/2006">
-    <mc:Choice xmlns:p159="http://schemas.microsoft.com/office/powerpoint/2015/09/main" Requires="p159">
+  <mc:AlternateContent xmlns:mc="http://schemas.openxmlformats.org/markup-compatibility/2006" xmlns:p159="http://schemas.microsoft.com/office/powerpoint/2015/09/main">
+    <mc:Choice Requires="p159">
       <p:transition spd="slow">
         <p159:morph option="byObject"/>
       </p:transition>
     </mc:Choice>
-    <mc:Fallback>
+    <mc:Fallback xmlns="">
       <p:transition spd="slow">
         <p:fade/>
       </p:transition>
@@ -6588,13 +6208,13 @@
   <p:clrMapOvr>
     <a:masterClrMapping/>
   </p:clrMapOvr>
-  <mc:AlternateContent xmlns:mc="http://schemas.openxmlformats.org/markup-compatibility/2006">
-    <mc:Choice xmlns:p159="http://schemas.microsoft.com/office/powerpoint/2015/09/main" Requires="p159">
+  <mc:AlternateContent xmlns:mc="http://schemas.openxmlformats.org/markup-compatibility/2006" xmlns:p159="http://schemas.microsoft.com/office/powerpoint/2015/09/main">
+    <mc:Choice Requires="p159">
       <p:transition spd="slow">
         <p159:morph option="byObject"/>
       </p:transition>
     </mc:Choice>
-    <mc:Fallback>
+    <mc:Fallback xmlns="">
       <p:transition spd="slow">
         <p:fade/>
       </p:transition>
@@ -6811,13 +6431,13 @@
   <p:clrMapOvr>
     <a:masterClrMapping/>
   </p:clrMapOvr>
-  <mc:AlternateContent xmlns:mc="http://schemas.openxmlformats.org/markup-compatibility/2006">
-    <mc:Choice xmlns:p159="http://schemas.microsoft.com/office/powerpoint/2015/09/main" Requires="p159">
+  <mc:AlternateContent xmlns:mc="http://schemas.openxmlformats.org/markup-compatibility/2006" xmlns:p159="http://schemas.microsoft.com/office/powerpoint/2015/09/main">
+    <mc:Choice Requires="p159">
       <p:transition spd="slow">
         <p159:morph option="byObject"/>
       </p:transition>
     </mc:Choice>
-    <mc:Fallback>
+    <mc:Fallback xmlns="">
       <p:transition spd="slow">
         <p:fade/>
       </p:transition>
@@ -7254,13 +6874,13 @@
   <p:clrMapOvr>
     <a:masterClrMapping/>
   </p:clrMapOvr>
-  <mc:AlternateContent xmlns:mc="http://schemas.openxmlformats.org/markup-compatibility/2006">
-    <mc:Choice xmlns:p159="http://schemas.microsoft.com/office/powerpoint/2015/09/main" Requires="p159">
+  <mc:AlternateContent xmlns:mc="http://schemas.openxmlformats.org/markup-compatibility/2006" xmlns:p159="http://schemas.microsoft.com/office/powerpoint/2015/09/main">
+    <mc:Choice Requires="p159">
       <p:transition spd="slow">
         <p159:morph option="byObject"/>
       </p:transition>
     </mc:Choice>
-    <mc:Fallback>
+    <mc:Fallback xmlns="">
       <p:transition spd="slow">
         <p:fade/>
       </p:transition>
@@ -7567,13 +7187,13 @@
   <p:clrMapOvr>
     <a:masterClrMapping/>
   </p:clrMapOvr>
-  <mc:AlternateContent xmlns:mc="http://schemas.openxmlformats.org/markup-compatibility/2006">
-    <mc:Choice xmlns:p159="http://schemas.microsoft.com/office/powerpoint/2015/09/main" Requires="p159">
+  <mc:AlternateContent xmlns:mc="http://schemas.openxmlformats.org/markup-compatibility/2006" xmlns:p159="http://schemas.microsoft.com/office/powerpoint/2015/09/main">
+    <mc:Choice Requires="p159">
       <p:transition spd="slow">
         <p159:morph option="byObject"/>
       </p:transition>
     </mc:Choice>
-    <mc:Fallback>
+    <mc:Fallback xmlns="">
       <p:transition spd="slow">
         <p:fade/>
       </p:transition>
@@ -8029,13 +7649,13 @@
   <p:clrMapOvr>
     <a:masterClrMapping/>
   </p:clrMapOvr>
-  <mc:AlternateContent xmlns:mc="http://schemas.openxmlformats.org/markup-compatibility/2006">
-    <mc:Choice xmlns:p159="http://schemas.microsoft.com/office/powerpoint/2015/09/main" Requires="p159">
+  <mc:AlternateContent xmlns:mc="http://schemas.openxmlformats.org/markup-compatibility/2006" xmlns:p159="http://schemas.microsoft.com/office/powerpoint/2015/09/main">
+    <mc:Choice Requires="p159">
       <p:transition spd="slow">
         <p159:morph option="byObject"/>
       </p:transition>
     </mc:Choice>
-    <mc:Fallback>
+    <mc:Fallback xmlns="">
       <p:transition spd="slow">
         <p:fade/>
       </p:transition>
@@ -8171,13 +7791,13 @@
   <p:clrMapOvr>
     <a:masterClrMapping/>
   </p:clrMapOvr>
-  <mc:AlternateContent xmlns:mc="http://schemas.openxmlformats.org/markup-compatibility/2006">
-    <mc:Choice xmlns:p159="http://schemas.microsoft.com/office/powerpoint/2015/09/main" Requires="p159">
+  <mc:AlternateContent xmlns:mc="http://schemas.openxmlformats.org/markup-compatibility/2006" xmlns:p159="http://schemas.microsoft.com/office/powerpoint/2015/09/main">
+    <mc:Choice Requires="p159">
       <p:transition spd="slow">
         <p159:morph option="byObject"/>
       </p:transition>
     </mc:Choice>
-    <mc:Fallback>
+    <mc:Fallback xmlns="">
       <p:transition spd="slow">
         <p:fade/>
       </p:transition>
@@ -8285,13 +7905,13 @@
   <p:clrMapOvr>
     <a:masterClrMapping/>
   </p:clrMapOvr>
-  <mc:AlternateContent xmlns:mc="http://schemas.openxmlformats.org/markup-compatibility/2006">
-    <mc:Choice xmlns:p159="http://schemas.microsoft.com/office/powerpoint/2015/09/main" Requires="p159">
+  <mc:AlternateContent xmlns:mc="http://schemas.openxmlformats.org/markup-compatibility/2006" xmlns:p159="http://schemas.microsoft.com/office/powerpoint/2015/09/main">
+    <mc:Choice Requires="p159">
       <p:transition spd="slow">
         <p159:morph option="byObject"/>
       </p:transition>
     </mc:Choice>
-    <mc:Fallback>
+    <mc:Fallback xmlns="">
       <p:transition spd="slow">
         <p:fade/>
       </p:transition>
@@ -8591,13 +8211,13 @@
   <p:clrMapOvr>
     <a:masterClrMapping/>
   </p:clrMapOvr>
-  <mc:AlternateContent xmlns:mc="http://schemas.openxmlformats.org/markup-compatibility/2006">
-    <mc:Choice xmlns:p159="http://schemas.microsoft.com/office/powerpoint/2015/09/main" Requires="p159">
+  <mc:AlternateContent xmlns:mc="http://schemas.openxmlformats.org/markup-compatibility/2006" xmlns:p159="http://schemas.microsoft.com/office/powerpoint/2015/09/main">
+    <mc:Choice Requires="p159">
       <p:transition spd="slow">
         <p159:morph option="byObject"/>
       </p:transition>
     </mc:Choice>
-    <mc:Fallback>
+    <mc:Fallback xmlns="">
       <p:transition spd="slow">
         <p:fade/>
       </p:transition>
@@ -8887,13 +8507,13 @@
   <p:clrMapOvr>
     <a:masterClrMapping/>
   </p:clrMapOvr>
-  <mc:AlternateContent xmlns:mc="http://schemas.openxmlformats.org/markup-compatibility/2006">
-    <mc:Choice xmlns:p159="http://schemas.microsoft.com/office/powerpoint/2015/09/main" Requires="p159">
+  <mc:AlternateContent xmlns:mc="http://schemas.openxmlformats.org/markup-compatibility/2006" xmlns:p159="http://schemas.microsoft.com/office/powerpoint/2015/09/main">
+    <mc:Choice Requires="p159">
       <p:transition spd="slow">
         <p159:morph option="byObject"/>
       </p:transition>
     </mc:Choice>
-    <mc:Fallback>
+    <mc:Fallback xmlns="">
       <p:transition spd="slow">
         <p:fade/>
       </p:transition>
@@ -9558,13 +9178,13 @@
     <p:sldLayoutId id="2147483670" r:id="rId10"/>
     <p:sldLayoutId id="2147483671" r:id="rId11"/>
   </p:sldLayoutIdLst>
-  <mc:AlternateContent xmlns:mc="http://schemas.openxmlformats.org/markup-compatibility/2006">
-    <mc:Choice xmlns:p159="http://schemas.microsoft.com/office/powerpoint/2015/09/main" Requires="p159">
+  <mc:AlternateContent xmlns:mc="http://schemas.openxmlformats.org/markup-compatibility/2006" xmlns:p159="http://schemas.microsoft.com/office/powerpoint/2015/09/main">
+    <mc:Choice Requires="p159">
       <p:transition spd="slow">
         <p159:morph option="byObject"/>
       </p:transition>
     </mc:Choice>
-    <mc:Fallback>
+    <mc:Fallback xmlns="">
       <p:transition spd="slow">
         <p:fade/>
       </p:transition>
@@ -10192,13 +9812,13 @@
     <p:sldLayoutId id="2147483682" r:id="rId10"/>
     <p:sldLayoutId id="2147483683" r:id="rId11"/>
   </p:sldLayoutIdLst>
-  <mc:AlternateContent xmlns:mc="http://schemas.openxmlformats.org/markup-compatibility/2006">
-    <mc:Choice xmlns:p159="http://schemas.microsoft.com/office/powerpoint/2015/09/main" Requires="p159">
+  <mc:AlternateContent xmlns:mc="http://schemas.openxmlformats.org/markup-compatibility/2006" xmlns:p159="http://schemas.microsoft.com/office/powerpoint/2015/09/main">
+    <mc:Choice Requires="p159">
       <p:transition spd="slow">
         <p159:morph option="byObject"/>
       </p:transition>
     </mc:Choice>
-    <mc:Fallback>
+    <mc:Fallback xmlns="">
       <p:transition spd="slow">
         <p:fade/>
       </p:transition>
@@ -10509,6 +10129,1413 @@
           <a:chExt cx="0" cy="0"/>
         </a:xfrm>
       </p:grpSpPr>
+      <p:sp>
+        <p:nvSpPr>
+          <p:cNvPr id="4" name="Nadpis 3">
+            <a:extLst>
+              <a:ext uri="{FF2B5EF4-FFF2-40B4-BE49-F238E27FC236}">
+                <a16:creationId xmlns:a16="http://schemas.microsoft.com/office/drawing/2014/main" id="{BE056954-05EE-4779-9B2B-E107CED2D6FC}"/>
+              </a:ext>
+            </a:extLst>
+          </p:cNvPr>
+          <p:cNvSpPr>
+            <a:spLocks noGrp="1"/>
+          </p:cNvSpPr>
+          <p:nvPr>
+            <p:ph type="ctrTitle"/>
+          </p:nvPr>
+        </p:nvSpPr>
+        <p:spPr/>
+        <p:txBody>
+          <a:bodyPr/>
+          <a:lstStyle/>
+          <a:p>
+            <a:endParaRPr lang="cs-CZ"/>
+          </a:p>
+        </p:txBody>
+      </p:sp>
+      <p:sp>
+        <p:nvSpPr>
+          <p:cNvPr id="5" name="Podnadpis 4">
+            <a:extLst>
+              <a:ext uri="{FF2B5EF4-FFF2-40B4-BE49-F238E27FC236}">
+                <a16:creationId xmlns:a16="http://schemas.microsoft.com/office/drawing/2014/main" id="{43854BC4-52AD-4D4D-8819-878147FCF3CE}"/>
+              </a:ext>
+            </a:extLst>
+          </p:cNvPr>
+          <p:cNvSpPr>
+            <a:spLocks noGrp="1"/>
+          </p:cNvSpPr>
+          <p:nvPr>
+            <p:ph type="subTitle" idx="1"/>
+          </p:nvPr>
+        </p:nvSpPr>
+        <p:spPr/>
+        <p:txBody>
+          <a:bodyPr/>
+          <a:lstStyle/>
+          <a:p>
+            <a:endParaRPr lang="cs-CZ"/>
+          </a:p>
+        </p:txBody>
+      </p:sp>
+    </p:spTree>
+    <p:extLst>
+      <p:ext uri="{BB962C8B-B14F-4D97-AF65-F5344CB8AC3E}">
+        <p14:creationId xmlns:p14="http://schemas.microsoft.com/office/powerpoint/2010/main" val="1405588967"/>
+      </p:ext>
+    </p:extLst>
+  </p:cSld>
+  <p:clrMapOvr>
+    <a:masterClrMapping/>
+  </p:clrMapOvr>
+  <mc:AlternateContent xmlns:mc="http://schemas.openxmlformats.org/markup-compatibility/2006" xmlns:p159="http://schemas.microsoft.com/office/powerpoint/2015/09/main">
+    <mc:Choice Requires="p159">
+      <p:transition spd="slow">
+        <p159:morph option="byObject"/>
+      </p:transition>
+    </mc:Choice>
+    <mc:Fallback xmlns="">
+      <p:transition spd="slow">
+        <p:fade/>
+      </p:transition>
+    </mc:Fallback>
+  </mc:AlternateContent>
+</p:sld>
+</file>
+
+<file path=ppt/slides/slide10.xml><?xml version="1.0" encoding="utf-8"?>
+<p:sld xmlns:a="http://schemas.openxmlformats.org/drawingml/2006/main" xmlns:r="http://schemas.openxmlformats.org/officeDocument/2006/relationships" xmlns:p="http://schemas.openxmlformats.org/presentationml/2006/main">
+  <p:cSld>
+    <p:spTree>
+      <p:nvGrpSpPr>
+        <p:cNvPr id="1" name=""/>
+        <p:cNvGrpSpPr/>
+        <p:nvPr/>
+      </p:nvGrpSpPr>
+      <p:grpSpPr>
+        <a:xfrm>
+          <a:off x="0" y="0"/>
+          <a:ext cx="0" cy="0"/>
+          <a:chOff x="0" y="0"/>
+          <a:chExt cx="0" cy="0"/>
+        </a:xfrm>
+      </p:grpSpPr>
+      <p:sp>
+        <p:nvSpPr>
+          <p:cNvPr id="2" name="Nadpis 1">
+            <a:extLst>
+              <a:ext uri="{FF2B5EF4-FFF2-40B4-BE49-F238E27FC236}">
+                <a16:creationId xmlns:a16="http://schemas.microsoft.com/office/drawing/2014/main" id="{11BF8D4E-D914-4DA5-B983-7CE0ABDED187}"/>
+              </a:ext>
+            </a:extLst>
+          </p:cNvPr>
+          <p:cNvSpPr>
+            <a:spLocks noGrp="1"/>
+          </p:cNvSpPr>
+          <p:nvPr>
+            <p:ph type="title"/>
+          </p:nvPr>
+        </p:nvSpPr>
+        <p:spPr/>
+        <p:txBody>
+          <a:bodyPr/>
+          <a:lstStyle/>
+          <a:p>
+            <a:r>
+              <a:rPr lang="cs-CZ" dirty="0"/>
+              <a:t>PPMB32-F</a:t>
+            </a:r>
+          </a:p>
+        </p:txBody>
+      </p:sp>
+      <p:sp>
+        <p:nvSpPr>
+          <p:cNvPr id="3" name="Zástupný obsah 2">
+            <a:extLst>
+              <a:ext uri="{FF2B5EF4-FFF2-40B4-BE49-F238E27FC236}">
+                <a16:creationId xmlns:a16="http://schemas.microsoft.com/office/drawing/2014/main" id="{3EAE2FF4-A420-416B-9ECE-BC71F9058B8F}"/>
+              </a:ext>
+            </a:extLst>
+          </p:cNvPr>
+          <p:cNvSpPr>
+            <a:spLocks noGrp="1"/>
+          </p:cNvSpPr>
+          <p:nvPr>
+            <p:ph idx="1"/>
+          </p:nvPr>
+        </p:nvSpPr>
+        <p:spPr/>
+        <p:txBody>
+          <a:bodyPr/>
+          <a:lstStyle/>
+          <a:p>
+            <a:r>
+              <a:rPr lang="cs-CZ" dirty="0"/>
+              <a:t>ESP32 WROOM-32D</a:t>
+            </a:r>
+          </a:p>
+          <a:p>
+            <a:r>
+              <a:rPr lang="cs-CZ" dirty="0"/>
+              <a:t>Převodník USB -&gt; UART CP2102N přímo na desce</a:t>
+            </a:r>
+          </a:p>
+          <a:p>
+            <a:endParaRPr lang="cs-CZ" dirty="0"/>
+          </a:p>
+          <a:p>
+            <a:endParaRPr lang="cs-CZ" dirty="0"/>
+          </a:p>
+        </p:txBody>
+      </p:sp>
+    </p:spTree>
+    <p:extLst>
+      <p:ext uri="{BB962C8B-B14F-4D97-AF65-F5344CB8AC3E}">
+        <p14:creationId xmlns:p14="http://schemas.microsoft.com/office/powerpoint/2010/main" val="4205602873"/>
+      </p:ext>
+    </p:extLst>
+  </p:cSld>
+  <p:clrMapOvr>
+    <a:masterClrMapping/>
+  </p:clrMapOvr>
+  <mc:AlternateContent xmlns:mc="http://schemas.openxmlformats.org/markup-compatibility/2006" xmlns:p159="http://schemas.microsoft.com/office/powerpoint/2015/09/main">
+    <mc:Choice Requires="p159">
+      <p:transition spd="slow">
+        <p159:morph option="byObject"/>
+      </p:transition>
+    </mc:Choice>
+    <mc:Fallback xmlns="">
+      <p:transition spd="slow">
+        <p:fade/>
+      </p:transition>
+    </mc:Fallback>
+  </mc:AlternateContent>
+</p:sld>
+</file>
+
+<file path=ppt/slides/slide11.xml><?xml version="1.0" encoding="utf-8"?>
+<p:sld xmlns:a="http://schemas.openxmlformats.org/drawingml/2006/main" xmlns:r="http://schemas.openxmlformats.org/officeDocument/2006/relationships" xmlns:p="http://schemas.openxmlformats.org/presentationml/2006/main">
+  <p:cSld>
+    <p:spTree>
+      <p:nvGrpSpPr>
+        <p:cNvPr id="1" name=""/>
+        <p:cNvGrpSpPr/>
+        <p:nvPr/>
+      </p:nvGrpSpPr>
+      <p:grpSpPr>
+        <a:xfrm>
+          <a:off x="0" y="0"/>
+          <a:ext cx="0" cy="0"/>
+          <a:chOff x="0" y="0"/>
+          <a:chExt cx="0" cy="0"/>
+        </a:xfrm>
+      </p:grpSpPr>
+      <p:sp>
+        <p:nvSpPr>
+          <p:cNvPr id="2" name="Nadpis 1">
+            <a:extLst>
+              <a:ext uri="{FF2B5EF4-FFF2-40B4-BE49-F238E27FC236}">
+                <a16:creationId xmlns:a16="http://schemas.microsoft.com/office/drawing/2014/main" id="{A38A4708-9936-499A-9378-DBC892DE8227}"/>
+              </a:ext>
+            </a:extLst>
+          </p:cNvPr>
+          <p:cNvSpPr>
+            <a:spLocks noGrp="1"/>
+          </p:cNvSpPr>
+          <p:nvPr>
+            <p:ph type="title"/>
+          </p:nvPr>
+        </p:nvSpPr>
+        <p:spPr/>
+        <p:txBody>
+          <a:bodyPr/>
+          <a:lstStyle/>
+          <a:p>
+            <a:r>
+              <a:rPr lang="cs-CZ" dirty="0"/>
+              <a:t>Ppmb32-e</a:t>
+            </a:r>
+          </a:p>
+        </p:txBody>
+      </p:sp>
+      <p:sp>
+        <p:nvSpPr>
+          <p:cNvPr id="3" name="Zástupný obsah 2">
+            <a:extLst>
+              <a:ext uri="{FF2B5EF4-FFF2-40B4-BE49-F238E27FC236}">
+                <a16:creationId xmlns:a16="http://schemas.microsoft.com/office/drawing/2014/main" id="{52B86B9A-187B-449F-A8D8-D0C8668FD3DF}"/>
+              </a:ext>
+            </a:extLst>
+          </p:cNvPr>
+          <p:cNvSpPr>
+            <a:spLocks noGrp="1"/>
+          </p:cNvSpPr>
+          <p:nvPr>
+            <p:ph idx="1"/>
+          </p:nvPr>
+        </p:nvSpPr>
+        <p:spPr/>
+        <p:txBody>
+          <a:bodyPr/>
+          <a:lstStyle/>
+          <a:p>
+            <a:r>
+              <a:rPr lang="cs-CZ" dirty="0"/>
+              <a:t>Zjednodušené osazování</a:t>
+            </a:r>
+          </a:p>
+          <a:p>
+            <a:r>
+              <a:rPr lang="cs-CZ" dirty="0"/>
+              <a:t>Patice pro ESP32 </a:t>
+            </a:r>
+            <a:r>
+              <a:rPr lang="cs-CZ" dirty="0" err="1"/>
+              <a:t>DevKitC</a:t>
+            </a:r>
+            <a:endParaRPr lang="cs-CZ" dirty="0"/>
+          </a:p>
+          <a:p>
+            <a:r>
+              <a:rPr lang="cs-CZ" dirty="0"/>
+              <a:t>Bez nutnosti osazování CP2102N</a:t>
+            </a:r>
+          </a:p>
+        </p:txBody>
+      </p:sp>
+    </p:spTree>
+    <p:extLst>
+      <p:ext uri="{BB962C8B-B14F-4D97-AF65-F5344CB8AC3E}">
+        <p14:creationId xmlns:p14="http://schemas.microsoft.com/office/powerpoint/2010/main" val="2211604054"/>
+      </p:ext>
+    </p:extLst>
+  </p:cSld>
+  <p:clrMapOvr>
+    <a:masterClrMapping/>
+  </p:clrMapOvr>
+  <mc:AlternateContent xmlns:mc="http://schemas.openxmlformats.org/markup-compatibility/2006" xmlns:p159="http://schemas.microsoft.com/office/powerpoint/2015/09/main">
+    <mc:Choice Requires="p159">
+      <p:transition spd="slow">
+        <p159:morph option="byObject"/>
+      </p:transition>
+    </mc:Choice>
+    <mc:Fallback xmlns="">
+      <p:transition spd="slow">
+        <p:fade/>
+      </p:transition>
+    </mc:Fallback>
+  </mc:AlternateContent>
+</p:sld>
+</file>
+
+<file path=ppt/slides/slide12.xml><?xml version="1.0" encoding="utf-8"?>
+<p:sld xmlns:a="http://schemas.openxmlformats.org/drawingml/2006/main" xmlns:r="http://schemas.openxmlformats.org/officeDocument/2006/relationships" xmlns:p="http://schemas.openxmlformats.org/presentationml/2006/main">
+  <p:cSld>
+    <p:spTree>
+      <p:nvGrpSpPr>
+        <p:cNvPr id="1" name=""/>
+        <p:cNvGrpSpPr/>
+        <p:nvPr/>
+      </p:nvGrpSpPr>
+      <p:grpSpPr>
+        <a:xfrm>
+          <a:off x="0" y="0"/>
+          <a:ext cx="0" cy="0"/>
+          <a:chOff x="0" y="0"/>
+          <a:chExt cx="0" cy="0"/>
+        </a:xfrm>
+      </p:grpSpPr>
+      <p:sp>
+        <p:nvSpPr>
+          <p:cNvPr id="4" name="Nadpis 3"/>
+          <p:cNvSpPr>
+            <a:spLocks noGrp="1"/>
+          </p:cNvSpPr>
+          <p:nvPr>
+            <p:ph type="title"/>
+          </p:nvPr>
+        </p:nvSpPr>
+        <p:spPr>
+          <a:xfrm>
+            <a:off x="1625176" y="2209801"/>
+            <a:ext cx="9293771" cy="2764335"/>
+          </a:xfrm>
+        </p:spPr>
+        <p:txBody>
+          <a:bodyPr rtlCol="0"/>
+          <a:lstStyle/>
+          <a:p>
+            <a:pPr rtl="0"/>
+            <a:r>
+              <a:rPr lang="cs-CZ" dirty="0">
+                <a:latin typeface="Acumin Pro" panose="020B0504020202020204" pitchFamily="34" charset="-18"/>
+                <a:ea typeface="Lato Semibold" panose="020F0502020204030203" pitchFamily="34" charset="0"/>
+                <a:cs typeface="Lato Semibold" panose="020F0502020204030203" pitchFamily="34" charset="0"/>
+              </a:rPr>
+              <a:t>PŘÍDAVNÉ MODULY</a:t>
+            </a:r>
+          </a:p>
+        </p:txBody>
+      </p:sp>
+      <p:sp>
+        <p:nvSpPr>
+          <p:cNvPr id="2" name="Zástupný text 1">
+            <a:extLst>
+              <a:ext uri="{FF2B5EF4-FFF2-40B4-BE49-F238E27FC236}">
+                <a16:creationId xmlns:a16="http://schemas.microsoft.com/office/drawing/2014/main" id="{6070F5CB-C8D9-4B76-B476-EF6AF9DAAD4D}"/>
+              </a:ext>
+            </a:extLst>
+          </p:cNvPr>
+          <p:cNvSpPr>
+            <a:spLocks noGrp="1"/>
+          </p:cNvSpPr>
+          <p:nvPr>
+            <p:ph type="body" idx="1"/>
+          </p:nvPr>
+        </p:nvSpPr>
+        <p:spPr/>
+        <p:txBody>
+          <a:bodyPr/>
+          <a:lstStyle/>
+          <a:p>
+            <a:r>
+              <a:rPr lang="cs-CZ" dirty="0"/>
+              <a:t>HARDWARE</a:t>
+            </a:r>
+          </a:p>
+        </p:txBody>
+      </p:sp>
+    </p:spTree>
+    <p:extLst>
+      <p:ext uri="{BB962C8B-B14F-4D97-AF65-F5344CB8AC3E}">
+        <p14:creationId xmlns:p14="http://schemas.microsoft.com/office/powerpoint/2010/main" val="4264977537"/>
+      </p:ext>
+    </p:extLst>
+  </p:cSld>
+  <p:clrMapOvr>
+    <a:masterClrMapping/>
+  </p:clrMapOvr>
+  <mc:AlternateContent xmlns:mc="http://schemas.openxmlformats.org/markup-compatibility/2006" xmlns:p159="http://schemas.microsoft.com/office/powerpoint/2015/09/main">
+    <mc:Choice Requires="p159">
+      <p:transition spd="slow">
+        <p159:morph option="byObject"/>
+      </p:transition>
+    </mc:Choice>
+    <mc:Fallback xmlns="">
+      <p:transition spd="slow">
+        <p:fade/>
+      </p:transition>
+    </mc:Fallback>
+  </mc:AlternateContent>
+</p:sld>
+</file>
+
+<file path=ppt/slides/slide13.xml><?xml version="1.0" encoding="utf-8"?>
+<p:sld xmlns:a="http://schemas.openxmlformats.org/drawingml/2006/main" xmlns:r="http://schemas.openxmlformats.org/officeDocument/2006/relationships" xmlns:p="http://schemas.openxmlformats.org/presentationml/2006/main">
+  <p:cSld>
+    <p:spTree>
+      <p:nvGrpSpPr>
+        <p:cNvPr id="1" name=""/>
+        <p:cNvGrpSpPr/>
+        <p:nvPr/>
+      </p:nvGrpSpPr>
+      <p:grpSpPr>
+        <a:xfrm>
+          <a:off x="0" y="0"/>
+          <a:ext cx="0" cy="0"/>
+          <a:chOff x="0" y="0"/>
+          <a:chExt cx="0" cy="0"/>
+        </a:xfrm>
+      </p:grpSpPr>
+      <p:sp>
+        <p:nvSpPr>
+          <p:cNvPr id="2" name="Nadpis 1">
+            <a:extLst>
+              <a:ext uri="{FF2B5EF4-FFF2-40B4-BE49-F238E27FC236}">
+                <a16:creationId xmlns:a16="http://schemas.microsoft.com/office/drawing/2014/main" id="{2DD3227F-4313-4695-8878-F9FC019B7FA1}"/>
+              </a:ext>
+            </a:extLst>
+          </p:cNvPr>
+          <p:cNvSpPr>
+            <a:spLocks noGrp="1"/>
+          </p:cNvSpPr>
+          <p:nvPr>
+            <p:ph type="title"/>
+          </p:nvPr>
+        </p:nvSpPr>
+        <p:spPr/>
+        <p:txBody>
+          <a:bodyPr/>
+          <a:lstStyle/>
+          <a:p>
+            <a:r>
+              <a:rPr lang="cs-CZ" dirty="0">
+                <a:latin typeface="Acumin Pro" panose="020B0504020202020204" pitchFamily="34" charset="-18"/>
+              </a:rPr>
+              <a:t>Přídavné moduly</a:t>
+            </a:r>
+          </a:p>
+        </p:txBody>
+      </p:sp>
+      <p:sp>
+        <p:nvSpPr>
+          <p:cNvPr id="3" name="Zástupný obsah 2">
+            <a:extLst>
+              <a:ext uri="{FF2B5EF4-FFF2-40B4-BE49-F238E27FC236}">
+                <a16:creationId xmlns:a16="http://schemas.microsoft.com/office/drawing/2014/main" id="{1DD2F21D-0C98-46F3-818D-20E4B07D96D6}"/>
+              </a:ext>
+            </a:extLst>
+          </p:cNvPr>
+          <p:cNvSpPr>
+            <a:spLocks noGrp="1"/>
+          </p:cNvSpPr>
+          <p:nvPr>
+            <p:ph idx="1"/>
+          </p:nvPr>
+        </p:nvSpPr>
+        <p:spPr/>
+        <p:txBody>
+          <a:bodyPr>
+            <a:normAutofit/>
+          </a:bodyPr>
+          <a:lstStyle/>
+          <a:p>
+            <a:r>
+              <a:rPr lang="cs-CZ" sz="2500" dirty="0"/>
+              <a:t>CIPM – </a:t>
+            </a:r>
+            <a:r>
+              <a:rPr lang="cs-CZ" sz="2500" u="sng" dirty="0" err="1"/>
+              <a:t>C</a:t>
+            </a:r>
+            <a:r>
+              <a:rPr lang="cs-CZ" sz="2500" dirty="0" err="1"/>
+              <a:t>ommunication</a:t>
+            </a:r>
+            <a:r>
+              <a:rPr lang="cs-CZ" sz="2500" dirty="0"/>
+              <a:t> </a:t>
+            </a:r>
+            <a:r>
+              <a:rPr lang="cs-CZ" sz="2500" u="sng" dirty="0"/>
+              <a:t>I</a:t>
+            </a:r>
+            <a:r>
+              <a:rPr lang="cs-CZ" sz="2500" dirty="0"/>
+              <a:t>nterface and </a:t>
+            </a:r>
+            <a:r>
+              <a:rPr lang="cs-CZ" sz="2500" u="sng" dirty="0" err="1"/>
+              <a:t>P</a:t>
+            </a:r>
+            <a:r>
+              <a:rPr lang="cs-CZ" sz="2500" dirty="0" err="1"/>
+              <a:t>ower</a:t>
+            </a:r>
+            <a:r>
+              <a:rPr lang="cs-CZ" sz="2500" dirty="0"/>
+              <a:t> </a:t>
+            </a:r>
+            <a:r>
+              <a:rPr lang="cs-CZ" sz="2500" u="sng" dirty="0"/>
+              <a:t>M</a:t>
+            </a:r>
+            <a:r>
+              <a:rPr lang="cs-CZ" sz="2500" dirty="0"/>
+              <a:t>odule</a:t>
+            </a:r>
+          </a:p>
+          <a:p>
+            <a:r>
+              <a:rPr lang="cs-CZ" dirty="0" err="1"/>
+              <a:t>PSpl</a:t>
+            </a:r>
+            <a:r>
+              <a:rPr lang="cs-CZ" dirty="0"/>
+              <a:t> – </a:t>
+            </a:r>
+            <a:r>
+              <a:rPr lang="cs-CZ" u="sng" dirty="0" err="1"/>
+              <a:t>P</a:t>
+            </a:r>
+            <a:r>
+              <a:rPr lang="cs-CZ" dirty="0" err="1"/>
+              <a:t>ower</a:t>
+            </a:r>
+            <a:r>
+              <a:rPr lang="cs-CZ" dirty="0"/>
+              <a:t> </a:t>
+            </a:r>
+            <a:r>
+              <a:rPr lang="cs-CZ" u="sng" dirty="0" err="1"/>
+              <a:t>Spl</a:t>
+            </a:r>
+            <a:r>
+              <a:rPr lang="cs-CZ" dirty="0" err="1"/>
+              <a:t>itter</a:t>
+            </a:r>
+            <a:endParaRPr lang="cs-CZ" dirty="0"/>
+          </a:p>
+          <a:p>
+            <a:r>
+              <a:rPr lang="cs-CZ" sz="2500" dirty="0"/>
+              <a:t>SHSM – </a:t>
+            </a:r>
+            <a:r>
+              <a:rPr lang="cs-CZ" sz="2500" u="sng" dirty="0" err="1"/>
+              <a:t>S</a:t>
+            </a:r>
+            <a:r>
+              <a:rPr lang="cs-CZ" sz="2500" dirty="0" err="1"/>
+              <a:t>oil</a:t>
+            </a:r>
+            <a:r>
+              <a:rPr lang="cs-CZ" sz="2500" dirty="0"/>
+              <a:t> </a:t>
+            </a:r>
+            <a:r>
+              <a:rPr lang="cs-CZ" sz="2500" u="sng" dirty="0"/>
+              <a:t>H</a:t>
+            </a:r>
+            <a:r>
+              <a:rPr lang="cs-CZ" dirty="0"/>
+              <a:t>umidity </a:t>
+            </a:r>
+            <a:r>
+              <a:rPr lang="cs-CZ" u="sng" dirty="0" err="1"/>
+              <a:t>S</a:t>
+            </a:r>
+            <a:r>
+              <a:rPr lang="cs-CZ" dirty="0" err="1"/>
+              <a:t>ensorics</a:t>
+            </a:r>
+            <a:r>
+              <a:rPr lang="cs-CZ" sz="2500" dirty="0"/>
+              <a:t> </a:t>
+            </a:r>
+            <a:r>
+              <a:rPr lang="cs-CZ" sz="2500" u="sng" dirty="0"/>
+              <a:t>M</a:t>
+            </a:r>
+            <a:r>
+              <a:rPr lang="cs-CZ" sz="2500" dirty="0"/>
+              <a:t>odule</a:t>
+            </a:r>
+          </a:p>
+          <a:p>
+            <a:r>
+              <a:rPr lang="cs-CZ" dirty="0"/>
+              <a:t>SEM – </a:t>
+            </a:r>
+            <a:r>
+              <a:rPr lang="cs-CZ" u="sng" dirty="0" err="1"/>
+              <a:t>S</a:t>
+            </a:r>
+            <a:r>
+              <a:rPr lang="cs-CZ" dirty="0" err="1"/>
+              <a:t>ensorics</a:t>
+            </a:r>
+            <a:r>
+              <a:rPr lang="cs-CZ" dirty="0"/>
+              <a:t> </a:t>
+            </a:r>
+            <a:r>
+              <a:rPr lang="cs-CZ" u="sng" dirty="0" err="1"/>
+              <a:t>E</a:t>
+            </a:r>
+            <a:r>
+              <a:rPr lang="cs-CZ" dirty="0" err="1"/>
+              <a:t>xpansion</a:t>
+            </a:r>
+            <a:r>
+              <a:rPr lang="cs-CZ" dirty="0"/>
+              <a:t> </a:t>
+            </a:r>
+            <a:r>
+              <a:rPr lang="cs-CZ" u="sng" dirty="0"/>
+              <a:t>M</a:t>
+            </a:r>
+            <a:r>
+              <a:rPr lang="cs-CZ" dirty="0"/>
+              <a:t>odule</a:t>
+            </a:r>
+          </a:p>
+          <a:p>
+            <a:r>
+              <a:rPr lang="cs-CZ" sz="2500" dirty="0"/>
+              <a:t>PCM – </a:t>
+            </a:r>
+            <a:r>
+              <a:rPr lang="cs-CZ" sz="2500" u="sng" dirty="0"/>
+              <a:t>P</a:t>
+            </a:r>
+            <a:r>
+              <a:rPr lang="cs-CZ" sz="2500" dirty="0"/>
+              <a:t>ump </a:t>
+            </a:r>
+            <a:r>
+              <a:rPr lang="cs-CZ" sz="2500" u="sng" dirty="0" err="1"/>
+              <a:t>C</a:t>
+            </a:r>
+            <a:r>
+              <a:rPr lang="cs-CZ" sz="2500" dirty="0" err="1"/>
+              <a:t>ontrol</a:t>
+            </a:r>
+            <a:r>
+              <a:rPr lang="cs-CZ" sz="2500" dirty="0"/>
+              <a:t> </a:t>
+            </a:r>
+            <a:r>
+              <a:rPr lang="cs-CZ" sz="2500" u="sng" dirty="0"/>
+              <a:t>M</a:t>
+            </a:r>
+            <a:r>
+              <a:rPr lang="cs-CZ" dirty="0"/>
+              <a:t>odule</a:t>
+            </a:r>
+          </a:p>
+          <a:p>
+            <a:r>
+              <a:rPr lang="cs-CZ" sz="2500" dirty="0"/>
+              <a:t>RCM – </a:t>
+            </a:r>
+            <a:r>
+              <a:rPr lang="cs-CZ" sz="2500" u="sng" dirty="0" err="1"/>
+              <a:t>R</a:t>
+            </a:r>
+            <a:r>
+              <a:rPr lang="cs-CZ" sz="2500" dirty="0" err="1"/>
+              <a:t>emote</a:t>
+            </a:r>
+            <a:r>
+              <a:rPr lang="cs-CZ" sz="2500" dirty="0"/>
+              <a:t> </a:t>
+            </a:r>
+            <a:r>
+              <a:rPr lang="cs-CZ" sz="2500" u="sng" dirty="0" err="1"/>
+              <a:t>C</a:t>
+            </a:r>
+            <a:r>
+              <a:rPr lang="cs-CZ" sz="2500" dirty="0" err="1"/>
+              <a:t>ontrol</a:t>
+            </a:r>
+            <a:r>
+              <a:rPr lang="cs-CZ" sz="2500" dirty="0"/>
+              <a:t> </a:t>
+            </a:r>
+            <a:r>
+              <a:rPr lang="cs-CZ" sz="2500" u="sng" dirty="0"/>
+              <a:t>M</a:t>
+            </a:r>
+            <a:r>
+              <a:rPr lang="cs-CZ" sz="2500" dirty="0"/>
+              <a:t>odule</a:t>
+            </a:r>
+          </a:p>
+        </p:txBody>
+      </p:sp>
+    </p:spTree>
+    <p:extLst>
+      <p:ext uri="{BB962C8B-B14F-4D97-AF65-F5344CB8AC3E}">
+        <p14:creationId xmlns:p14="http://schemas.microsoft.com/office/powerpoint/2010/main" val="3450856443"/>
+      </p:ext>
+    </p:extLst>
+  </p:cSld>
+  <p:clrMapOvr>
+    <a:masterClrMapping/>
+  </p:clrMapOvr>
+  <mc:AlternateContent xmlns:mc="http://schemas.openxmlformats.org/markup-compatibility/2006" xmlns:p159="http://schemas.microsoft.com/office/powerpoint/2015/09/main">
+    <mc:Choice Requires="p159">
+      <p:transition spd="slow">
+        <p159:morph option="byObject"/>
+      </p:transition>
+    </mc:Choice>
+    <mc:Fallback xmlns="">
+      <p:transition spd="slow">
+        <p:fade/>
+      </p:transition>
+    </mc:Fallback>
+  </mc:AlternateContent>
+</p:sld>
+</file>
+
+<file path=ppt/slides/slide14.xml><?xml version="1.0" encoding="utf-8"?>
+<p:sld xmlns:a="http://schemas.openxmlformats.org/drawingml/2006/main" xmlns:r="http://schemas.openxmlformats.org/officeDocument/2006/relationships" xmlns:p="http://schemas.openxmlformats.org/presentationml/2006/main">
+  <p:cSld>
+    <p:spTree>
+      <p:nvGrpSpPr>
+        <p:cNvPr id="1" name=""/>
+        <p:cNvGrpSpPr/>
+        <p:nvPr/>
+      </p:nvGrpSpPr>
+      <p:grpSpPr>
+        <a:xfrm>
+          <a:off x="0" y="0"/>
+          <a:ext cx="0" cy="0"/>
+          <a:chOff x="0" y="0"/>
+          <a:chExt cx="0" cy="0"/>
+        </a:xfrm>
+      </p:grpSpPr>
+      <p:sp>
+        <p:nvSpPr>
+          <p:cNvPr id="4" name="Nadpis 3"/>
+          <p:cNvSpPr>
+            <a:spLocks noGrp="1"/>
+          </p:cNvSpPr>
+          <p:nvPr>
+            <p:ph type="title"/>
+          </p:nvPr>
+        </p:nvSpPr>
+        <p:spPr/>
+        <p:txBody>
+          <a:bodyPr rtlCol="0"/>
+          <a:lstStyle/>
+          <a:p>
+            <a:pPr rtl="0"/>
+            <a:r>
+              <a:rPr lang="cs-CZ" dirty="0">
+                <a:latin typeface="Acumin Pro" panose="020B0504020202020204" pitchFamily="34" charset="-18"/>
+                <a:ea typeface="Lato Semibold" panose="020F0502020204030203" pitchFamily="34" charset="0"/>
+                <a:cs typeface="Lato Semibold" panose="020F0502020204030203" pitchFamily="34" charset="0"/>
+              </a:rPr>
+              <a:t>PERIFERIE</a:t>
+            </a:r>
+          </a:p>
+        </p:txBody>
+      </p:sp>
+      <p:sp>
+        <p:nvSpPr>
+          <p:cNvPr id="2" name="Zástupný text 1">
+            <a:extLst>
+              <a:ext uri="{FF2B5EF4-FFF2-40B4-BE49-F238E27FC236}">
+                <a16:creationId xmlns:a16="http://schemas.microsoft.com/office/drawing/2014/main" id="{6070F5CB-C8D9-4B76-B476-EF6AF9DAAD4D}"/>
+              </a:ext>
+            </a:extLst>
+          </p:cNvPr>
+          <p:cNvSpPr>
+            <a:spLocks noGrp="1"/>
+          </p:cNvSpPr>
+          <p:nvPr>
+            <p:ph type="body" idx="1"/>
+          </p:nvPr>
+        </p:nvSpPr>
+        <p:spPr/>
+        <p:txBody>
+          <a:bodyPr/>
+          <a:lstStyle/>
+          <a:p>
+            <a:r>
+              <a:rPr lang="cs-CZ" dirty="0"/>
+              <a:t>HARDWARE</a:t>
+            </a:r>
+          </a:p>
+        </p:txBody>
+      </p:sp>
+    </p:spTree>
+    <p:extLst>
+      <p:ext uri="{BB962C8B-B14F-4D97-AF65-F5344CB8AC3E}">
+        <p14:creationId xmlns:p14="http://schemas.microsoft.com/office/powerpoint/2010/main" val="2259038843"/>
+      </p:ext>
+    </p:extLst>
+  </p:cSld>
+  <p:clrMapOvr>
+    <a:masterClrMapping/>
+  </p:clrMapOvr>
+  <mc:AlternateContent xmlns:mc="http://schemas.openxmlformats.org/markup-compatibility/2006" xmlns:p159="http://schemas.microsoft.com/office/powerpoint/2015/09/main">
+    <mc:Choice Requires="p159">
+      <p:transition spd="slow">
+        <p159:morph option="byObject"/>
+      </p:transition>
+    </mc:Choice>
+    <mc:Fallback xmlns="">
+      <p:transition spd="slow">
+        <p:fade/>
+      </p:transition>
+    </mc:Fallback>
+  </mc:AlternateContent>
+</p:sld>
+</file>
+
+<file path=ppt/slides/slide15.xml><?xml version="1.0" encoding="utf-8"?>
+<p:sld xmlns:a="http://schemas.openxmlformats.org/drawingml/2006/main" xmlns:r="http://schemas.openxmlformats.org/officeDocument/2006/relationships" xmlns:p="http://schemas.openxmlformats.org/presentationml/2006/main">
+  <p:cSld>
+    <p:spTree>
+      <p:nvGrpSpPr>
+        <p:cNvPr id="1" name=""/>
+        <p:cNvGrpSpPr/>
+        <p:nvPr/>
+      </p:nvGrpSpPr>
+      <p:grpSpPr>
+        <a:xfrm>
+          <a:off x="0" y="0"/>
+          <a:ext cx="0" cy="0"/>
+          <a:chOff x="0" y="0"/>
+          <a:chExt cx="0" cy="0"/>
+        </a:xfrm>
+      </p:grpSpPr>
+      <p:sp>
+        <p:nvSpPr>
+          <p:cNvPr id="2" name="Nadpis 1">
+            <a:extLst>
+              <a:ext uri="{FF2B5EF4-FFF2-40B4-BE49-F238E27FC236}">
+                <a16:creationId xmlns:a16="http://schemas.microsoft.com/office/drawing/2014/main" id="{B6C1B21B-CA2B-49D5-ABD1-C7999EBC7322}"/>
+              </a:ext>
+            </a:extLst>
+          </p:cNvPr>
+          <p:cNvSpPr>
+            <a:spLocks noGrp="1"/>
+          </p:cNvSpPr>
+          <p:nvPr>
+            <p:ph type="title"/>
+          </p:nvPr>
+        </p:nvSpPr>
+        <p:spPr/>
+        <p:txBody>
+          <a:bodyPr/>
+          <a:lstStyle/>
+          <a:p>
+            <a:r>
+              <a:rPr lang="cs-CZ" dirty="0">
+                <a:latin typeface="Acumin Pro" panose="020B0504020202020204" pitchFamily="34" charset="-18"/>
+              </a:rPr>
+              <a:t>Regulace parametrů vzduchu</a:t>
+            </a:r>
+          </a:p>
+        </p:txBody>
+      </p:sp>
+      <p:sp>
+        <p:nvSpPr>
+          <p:cNvPr id="3" name="Zástupný obsah 2">
+            <a:extLst>
+              <a:ext uri="{FF2B5EF4-FFF2-40B4-BE49-F238E27FC236}">
+                <a16:creationId xmlns:a16="http://schemas.microsoft.com/office/drawing/2014/main" id="{E515AA61-2EDA-49F0-A39D-3AEA022795C7}"/>
+              </a:ext>
+            </a:extLst>
+          </p:cNvPr>
+          <p:cNvSpPr>
+            <a:spLocks noGrp="1"/>
+          </p:cNvSpPr>
+          <p:nvPr>
+            <p:ph idx="1"/>
+          </p:nvPr>
+        </p:nvSpPr>
+        <p:spPr/>
+        <p:txBody>
+          <a:bodyPr/>
+          <a:lstStyle/>
+          <a:p>
+            <a:r>
+              <a:rPr lang="cs-CZ" dirty="0"/>
+              <a:t>Lineární </a:t>
+            </a:r>
+            <a:r>
+              <a:rPr lang="cs-CZ" dirty="0" err="1"/>
+              <a:t>aktuátory</a:t>
+            </a:r>
+            <a:r>
+              <a:rPr lang="cs-CZ" dirty="0"/>
+              <a:t> napájené 12 VDC</a:t>
+            </a:r>
+          </a:p>
+          <a:p>
+            <a:r>
+              <a:rPr lang="cs-CZ" dirty="0"/>
+              <a:t>Možnost připojení ventilátorů</a:t>
+            </a:r>
+          </a:p>
+          <a:p>
+            <a:r>
+              <a:rPr lang="cs-CZ" dirty="0"/>
+              <a:t>Možnost připojení topného tělesa</a:t>
+            </a:r>
+          </a:p>
+        </p:txBody>
+      </p:sp>
+    </p:spTree>
+    <p:extLst>
+      <p:ext uri="{BB962C8B-B14F-4D97-AF65-F5344CB8AC3E}">
+        <p14:creationId xmlns:p14="http://schemas.microsoft.com/office/powerpoint/2010/main" val="3624326005"/>
+      </p:ext>
+    </p:extLst>
+  </p:cSld>
+  <p:clrMapOvr>
+    <a:masterClrMapping/>
+  </p:clrMapOvr>
+  <mc:AlternateContent xmlns:mc="http://schemas.openxmlformats.org/markup-compatibility/2006" xmlns:p159="http://schemas.microsoft.com/office/powerpoint/2015/09/main">
+    <mc:Choice Requires="p159">
+      <p:transition spd="slow">
+        <p159:morph option="byObject"/>
+      </p:transition>
+    </mc:Choice>
+    <mc:Fallback xmlns="">
+      <p:transition spd="slow">
+        <p:fade/>
+      </p:transition>
+    </mc:Fallback>
+  </mc:AlternateContent>
+</p:sld>
+</file>
+
+<file path=ppt/slides/slide16.xml><?xml version="1.0" encoding="utf-8"?>
+<p:sld xmlns:a="http://schemas.openxmlformats.org/drawingml/2006/main" xmlns:r="http://schemas.openxmlformats.org/officeDocument/2006/relationships" xmlns:p="http://schemas.openxmlformats.org/presentationml/2006/main">
+  <p:cSld>
+    <p:spTree>
+      <p:nvGrpSpPr>
+        <p:cNvPr id="1" name=""/>
+        <p:cNvGrpSpPr/>
+        <p:nvPr/>
+      </p:nvGrpSpPr>
+      <p:grpSpPr>
+        <a:xfrm>
+          <a:off x="0" y="0"/>
+          <a:ext cx="0" cy="0"/>
+          <a:chOff x="0" y="0"/>
+          <a:chExt cx="0" cy="0"/>
+        </a:xfrm>
+      </p:grpSpPr>
+      <p:sp>
+        <p:nvSpPr>
+          <p:cNvPr id="2" name="Nadpis 1">
+            <a:extLst>
+              <a:ext uri="{FF2B5EF4-FFF2-40B4-BE49-F238E27FC236}">
+                <a16:creationId xmlns:a16="http://schemas.microsoft.com/office/drawing/2014/main" id="{B6C1B21B-CA2B-49D5-ABD1-C7999EBC7322}"/>
+              </a:ext>
+            </a:extLst>
+          </p:cNvPr>
+          <p:cNvSpPr>
+            <a:spLocks noGrp="1"/>
+          </p:cNvSpPr>
+          <p:nvPr>
+            <p:ph type="title"/>
+          </p:nvPr>
+        </p:nvSpPr>
+        <p:spPr/>
+        <p:txBody>
+          <a:bodyPr/>
+          <a:lstStyle/>
+          <a:p>
+            <a:r>
+              <a:rPr lang="cs-CZ" dirty="0">
+                <a:latin typeface="Acumin Pro" panose="020B0504020202020204" pitchFamily="34" charset="-18"/>
+              </a:rPr>
+              <a:t>závlaha</a:t>
+            </a:r>
+          </a:p>
+        </p:txBody>
+      </p:sp>
+      <p:sp>
+        <p:nvSpPr>
+          <p:cNvPr id="3" name="Zástupný obsah 2">
+            <a:extLst>
+              <a:ext uri="{FF2B5EF4-FFF2-40B4-BE49-F238E27FC236}">
+                <a16:creationId xmlns:a16="http://schemas.microsoft.com/office/drawing/2014/main" id="{E515AA61-2EDA-49F0-A39D-3AEA022795C7}"/>
+              </a:ext>
+            </a:extLst>
+          </p:cNvPr>
+          <p:cNvSpPr>
+            <a:spLocks noGrp="1"/>
+          </p:cNvSpPr>
+          <p:nvPr>
+            <p:ph idx="1"/>
+          </p:nvPr>
+        </p:nvSpPr>
+        <p:spPr>
+          <a:xfrm>
+            <a:off x="1218883" y="1700808"/>
+            <a:ext cx="10360501" cy="4462272"/>
+          </a:xfrm>
+        </p:spPr>
+        <p:txBody>
+          <a:bodyPr/>
+          <a:lstStyle/>
+          <a:p>
+            <a:r>
+              <a:rPr lang="cs-CZ" dirty="0"/>
+              <a:t>Řízení čerpadla přes MPOUT základní desky, nebo přes PCM</a:t>
+            </a:r>
+          </a:p>
+          <a:p>
+            <a:r>
+              <a:rPr lang="cs-CZ" dirty="0"/>
+              <a:t>Rozprašování</a:t>
+            </a:r>
+          </a:p>
+          <a:p>
+            <a:r>
+              <a:rPr lang="cs-CZ" dirty="0"/>
+              <a:t>Hadičkami přímo k substrátu</a:t>
+            </a:r>
+          </a:p>
+          <a:p>
+            <a:r>
+              <a:rPr lang="cs-CZ" dirty="0"/>
+              <a:t>Hlídání vlhkosti půdy přes SHSM</a:t>
+            </a:r>
+          </a:p>
+          <a:p>
+            <a:endParaRPr lang="cs-CZ" dirty="0"/>
+          </a:p>
+        </p:txBody>
+      </p:sp>
+    </p:spTree>
+    <p:extLst>
+      <p:ext uri="{BB962C8B-B14F-4D97-AF65-F5344CB8AC3E}">
+        <p14:creationId xmlns:p14="http://schemas.microsoft.com/office/powerpoint/2010/main" val="3304034235"/>
+      </p:ext>
+    </p:extLst>
+  </p:cSld>
+  <p:clrMapOvr>
+    <a:masterClrMapping/>
+  </p:clrMapOvr>
+  <mc:AlternateContent xmlns:mc="http://schemas.openxmlformats.org/markup-compatibility/2006" xmlns:p159="http://schemas.microsoft.com/office/powerpoint/2015/09/main">
+    <mc:Choice Requires="p159">
+      <p:transition spd="slow">
+        <p159:morph option="byObject"/>
+      </p:transition>
+    </mc:Choice>
+    <mc:Fallback xmlns="">
+      <p:transition spd="slow">
+        <p:fade/>
+      </p:transition>
+    </mc:Fallback>
+  </mc:AlternateContent>
+</p:sld>
+</file>
+
+<file path=ppt/slides/slide17.xml><?xml version="1.0" encoding="utf-8"?>
+<p:sld xmlns:a="http://schemas.openxmlformats.org/drawingml/2006/main" xmlns:r="http://schemas.openxmlformats.org/officeDocument/2006/relationships" xmlns:p="http://schemas.openxmlformats.org/presentationml/2006/main">
+  <p:cSld>
+    <p:spTree>
+      <p:nvGrpSpPr>
+        <p:cNvPr id="1" name=""/>
+        <p:cNvGrpSpPr/>
+        <p:nvPr/>
+      </p:nvGrpSpPr>
+      <p:grpSpPr>
+        <a:xfrm>
+          <a:off x="0" y="0"/>
+          <a:ext cx="0" cy="0"/>
+          <a:chOff x="0" y="0"/>
+          <a:chExt cx="0" cy="0"/>
+        </a:xfrm>
+      </p:grpSpPr>
+      <p:sp>
+        <p:nvSpPr>
+          <p:cNvPr id="4" name="Nadpis 3"/>
+          <p:cNvSpPr>
+            <a:spLocks noGrp="1"/>
+          </p:cNvSpPr>
+          <p:nvPr>
+            <p:ph type="title"/>
+          </p:nvPr>
+        </p:nvSpPr>
+        <p:spPr/>
+        <p:txBody>
+          <a:bodyPr rtlCol="0"/>
+          <a:lstStyle/>
+          <a:p>
+            <a:pPr rtl="0"/>
+            <a:r>
+              <a:rPr lang="cs-CZ" cap="all" dirty="0">
+                <a:latin typeface="Lato Heavy" panose="020F0502020204030203" pitchFamily="34" charset="0"/>
+                <a:ea typeface="Lato Heavy" panose="020F0502020204030203" pitchFamily="34" charset="0"/>
+                <a:cs typeface="Lato Heavy" panose="020F0502020204030203" pitchFamily="34" charset="0"/>
+              </a:rPr>
+              <a:t>Software</a:t>
+            </a:r>
+          </a:p>
+        </p:txBody>
+      </p:sp>
+      <p:sp>
+        <p:nvSpPr>
+          <p:cNvPr id="2" name="Zástupný text 1">
+            <a:extLst>
+              <a:ext uri="{FF2B5EF4-FFF2-40B4-BE49-F238E27FC236}">
+                <a16:creationId xmlns:a16="http://schemas.microsoft.com/office/drawing/2014/main" id="{9001130D-8A48-4E23-BA18-7751F06C99AE}"/>
+              </a:ext>
+            </a:extLst>
+          </p:cNvPr>
+          <p:cNvSpPr>
+            <a:spLocks noGrp="1"/>
+          </p:cNvSpPr>
+          <p:nvPr>
+            <p:ph type="body" idx="1"/>
+          </p:nvPr>
+        </p:nvSpPr>
+        <p:spPr/>
+        <p:txBody>
+          <a:bodyPr/>
+          <a:lstStyle/>
+          <a:p>
+            <a:endParaRPr lang="cs-CZ" dirty="0"/>
+          </a:p>
+        </p:txBody>
+      </p:sp>
+    </p:spTree>
+    <p:extLst>
+      <p:ext uri="{BB962C8B-B14F-4D97-AF65-F5344CB8AC3E}">
+        <p14:creationId xmlns:p14="http://schemas.microsoft.com/office/powerpoint/2010/main" val="3659385169"/>
+      </p:ext>
+    </p:extLst>
+  </p:cSld>
+  <p:clrMapOvr>
+    <a:masterClrMapping/>
+  </p:clrMapOvr>
+  <mc:AlternateContent xmlns:mc="http://schemas.openxmlformats.org/markup-compatibility/2006" xmlns:p159="http://schemas.microsoft.com/office/powerpoint/2015/09/main">
+    <mc:Choice Requires="p159">
+      <p:transition spd="slow">
+        <p159:morph option="byObject"/>
+      </p:transition>
+    </mc:Choice>
+    <mc:Fallback xmlns="">
+      <p:transition spd="slow">
+        <p:fade/>
+      </p:transition>
+    </mc:Fallback>
+  </mc:AlternateContent>
+</p:sld>
+</file>
+
+<file path=ppt/slides/slide18.xml><?xml version="1.0" encoding="utf-8"?>
+<p:sld xmlns:a="http://schemas.openxmlformats.org/drawingml/2006/main" xmlns:r="http://schemas.openxmlformats.org/officeDocument/2006/relationships" xmlns:p="http://schemas.openxmlformats.org/presentationml/2006/main">
+  <p:cSld>
+    <p:spTree>
+      <p:nvGrpSpPr>
+        <p:cNvPr id="1" name=""/>
+        <p:cNvGrpSpPr/>
+        <p:nvPr/>
+      </p:nvGrpSpPr>
+      <p:grpSpPr>
+        <a:xfrm>
+          <a:off x="0" y="0"/>
+          <a:ext cx="0" cy="0"/>
+          <a:chOff x="0" y="0"/>
+          <a:chExt cx="0" cy="0"/>
+        </a:xfrm>
+      </p:grpSpPr>
+      <p:sp>
+        <p:nvSpPr>
+          <p:cNvPr id="4" name="Nadpis 3">
+            <a:extLst>
+              <a:ext uri="{FF2B5EF4-FFF2-40B4-BE49-F238E27FC236}">
+                <a16:creationId xmlns:a16="http://schemas.microsoft.com/office/drawing/2014/main" id="{58BD26A0-963C-4069-B186-EBDBFD7B0545}"/>
+              </a:ext>
+            </a:extLst>
+          </p:cNvPr>
+          <p:cNvSpPr>
+            <a:spLocks noGrp="1"/>
+          </p:cNvSpPr>
+          <p:nvPr>
+            <p:ph type="title"/>
+          </p:nvPr>
+        </p:nvSpPr>
+        <p:spPr/>
+        <p:txBody>
+          <a:bodyPr/>
+          <a:lstStyle/>
+          <a:p>
+            <a:r>
+              <a:rPr lang="cs-CZ" dirty="0"/>
+              <a:t>Sdílené knihovny	</a:t>
+            </a:r>
+          </a:p>
+        </p:txBody>
+      </p:sp>
+      <p:sp>
+        <p:nvSpPr>
+          <p:cNvPr id="5" name="Zástupný obsah 4">
+            <a:extLst>
+              <a:ext uri="{FF2B5EF4-FFF2-40B4-BE49-F238E27FC236}">
+                <a16:creationId xmlns:a16="http://schemas.microsoft.com/office/drawing/2014/main" id="{5329A562-056D-4537-B029-578719858441}"/>
+              </a:ext>
+            </a:extLst>
+          </p:cNvPr>
+          <p:cNvSpPr>
+            <a:spLocks noGrp="1"/>
+          </p:cNvSpPr>
+          <p:nvPr>
+            <p:ph idx="1"/>
+          </p:nvPr>
+        </p:nvSpPr>
+        <p:spPr/>
+        <p:txBody>
+          <a:bodyPr/>
+          <a:lstStyle/>
+          <a:p>
+            <a:r>
+              <a:rPr lang="cs-CZ" dirty="0"/>
+              <a:t>Ovládání většiny funkcí </a:t>
+            </a:r>
+            <a:r>
+              <a:rPr lang="cs-CZ" dirty="0" err="1"/>
+              <a:t>ProtoPlantu</a:t>
+            </a:r>
+            <a:endParaRPr lang="cs-CZ" dirty="0"/>
+          </a:p>
+          <a:p>
+            <a:r>
+              <a:rPr lang="cs-CZ" dirty="0"/>
+              <a:t>Sdílené pro PPCU i pro přídavné moduly</a:t>
+            </a:r>
+          </a:p>
+          <a:p>
+            <a:endParaRPr lang="cs-CZ" dirty="0"/>
+          </a:p>
+        </p:txBody>
+      </p:sp>
+    </p:spTree>
+    <p:extLst>
+      <p:ext uri="{BB962C8B-B14F-4D97-AF65-F5344CB8AC3E}">
+        <p14:creationId xmlns:p14="http://schemas.microsoft.com/office/powerpoint/2010/main" val="2830705919"/>
+      </p:ext>
+    </p:extLst>
+  </p:cSld>
+  <p:clrMapOvr>
+    <a:masterClrMapping/>
+  </p:clrMapOvr>
+  <mc:AlternateContent xmlns:mc="http://schemas.openxmlformats.org/markup-compatibility/2006" xmlns:p159="http://schemas.microsoft.com/office/powerpoint/2015/09/main">
+    <mc:Choice Requires="p159">
+      <p:transition spd="slow">
+        <p159:morph option="byObject"/>
+      </p:transition>
+    </mc:Choice>
+    <mc:Fallback xmlns="">
+      <p:transition spd="slow">
+        <p:fade/>
+      </p:transition>
+    </mc:Fallback>
+  </mc:AlternateContent>
+</p:sld>
+</file>
+
+<file path=ppt/slides/slide19.xml><?xml version="1.0" encoding="utf-8"?>
+<p:sld xmlns:a="http://schemas.openxmlformats.org/drawingml/2006/main" xmlns:r="http://schemas.openxmlformats.org/officeDocument/2006/relationships" xmlns:p="http://schemas.openxmlformats.org/presentationml/2006/main">
+  <p:cSld>
+    <p:spTree>
+      <p:nvGrpSpPr>
+        <p:cNvPr id="1" name=""/>
+        <p:cNvGrpSpPr/>
+        <p:nvPr/>
+      </p:nvGrpSpPr>
+      <p:grpSpPr>
+        <a:xfrm>
+          <a:off x="0" y="0"/>
+          <a:ext cx="0" cy="0"/>
+          <a:chOff x="0" y="0"/>
+          <a:chExt cx="0" cy="0"/>
+        </a:xfrm>
+      </p:grpSpPr>
+      <p:sp>
+        <p:nvSpPr>
+          <p:cNvPr id="4" name="Nadpis 3">
+            <a:extLst>
+              <a:ext uri="{FF2B5EF4-FFF2-40B4-BE49-F238E27FC236}">
+                <a16:creationId xmlns:a16="http://schemas.microsoft.com/office/drawing/2014/main" id="{58BD26A0-963C-4069-B186-EBDBFD7B0545}"/>
+              </a:ext>
+            </a:extLst>
+          </p:cNvPr>
+          <p:cNvSpPr>
+            <a:spLocks noGrp="1"/>
+          </p:cNvSpPr>
+          <p:nvPr>
+            <p:ph type="title"/>
+          </p:nvPr>
+        </p:nvSpPr>
+        <p:spPr/>
+        <p:txBody>
+          <a:bodyPr/>
+          <a:lstStyle/>
+          <a:p>
+            <a:r>
+              <a:rPr lang="cs-CZ" dirty="0"/>
+              <a:t>PPCU - Software</a:t>
+            </a:r>
+          </a:p>
+        </p:txBody>
+      </p:sp>
+      <p:sp>
+        <p:nvSpPr>
+          <p:cNvPr id="5" name="Zástupný obsah 4">
+            <a:extLst>
+              <a:ext uri="{FF2B5EF4-FFF2-40B4-BE49-F238E27FC236}">
+                <a16:creationId xmlns:a16="http://schemas.microsoft.com/office/drawing/2014/main" id="{5329A562-056D-4537-B029-578719858441}"/>
+              </a:ext>
+            </a:extLst>
+          </p:cNvPr>
+          <p:cNvSpPr>
+            <a:spLocks noGrp="1"/>
+          </p:cNvSpPr>
+          <p:nvPr>
+            <p:ph idx="1"/>
+          </p:nvPr>
+        </p:nvSpPr>
+        <p:spPr/>
+        <p:txBody>
+          <a:bodyPr/>
+          <a:lstStyle/>
+          <a:p>
+            <a:r>
+              <a:rPr lang="cs-CZ" dirty="0"/>
+              <a:t>Řízení celého systému</a:t>
+            </a:r>
+          </a:p>
+          <a:p>
+            <a:r>
+              <a:rPr lang="cs-CZ" dirty="0"/>
+              <a:t>Zprostředkovatel komunikace se vzdáleným serverem</a:t>
+            </a:r>
+          </a:p>
+          <a:p>
+            <a:r>
+              <a:rPr lang="cs-CZ" dirty="0"/>
+              <a:t>Ovládání všech ostatních modulů</a:t>
+            </a:r>
+          </a:p>
+        </p:txBody>
+      </p:sp>
+    </p:spTree>
+    <p:extLst>
+      <p:ext uri="{BB962C8B-B14F-4D97-AF65-F5344CB8AC3E}">
+        <p14:creationId xmlns:p14="http://schemas.microsoft.com/office/powerpoint/2010/main" val="985966625"/>
+      </p:ext>
+    </p:extLst>
+  </p:cSld>
+  <p:clrMapOvr>
+    <a:masterClrMapping/>
+  </p:clrMapOvr>
+  <mc:AlternateContent xmlns:mc="http://schemas.openxmlformats.org/markup-compatibility/2006" xmlns:p159="http://schemas.microsoft.com/office/powerpoint/2015/09/main">
+    <mc:Choice Requires="p159">
+      <p:transition spd="slow">
+        <p159:morph option="byObject"/>
+      </p:transition>
+    </mc:Choice>
+    <mc:Fallback xmlns="">
+      <p:transition spd="slow">
+        <p:fade/>
+      </p:transition>
+    </mc:Fallback>
+  </mc:AlternateContent>
+</p:sld>
+</file>
+
+<file path=ppt/slides/slide2.xml><?xml version="1.0" encoding="utf-8"?>
+<p:sld xmlns:a="http://schemas.openxmlformats.org/drawingml/2006/main" xmlns:r="http://schemas.openxmlformats.org/officeDocument/2006/relationships" xmlns:p="http://schemas.openxmlformats.org/presentationml/2006/main">
+  <p:cSld>
+    <p:spTree>
+      <p:nvGrpSpPr>
+        <p:cNvPr id="1" name=""/>
+        <p:cNvGrpSpPr/>
+        <p:nvPr/>
+      </p:nvGrpSpPr>
+      <p:grpSpPr>
+        <a:xfrm>
+          <a:off x="0" y="0"/>
+          <a:ext cx="0" cy="0"/>
+          <a:chOff x="0" y="0"/>
+          <a:chExt cx="0" cy="0"/>
+        </a:xfrm>
+      </p:grpSpPr>
       <p:pic>
         <p:nvPicPr>
           <p:cNvPr id="3" name="Obrázek 2">
@@ -10555,13 +11582,13 @@
   <p:clrMapOvr>
     <a:masterClrMapping/>
   </p:clrMapOvr>
-  <mc:AlternateContent xmlns:mc="http://schemas.openxmlformats.org/markup-compatibility/2006">
-    <mc:Choice xmlns:p159="http://schemas.microsoft.com/office/powerpoint/2015/09/main" Requires="p159">
+  <mc:AlternateContent xmlns:mc="http://schemas.openxmlformats.org/markup-compatibility/2006" xmlns:p159="http://schemas.microsoft.com/office/powerpoint/2015/09/main">
+    <mc:Choice Requires="p159">
       <p:transition spd="slow">
         <p159:morph option="byObject"/>
       </p:transition>
     </mc:Choice>
-    <mc:Fallback>
+    <mc:Fallback xmlns="">
       <p:transition spd="slow">
         <p:fade/>
       </p:transition>
@@ -10570,7 +11597,7 @@
 </p:sld>
 </file>
 
-<file path=ppt/slides/slide10.xml><?xml version="1.0" encoding="utf-8"?>
+<file path=ppt/slides/slide20.xml><?xml version="1.0" encoding="utf-8"?>
 <p:sld xmlns:a="http://schemas.openxmlformats.org/drawingml/2006/main" xmlns:r="http://schemas.openxmlformats.org/officeDocument/2006/relationships" xmlns:p="http://schemas.openxmlformats.org/presentationml/2006/main">
   <p:cSld>
     <p:spTree>
@@ -10589,42 +11616,10 @@
       </p:grpSpPr>
       <p:sp>
         <p:nvSpPr>
-          <p:cNvPr id="4" name="Nadpis 3"/>
-          <p:cNvSpPr>
-            <a:spLocks noGrp="1"/>
-          </p:cNvSpPr>
-          <p:nvPr>
-            <p:ph type="title"/>
-          </p:nvPr>
-        </p:nvSpPr>
-        <p:spPr>
-          <a:xfrm>
-            <a:off x="1625176" y="2209801"/>
-            <a:ext cx="9293771" cy="2764335"/>
-          </a:xfrm>
-        </p:spPr>
-        <p:txBody>
-          <a:bodyPr rtlCol="0"/>
-          <a:lstStyle/>
-          <a:p>
-            <a:pPr rtl="0"/>
-            <a:r>
-              <a:rPr lang="cs-CZ" dirty="0">
-                <a:latin typeface="Acumin Pro" panose="020B0504020202020204" pitchFamily="34" charset="-18"/>
-                <a:ea typeface="Lato Semibold" panose="020F0502020204030203" pitchFamily="34" charset="0"/>
-                <a:cs typeface="Lato Semibold" panose="020F0502020204030203" pitchFamily="34" charset="0"/>
-              </a:rPr>
-              <a:t>MODULY</a:t>
-            </a:r>
-          </a:p>
-        </p:txBody>
-      </p:sp>
-      <p:sp>
-        <p:nvSpPr>
-          <p:cNvPr id="2" name="Zástupný text 1">
+          <p:cNvPr id="2" name="Nadpis 1">
             <a:extLst>
               <a:ext uri="{FF2B5EF4-FFF2-40B4-BE49-F238E27FC236}">
-                <a16:creationId xmlns:a16="http://schemas.microsoft.com/office/drawing/2014/main" id="{6070F5CB-C8D9-4B76-B476-EF6AF9DAAD4D}"/>
+                <a16:creationId xmlns:a16="http://schemas.microsoft.com/office/drawing/2014/main" id="{4D0B9BEE-EA20-41FB-A84A-E121A1FF5BC2}"/>
               </a:ext>
             </a:extLst>
           </p:cNvPr>
@@ -10632,7 +11627,7 @@
             <a:spLocks noGrp="1"/>
           </p:cNvSpPr>
           <p:nvPr>
-            <p:ph type="body" idx="1"/>
+            <p:ph type="title"/>
           </p:nvPr>
         </p:nvSpPr>
         <p:spPr/>
@@ -10642,7 +11637,57 @@
           <a:p>
             <a:r>
               <a:rPr lang="cs-CZ" dirty="0"/>
-              <a:t>HARDWARE</a:t>
+              <a:t>Komunikace mezi PPCU a moduly</a:t>
+            </a:r>
+          </a:p>
+        </p:txBody>
+      </p:sp>
+      <p:sp>
+        <p:nvSpPr>
+          <p:cNvPr id="3" name="Zástupný obsah 2">
+            <a:extLst>
+              <a:ext uri="{FF2B5EF4-FFF2-40B4-BE49-F238E27FC236}">
+                <a16:creationId xmlns:a16="http://schemas.microsoft.com/office/drawing/2014/main" id="{82058EFE-7105-4741-9909-D41919096D73}"/>
+              </a:ext>
+            </a:extLst>
+          </p:cNvPr>
+          <p:cNvSpPr>
+            <a:spLocks noGrp="1"/>
+          </p:cNvSpPr>
+          <p:nvPr>
+            <p:ph idx="1"/>
+          </p:nvPr>
+        </p:nvSpPr>
+        <p:spPr/>
+        <p:txBody>
+          <a:bodyPr/>
+          <a:lstStyle/>
+          <a:p>
+            <a:r>
+              <a:rPr lang="cs-CZ" dirty="0"/>
+              <a:t>Masterem PPCU, </a:t>
+            </a:r>
+            <a:r>
+              <a:rPr lang="cs-CZ" dirty="0" err="1"/>
+              <a:t>slave</a:t>
+            </a:r>
+            <a:r>
+              <a:rPr lang="cs-CZ" dirty="0"/>
+              <a:t> ostatní moduly</a:t>
+            </a:r>
+          </a:p>
+          <a:p>
+            <a:r>
+              <a:rPr lang="cs-CZ" dirty="0"/>
+              <a:t>Možnost komunikace přes </a:t>
+            </a:r>
+            <a:r>
+              <a:rPr lang="cs-CZ" dirty="0" err="1"/>
+              <a:t>WiFi</a:t>
+            </a:r>
+            <a:r>
+              <a:rPr lang="cs-CZ" dirty="0"/>
+              <a:t>, nebo UART s protokolem JANUS</a:t>
             </a:r>
           </a:p>
         </p:txBody>
@@ -10650,20 +11695,20 @@
     </p:spTree>
     <p:extLst>
       <p:ext uri="{BB962C8B-B14F-4D97-AF65-F5344CB8AC3E}">
-        <p14:creationId xmlns:p14="http://schemas.microsoft.com/office/powerpoint/2010/main" val="4264977537"/>
+        <p14:creationId xmlns:p14="http://schemas.microsoft.com/office/powerpoint/2010/main" val="2373018528"/>
       </p:ext>
     </p:extLst>
   </p:cSld>
   <p:clrMapOvr>
     <a:masterClrMapping/>
   </p:clrMapOvr>
-  <mc:AlternateContent xmlns:mc="http://schemas.openxmlformats.org/markup-compatibility/2006">
-    <mc:Choice xmlns:p159="http://schemas.microsoft.com/office/powerpoint/2015/09/main" Requires="p159">
+  <mc:AlternateContent xmlns:mc="http://schemas.openxmlformats.org/markup-compatibility/2006" xmlns:p159="http://schemas.microsoft.com/office/powerpoint/2015/09/main">
+    <mc:Choice Requires="p159">
       <p:transition spd="slow">
         <p159:morph option="byObject"/>
       </p:transition>
     </mc:Choice>
-    <mc:Fallback>
+    <mc:Fallback xmlns="">
       <p:transition spd="slow">
         <p:fade/>
       </p:transition>
@@ -10672,7 +11717,7 @@
 </p:sld>
 </file>
 
-<file path=ppt/slides/slide11.xml><?xml version="1.0" encoding="utf-8"?>
+<file path=ppt/slides/slide21.xml><?xml version="1.0" encoding="utf-8"?>
 <p:sld xmlns:a="http://schemas.openxmlformats.org/drawingml/2006/main" xmlns:r="http://schemas.openxmlformats.org/officeDocument/2006/relationships" xmlns:p="http://schemas.openxmlformats.org/presentationml/2006/main">
   <p:cSld>
     <p:spTree>
@@ -10694,7 +11739,7 @@
           <p:cNvPr id="2" name="Nadpis 1">
             <a:extLst>
               <a:ext uri="{FF2B5EF4-FFF2-40B4-BE49-F238E27FC236}">
-                <a16:creationId xmlns:a16="http://schemas.microsoft.com/office/drawing/2014/main" id="{2DD3227F-4313-4695-8878-F9FC019B7FA1}"/>
+                <a16:creationId xmlns:a16="http://schemas.microsoft.com/office/drawing/2014/main" id="{C64629D8-C0D7-4B9A-9EC3-6904EEE93148}"/>
               </a:ext>
             </a:extLst>
           </p:cNvPr>
@@ -10711,10 +11756,8 @@
           <a:lstStyle/>
           <a:p>
             <a:r>
-              <a:rPr lang="cs-CZ" dirty="0">
-                <a:latin typeface="Acumin Pro" panose="020B0504020202020204" pitchFamily="34" charset="-18"/>
-              </a:rPr>
-              <a:t>Přídavné moduly</a:t>
+              <a:rPr lang="cs-CZ" dirty="0"/>
+              <a:t>Software modulů</a:t>
             </a:r>
           </a:p>
         </p:txBody>
@@ -10724,7 +11767,7 @@
           <p:cNvPr id="3" name="Zástupný obsah 2">
             <a:extLst>
               <a:ext uri="{FF2B5EF4-FFF2-40B4-BE49-F238E27FC236}">
-                <a16:creationId xmlns:a16="http://schemas.microsoft.com/office/drawing/2014/main" id="{1DD2F21D-0C98-46F3-818D-20E4B07D96D6}"/>
+                <a16:creationId xmlns:a16="http://schemas.microsoft.com/office/drawing/2014/main" id="{12589CD7-603B-4EBC-BAF9-26360A420E33}"/>
               </a:ext>
             </a:extLst>
           </p:cNvPr>
@@ -10737,241 +11780,30 @@
         </p:nvSpPr>
         <p:spPr/>
         <p:txBody>
-          <a:bodyPr>
-            <a:normAutofit/>
-          </a:bodyPr>
+          <a:bodyPr/>
           <a:lstStyle/>
           <a:p>
             <a:r>
-              <a:rPr lang="cs-CZ" sz="2500" dirty="0"/>
-              <a:t>CIPM – </a:t>
-            </a:r>
-            <a:r>
-              <a:rPr lang="cs-CZ" sz="2500" u="sng" dirty="0" err="1"/>
-              <a:t>C</a:t>
-            </a:r>
-            <a:r>
-              <a:rPr lang="cs-CZ" sz="2500" dirty="0" err="1"/>
-              <a:t>ommunication</a:t>
-            </a:r>
-            <a:r>
-              <a:rPr lang="cs-CZ" sz="2500" dirty="0"/>
-              <a:t> </a:t>
-            </a:r>
-            <a:r>
-              <a:rPr lang="cs-CZ" sz="2500" u="sng" dirty="0"/>
-              <a:t>I</a:t>
-            </a:r>
-            <a:r>
-              <a:rPr lang="cs-CZ" sz="2500" dirty="0"/>
-              <a:t>nterface and </a:t>
-            </a:r>
-            <a:r>
-              <a:rPr lang="cs-CZ" sz="2500" u="sng" dirty="0" err="1"/>
-              <a:t>P</a:t>
-            </a:r>
-            <a:r>
-              <a:rPr lang="cs-CZ" sz="2500" dirty="0" err="1"/>
-              <a:t>ower</a:t>
-            </a:r>
-            <a:r>
-              <a:rPr lang="cs-CZ" sz="2500" dirty="0"/>
-              <a:t> </a:t>
-            </a:r>
-            <a:r>
-              <a:rPr lang="cs-CZ" sz="2500" u="sng" dirty="0"/>
-              <a:t>M</a:t>
-            </a:r>
-            <a:r>
-              <a:rPr lang="cs-CZ" sz="2500" dirty="0"/>
-              <a:t>odule</a:t>
-            </a:r>
-          </a:p>
-          <a:p>
-            <a:r>
-              <a:rPr lang="cs-CZ" dirty="0" err="1"/>
-              <a:t>PSpl</a:t>
-            </a:r>
-            <a:r>
               <a:rPr lang="cs-CZ" dirty="0"/>
-              <a:t> – </a:t>
-            </a:r>
-            <a:r>
-              <a:rPr lang="cs-CZ" u="sng" dirty="0" err="1"/>
-              <a:t>P</a:t>
-            </a:r>
-            <a:r>
-              <a:rPr lang="cs-CZ" dirty="0" err="1"/>
-              <a:t>ower</a:t>
-            </a:r>
+              <a:t>Odesílání dat do PPCU</a:t>
+            </a:r>
+          </a:p>
+          <a:p>
             <a:r>
               <a:rPr lang="cs-CZ" dirty="0"/>
-              <a:t> </a:t>
-            </a:r>
-            <a:r>
-              <a:rPr lang="cs-CZ" u="sng" dirty="0" err="1"/>
-              <a:t>Spl</a:t>
-            </a:r>
-            <a:r>
-              <a:rPr lang="cs-CZ" dirty="0" err="1"/>
-              <a:t>itter</a:t>
-            </a:r>
-            <a:endParaRPr lang="cs-CZ" dirty="0"/>
-          </a:p>
-          <a:p>
-            <a:r>
-              <a:rPr lang="cs-CZ" sz="2500" dirty="0"/>
-              <a:t>SHSM – </a:t>
-            </a:r>
-            <a:r>
-              <a:rPr lang="cs-CZ" sz="2500" u="sng" dirty="0" err="1"/>
-              <a:t>S</a:t>
-            </a:r>
-            <a:r>
-              <a:rPr lang="cs-CZ" sz="2500" dirty="0" err="1"/>
-              <a:t>oil</a:t>
-            </a:r>
-            <a:r>
-              <a:rPr lang="cs-CZ" sz="2500" dirty="0"/>
-              <a:t> </a:t>
-            </a:r>
-            <a:r>
-              <a:rPr lang="cs-CZ" sz="2500" u="sng" dirty="0"/>
-              <a:t>H</a:t>
-            </a:r>
+              <a:t>PPCU zpracuje data a vydá příkaz</a:t>
+            </a:r>
+          </a:p>
+          <a:p>
             <a:r>
               <a:rPr lang="cs-CZ" dirty="0"/>
-              <a:t>umidity </a:t>
-            </a:r>
-            <a:r>
-              <a:rPr lang="cs-CZ" u="sng" dirty="0" err="1"/>
-              <a:t>S</a:t>
-            </a:r>
-            <a:r>
-              <a:rPr lang="cs-CZ" dirty="0" err="1"/>
-              <a:t>ensorics</a:t>
-            </a:r>
-            <a:r>
-              <a:rPr lang="cs-CZ" sz="2500" dirty="0"/>
-              <a:t> </a:t>
-            </a:r>
-            <a:r>
-              <a:rPr lang="cs-CZ" sz="2500" u="sng" dirty="0"/>
-              <a:t>M</a:t>
-            </a:r>
-            <a:r>
-              <a:rPr lang="cs-CZ" sz="2500" dirty="0"/>
-              <a:t>odule</a:t>
+              <a:t>Modul poté pouze vykoná příkaz PPCU</a:t>
             </a:r>
           </a:p>
           <a:p>
             <a:r>
               <a:rPr lang="cs-CZ" dirty="0"/>
-              <a:t>SEM – </a:t>
-            </a:r>
-            <a:r>
-              <a:rPr lang="cs-CZ" u="sng" dirty="0" err="1"/>
-              <a:t>S</a:t>
-            </a:r>
-            <a:r>
-              <a:rPr lang="cs-CZ" dirty="0" err="1"/>
-              <a:t>ensorics</a:t>
-            </a:r>
-            <a:r>
-              <a:rPr lang="cs-CZ" dirty="0"/>
-              <a:t> </a:t>
-            </a:r>
-            <a:r>
-              <a:rPr lang="cs-CZ" u="sng" dirty="0" err="1"/>
-              <a:t>E</a:t>
-            </a:r>
-            <a:r>
-              <a:rPr lang="cs-CZ" dirty="0" err="1"/>
-              <a:t>xpansion</a:t>
-            </a:r>
-            <a:r>
-              <a:rPr lang="cs-CZ" dirty="0"/>
-              <a:t> </a:t>
-            </a:r>
-            <a:r>
-              <a:rPr lang="cs-CZ" u="sng" dirty="0"/>
-              <a:t>M</a:t>
-            </a:r>
-            <a:r>
-              <a:rPr lang="cs-CZ" dirty="0"/>
-              <a:t>odule</a:t>
-            </a:r>
-          </a:p>
-          <a:p>
-            <a:r>
-              <a:rPr lang="cs-CZ" sz="2500" dirty="0"/>
-              <a:t>PCM – </a:t>
-            </a:r>
-            <a:r>
-              <a:rPr lang="cs-CZ" sz="2500" u="sng" dirty="0"/>
-              <a:t>P</a:t>
-            </a:r>
-            <a:r>
-              <a:rPr lang="cs-CZ" sz="2500" dirty="0"/>
-              <a:t>ump </a:t>
-            </a:r>
-            <a:r>
-              <a:rPr lang="cs-CZ" sz="2500" u="sng" dirty="0" err="1"/>
-              <a:t>C</a:t>
-            </a:r>
-            <a:r>
-              <a:rPr lang="cs-CZ" sz="2500" dirty="0" err="1"/>
-              <a:t>ontrol</a:t>
-            </a:r>
-            <a:r>
-              <a:rPr lang="cs-CZ" sz="2500" dirty="0"/>
-              <a:t> </a:t>
-            </a:r>
-            <a:r>
-              <a:rPr lang="cs-CZ" sz="2500" u="sng" dirty="0"/>
-              <a:t>M</a:t>
-            </a:r>
-            <a:r>
-              <a:rPr lang="cs-CZ" dirty="0"/>
-              <a:t>odule</a:t>
-            </a:r>
-          </a:p>
-          <a:p>
-            <a:r>
-              <a:rPr lang="cs-CZ" sz="2500" dirty="0"/>
-              <a:t>RCM – </a:t>
-            </a:r>
-            <a:r>
-              <a:rPr lang="cs-CZ" sz="2500" u="sng" dirty="0" err="1"/>
-              <a:t>R</a:t>
-            </a:r>
-            <a:r>
-              <a:rPr lang="cs-CZ" sz="2500" dirty="0" err="1"/>
-              <a:t>emote</a:t>
-            </a:r>
-            <a:r>
-              <a:rPr lang="cs-CZ" sz="2500" dirty="0"/>
-              <a:t> </a:t>
-            </a:r>
-            <a:r>
-              <a:rPr lang="cs-CZ" sz="2500" u="sng" dirty="0" err="1"/>
-              <a:t>C</a:t>
-            </a:r>
-            <a:r>
-              <a:rPr lang="cs-CZ" sz="2500" dirty="0" err="1"/>
-              <a:t>ontrol</a:t>
-            </a:r>
-            <a:r>
-              <a:rPr lang="cs-CZ" sz="2500" dirty="0"/>
-              <a:t> </a:t>
-            </a:r>
-            <a:r>
-              <a:rPr lang="cs-CZ" sz="2500" u="sng" dirty="0"/>
-              <a:t>M</a:t>
-            </a:r>
-            <a:r>
-              <a:rPr lang="cs-CZ" sz="2500" dirty="0"/>
-              <a:t>odule</a:t>
+              <a:t>Netřeba velký výpočetní výkon</a:t>
             </a:r>
           </a:p>
         </p:txBody>
@@ -10979,20 +11811,20 @@
     </p:spTree>
     <p:extLst>
       <p:ext uri="{BB962C8B-B14F-4D97-AF65-F5344CB8AC3E}">
-        <p14:creationId xmlns:p14="http://schemas.microsoft.com/office/powerpoint/2010/main" val="3450856443"/>
+        <p14:creationId xmlns:p14="http://schemas.microsoft.com/office/powerpoint/2010/main" val="708126011"/>
       </p:ext>
     </p:extLst>
   </p:cSld>
   <p:clrMapOvr>
     <a:masterClrMapping/>
   </p:clrMapOvr>
-  <mc:AlternateContent xmlns:mc="http://schemas.openxmlformats.org/markup-compatibility/2006">
-    <mc:Choice xmlns:p159="http://schemas.microsoft.com/office/powerpoint/2015/09/main" Requires="p159">
+  <mc:AlternateContent xmlns:mc="http://schemas.openxmlformats.org/markup-compatibility/2006" xmlns:p159="http://schemas.microsoft.com/office/powerpoint/2015/09/main">
+    <mc:Choice Requires="p159">
       <p:transition spd="slow">
         <p159:morph option="byObject"/>
       </p:transition>
     </mc:Choice>
-    <mc:Fallback>
+    <mc:Fallback xmlns="">
       <p:transition spd="slow">
         <p:fade/>
       </p:transition>
@@ -11001,7 +11833,7 @@
 </p:sld>
 </file>
 
-<file path=ppt/slides/slide12.xml><?xml version="1.0" encoding="utf-8"?>
+<file path=ppt/slides/slide22.xml><?xml version="1.0" encoding="utf-8"?>
 <p:sld xmlns:a="http://schemas.openxmlformats.org/drawingml/2006/main" xmlns:r="http://schemas.openxmlformats.org/officeDocument/2006/relationships" xmlns:p="http://schemas.openxmlformats.org/presentationml/2006/main">
   <p:cSld>
     <p:spTree>
@@ -11020,557 +11852,6 @@
       </p:grpSpPr>
       <p:sp>
         <p:nvSpPr>
-          <p:cNvPr id="4" name="Nadpis 3"/>
-          <p:cNvSpPr>
-            <a:spLocks noGrp="1"/>
-          </p:cNvSpPr>
-          <p:nvPr>
-            <p:ph type="title"/>
-          </p:nvPr>
-        </p:nvSpPr>
-        <p:spPr/>
-        <p:txBody>
-          <a:bodyPr rtlCol="0"/>
-          <a:lstStyle/>
-          <a:p>
-            <a:pPr rtl="0"/>
-            <a:r>
-              <a:rPr lang="cs-CZ" dirty="0">
-                <a:latin typeface="Acumin Pro" panose="020B0504020202020204" pitchFamily="34" charset="-18"/>
-                <a:ea typeface="Lato Semibold" panose="020F0502020204030203" pitchFamily="34" charset="0"/>
-                <a:cs typeface="Lato Semibold" panose="020F0502020204030203" pitchFamily="34" charset="0"/>
-              </a:rPr>
-              <a:t>PERIFERIE</a:t>
-            </a:r>
-          </a:p>
-        </p:txBody>
-      </p:sp>
-      <p:sp>
-        <p:nvSpPr>
-          <p:cNvPr id="2" name="Zástupný text 1">
-            <a:extLst>
-              <a:ext uri="{FF2B5EF4-FFF2-40B4-BE49-F238E27FC236}">
-                <a16:creationId xmlns:a16="http://schemas.microsoft.com/office/drawing/2014/main" id="{6070F5CB-C8D9-4B76-B476-EF6AF9DAAD4D}"/>
-              </a:ext>
-            </a:extLst>
-          </p:cNvPr>
-          <p:cNvSpPr>
-            <a:spLocks noGrp="1"/>
-          </p:cNvSpPr>
-          <p:nvPr>
-            <p:ph type="body" idx="1"/>
-          </p:nvPr>
-        </p:nvSpPr>
-        <p:spPr/>
-        <p:txBody>
-          <a:bodyPr/>
-          <a:lstStyle/>
-          <a:p>
-            <a:r>
-              <a:rPr lang="cs-CZ" dirty="0"/>
-              <a:t>HARDWARE</a:t>
-            </a:r>
-          </a:p>
-        </p:txBody>
-      </p:sp>
-    </p:spTree>
-    <p:extLst>
-      <p:ext uri="{BB962C8B-B14F-4D97-AF65-F5344CB8AC3E}">
-        <p14:creationId xmlns:p14="http://schemas.microsoft.com/office/powerpoint/2010/main" val="2259038843"/>
-      </p:ext>
-    </p:extLst>
-  </p:cSld>
-  <p:clrMapOvr>
-    <a:masterClrMapping/>
-  </p:clrMapOvr>
-  <mc:AlternateContent xmlns:mc="http://schemas.openxmlformats.org/markup-compatibility/2006">
-    <mc:Choice xmlns:p159="http://schemas.microsoft.com/office/powerpoint/2015/09/main" Requires="p159">
-      <p:transition spd="slow">
-        <p159:morph option="byObject"/>
-      </p:transition>
-    </mc:Choice>
-    <mc:Fallback>
-      <p:transition spd="slow">
-        <p:fade/>
-      </p:transition>
-    </mc:Fallback>
-  </mc:AlternateContent>
-</p:sld>
-</file>
-
-<file path=ppt/slides/slide13.xml><?xml version="1.0" encoding="utf-8"?>
-<p:sld xmlns:a="http://schemas.openxmlformats.org/drawingml/2006/main" xmlns:r="http://schemas.openxmlformats.org/officeDocument/2006/relationships" xmlns:p="http://schemas.openxmlformats.org/presentationml/2006/main">
-  <p:cSld>
-    <p:spTree>
-      <p:nvGrpSpPr>
-        <p:cNvPr id="1" name=""/>
-        <p:cNvGrpSpPr/>
-        <p:nvPr/>
-      </p:nvGrpSpPr>
-      <p:grpSpPr>
-        <a:xfrm>
-          <a:off x="0" y="0"/>
-          <a:ext cx="0" cy="0"/>
-          <a:chOff x="0" y="0"/>
-          <a:chExt cx="0" cy="0"/>
-        </a:xfrm>
-      </p:grpSpPr>
-      <p:sp>
-        <p:nvSpPr>
-          <p:cNvPr id="2" name="Nadpis 1">
-            <a:extLst>
-              <a:ext uri="{FF2B5EF4-FFF2-40B4-BE49-F238E27FC236}">
-                <a16:creationId xmlns:a16="http://schemas.microsoft.com/office/drawing/2014/main" id="{B6C1B21B-CA2B-49D5-ABD1-C7999EBC7322}"/>
-              </a:ext>
-            </a:extLst>
-          </p:cNvPr>
-          <p:cNvSpPr>
-            <a:spLocks noGrp="1"/>
-          </p:cNvSpPr>
-          <p:nvPr>
-            <p:ph type="title"/>
-          </p:nvPr>
-        </p:nvSpPr>
-        <p:spPr/>
-        <p:txBody>
-          <a:bodyPr/>
-          <a:lstStyle/>
-          <a:p>
-            <a:r>
-              <a:rPr lang="cs-CZ" dirty="0">
-                <a:latin typeface="Acumin Pro" panose="020B0504020202020204" pitchFamily="34" charset="-18"/>
-              </a:rPr>
-              <a:t>Regulace parametrů vzduchu</a:t>
-            </a:r>
-          </a:p>
-        </p:txBody>
-      </p:sp>
-      <p:sp>
-        <p:nvSpPr>
-          <p:cNvPr id="3" name="Zástupný obsah 2">
-            <a:extLst>
-              <a:ext uri="{FF2B5EF4-FFF2-40B4-BE49-F238E27FC236}">
-                <a16:creationId xmlns:a16="http://schemas.microsoft.com/office/drawing/2014/main" id="{E515AA61-2EDA-49F0-A39D-3AEA022795C7}"/>
-              </a:ext>
-            </a:extLst>
-          </p:cNvPr>
-          <p:cNvSpPr>
-            <a:spLocks noGrp="1"/>
-          </p:cNvSpPr>
-          <p:nvPr>
-            <p:ph idx="1"/>
-          </p:nvPr>
-        </p:nvSpPr>
-        <p:spPr/>
-        <p:txBody>
-          <a:bodyPr/>
-          <a:lstStyle/>
-          <a:p>
-            <a:r>
-              <a:rPr lang="cs-CZ" dirty="0"/>
-              <a:t>Pro ovládání oken používá lineární </a:t>
-            </a:r>
-            <a:r>
-              <a:rPr lang="cs-CZ" dirty="0" err="1"/>
-              <a:t>aktuátory</a:t>
-            </a:r>
-            <a:r>
-              <a:rPr lang="cs-CZ" dirty="0"/>
-              <a:t> na 12 V</a:t>
-            </a:r>
-          </a:p>
-          <a:p>
-            <a:r>
-              <a:rPr lang="cs-CZ" dirty="0"/>
-              <a:t>Možnost připojení ventilátorů</a:t>
-            </a:r>
-          </a:p>
-          <a:p>
-            <a:r>
-              <a:rPr lang="cs-CZ" dirty="0"/>
-              <a:t>Možnost připojení topného tělesa</a:t>
-            </a:r>
-          </a:p>
-        </p:txBody>
-      </p:sp>
-    </p:spTree>
-    <p:extLst>
-      <p:ext uri="{BB962C8B-B14F-4D97-AF65-F5344CB8AC3E}">
-        <p14:creationId xmlns:p14="http://schemas.microsoft.com/office/powerpoint/2010/main" val="3624326005"/>
-      </p:ext>
-    </p:extLst>
-  </p:cSld>
-  <p:clrMapOvr>
-    <a:masterClrMapping/>
-  </p:clrMapOvr>
-  <mc:AlternateContent xmlns:mc="http://schemas.openxmlformats.org/markup-compatibility/2006">
-    <mc:Choice xmlns:p159="http://schemas.microsoft.com/office/powerpoint/2015/09/main" Requires="p159">
-      <p:transition spd="slow">
-        <p159:morph option="byObject"/>
-      </p:transition>
-    </mc:Choice>
-    <mc:Fallback>
-      <p:transition spd="slow">
-        <p:fade/>
-      </p:transition>
-    </mc:Fallback>
-  </mc:AlternateContent>
-</p:sld>
-</file>
-
-<file path=ppt/slides/slide14.xml><?xml version="1.0" encoding="utf-8"?>
-<p:sld xmlns:a="http://schemas.openxmlformats.org/drawingml/2006/main" xmlns:r="http://schemas.openxmlformats.org/officeDocument/2006/relationships" xmlns:p="http://schemas.openxmlformats.org/presentationml/2006/main">
-  <p:cSld>
-    <p:spTree>
-      <p:nvGrpSpPr>
-        <p:cNvPr id="1" name=""/>
-        <p:cNvGrpSpPr/>
-        <p:nvPr/>
-      </p:nvGrpSpPr>
-      <p:grpSpPr>
-        <a:xfrm>
-          <a:off x="0" y="0"/>
-          <a:ext cx="0" cy="0"/>
-          <a:chOff x="0" y="0"/>
-          <a:chExt cx="0" cy="0"/>
-        </a:xfrm>
-      </p:grpSpPr>
-      <p:sp>
-        <p:nvSpPr>
-          <p:cNvPr id="2" name="Nadpis 1">
-            <a:extLst>
-              <a:ext uri="{FF2B5EF4-FFF2-40B4-BE49-F238E27FC236}">
-                <a16:creationId xmlns:a16="http://schemas.microsoft.com/office/drawing/2014/main" id="{B6C1B21B-CA2B-49D5-ABD1-C7999EBC7322}"/>
-              </a:ext>
-            </a:extLst>
-          </p:cNvPr>
-          <p:cNvSpPr>
-            <a:spLocks noGrp="1"/>
-          </p:cNvSpPr>
-          <p:nvPr>
-            <p:ph type="title"/>
-          </p:nvPr>
-        </p:nvSpPr>
-        <p:spPr/>
-        <p:txBody>
-          <a:bodyPr/>
-          <a:lstStyle/>
-          <a:p>
-            <a:r>
-              <a:rPr lang="cs-CZ" dirty="0">
-                <a:latin typeface="Acumin Pro" panose="020B0504020202020204" pitchFamily="34" charset="-18"/>
-              </a:rPr>
-              <a:t>závlaha</a:t>
-            </a:r>
-          </a:p>
-        </p:txBody>
-      </p:sp>
-      <p:sp>
-        <p:nvSpPr>
-          <p:cNvPr id="3" name="Zástupný obsah 2">
-            <a:extLst>
-              <a:ext uri="{FF2B5EF4-FFF2-40B4-BE49-F238E27FC236}">
-                <a16:creationId xmlns:a16="http://schemas.microsoft.com/office/drawing/2014/main" id="{E515AA61-2EDA-49F0-A39D-3AEA022795C7}"/>
-              </a:ext>
-            </a:extLst>
-          </p:cNvPr>
-          <p:cNvSpPr>
-            <a:spLocks noGrp="1"/>
-          </p:cNvSpPr>
-          <p:nvPr>
-            <p:ph idx="1"/>
-          </p:nvPr>
-        </p:nvSpPr>
-        <p:spPr/>
-        <p:txBody>
-          <a:bodyPr/>
-          <a:lstStyle/>
-          <a:p>
-            <a:r>
-              <a:rPr lang="cs-CZ" dirty="0"/>
-              <a:t> </a:t>
-            </a:r>
-          </a:p>
-        </p:txBody>
-      </p:sp>
-    </p:spTree>
-    <p:extLst>
-      <p:ext uri="{BB962C8B-B14F-4D97-AF65-F5344CB8AC3E}">
-        <p14:creationId xmlns:p14="http://schemas.microsoft.com/office/powerpoint/2010/main" val="3304034235"/>
-      </p:ext>
-    </p:extLst>
-  </p:cSld>
-  <p:clrMapOvr>
-    <a:masterClrMapping/>
-  </p:clrMapOvr>
-  <mc:AlternateContent xmlns:mc="http://schemas.openxmlformats.org/markup-compatibility/2006">
-    <mc:Choice xmlns:p159="http://schemas.microsoft.com/office/powerpoint/2015/09/main" Requires="p159">
-      <p:transition spd="slow">
-        <p159:morph option="byObject"/>
-      </p:transition>
-    </mc:Choice>
-    <mc:Fallback>
-      <p:transition spd="slow">
-        <p:fade/>
-      </p:transition>
-    </mc:Fallback>
-  </mc:AlternateContent>
-</p:sld>
-</file>
-
-<file path=ppt/slides/slide15.xml><?xml version="1.0" encoding="utf-8"?>
-<p:sld xmlns:a="http://schemas.openxmlformats.org/drawingml/2006/main" xmlns:r="http://schemas.openxmlformats.org/officeDocument/2006/relationships" xmlns:p="http://schemas.openxmlformats.org/presentationml/2006/main">
-  <p:cSld>
-    <p:spTree>
-      <p:nvGrpSpPr>
-        <p:cNvPr id="1" name=""/>
-        <p:cNvGrpSpPr/>
-        <p:nvPr/>
-      </p:nvGrpSpPr>
-      <p:grpSpPr>
-        <a:xfrm>
-          <a:off x="0" y="0"/>
-          <a:ext cx="0" cy="0"/>
-          <a:chOff x="0" y="0"/>
-          <a:chExt cx="0" cy="0"/>
-        </a:xfrm>
-      </p:grpSpPr>
-      <p:sp>
-        <p:nvSpPr>
-          <p:cNvPr id="4" name="Nadpis 3"/>
-          <p:cNvSpPr>
-            <a:spLocks noGrp="1"/>
-          </p:cNvSpPr>
-          <p:nvPr>
-            <p:ph type="title"/>
-          </p:nvPr>
-        </p:nvSpPr>
-        <p:spPr/>
-        <p:txBody>
-          <a:bodyPr rtlCol="0"/>
-          <a:lstStyle/>
-          <a:p>
-            <a:pPr rtl="0"/>
-            <a:r>
-              <a:rPr lang="cs-CZ" cap="all" dirty="0">
-                <a:latin typeface="Lato Heavy" panose="020F0502020204030203" pitchFamily="34" charset="0"/>
-                <a:ea typeface="Lato Heavy" panose="020F0502020204030203" pitchFamily="34" charset="0"/>
-                <a:cs typeface="Lato Heavy" panose="020F0502020204030203" pitchFamily="34" charset="0"/>
-              </a:rPr>
-              <a:t>Software</a:t>
-            </a:r>
-          </a:p>
-        </p:txBody>
-      </p:sp>
-    </p:spTree>
-    <p:extLst>
-      <p:ext uri="{BB962C8B-B14F-4D97-AF65-F5344CB8AC3E}">
-        <p14:creationId xmlns:p14="http://schemas.microsoft.com/office/powerpoint/2010/main" val="3659385169"/>
-      </p:ext>
-    </p:extLst>
-  </p:cSld>
-  <p:clrMapOvr>
-    <a:masterClrMapping/>
-  </p:clrMapOvr>
-  <mc:AlternateContent xmlns:mc="http://schemas.openxmlformats.org/markup-compatibility/2006">
-    <mc:Choice xmlns:p159="http://schemas.microsoft.com/office/powerpoint/2015/09/main" Requires="p159">
-      <p:transition spd="slow">
-        <p159:morph option="byObject"/>
-      </p:transition>
-    </mc:Choice>
-    <mc:Fallback>
-      <p:transition spd="slow">
-        <p:fade/>
-      </p:transition>
-    </mc:Fallback>
-  </mc:AlternateContent>
-</p:sld>
-</file>
-
-<file path=ppt/slides/slide16.xml><?xml version="1.0" encoding="utf-8"?>
-<p:sld xmlns:a="http://schemas.openxmlformats.org/drawingml/2006/main" xmlns:r="http://schemas.openxmlformats.org/officeDocument/2006/relationships" xmlns:p="http://schemas.openxmlformats.org/presentationml/2006/main">
-  <p:cSld>
-    <p:spTree>
-      <p:nvGrpSpPr>
-        <p:cNvPr id="1" name=""/>
-        <p:cNvGrpSpPr/>
-        <p:nvPr/>
-      </p:nvGrpSpPr>
-      <p:grpSpPr>
-        <a:xfrm>
-          <a:off x="0" y="0"/>
-          <a:ext cx="0" cy="0"/>
-          <a:chOff x="0" y="0"/>
-          <a:chExt cx="0" cy="0"/>
-        </a:xfrm>
-      </p:grpSpPr>
-      <p:sp>
-        <p:nvSpPr>
-          <p:cNvPr id="2" name="Nadpis 1">
-            <a:extLst>
-              <a:ext uri="{FF2B5EF4-FFF2-40B4-BE49-F238E27FC236}">
-                <a16:creationId xmlns:a16="http://schemas.microsoft.com/office/drawing/2014/main" id="{8716DE81-FFF3-4804-A0D5-D530513CE77A}"/>
-              </a:ext>
-            </a:extLst>
-          </p:cNvPr>
-          <p:cNvSpPr>
-            <a:spLocks noGrp="1"/>
-          </p:cNvSpPr>
-          <p:nvPr>
-            <p:ph type="title"/>
-          </p:nvPr>
-        </p:nvSpPr>
-        <p:spPr/>
-        <p:txBody>
-          <a:bodyPr/>
-          <a:lstStyle/>
-          <a:p>
-            <a:r>
-              <a:rPr lang="cs-CZ" dirty="0"/>
-              <a:t>Režimy</a:t>
-            </a:r>
-          </a:p>
-        </p:txBody>
-      </p:sp>
-      <p:sp>
-        <p:nvSpPr>
-          <p:cNvPr id="3" name="Zástupný obsah 2">
-            <a:extLst>
-              <a:ext uri="{FF2B5EF4-FFF2-40B4-BE49-F238E27FC236}">
-                <a16:creationId xmlns:a16="http://schemas.microsoft.com/office/drawing/2014/main" id="{85FB37C9-6E5A-44FF-AA4D-639CDA2815D4}"/>
-              </a:ext>
-            </a:extLst>
-          </p:cNvPr>
-          <p:cNvSpPr>
-            <a:spLocks noGrp="1"/>
-          </p:cNvSpPr>
-          <p:nvPr>
-            <p:ph idx="1"/>
-          </p:nvPr>
-        </p:nvSpPr>
-        <p:spPr/>
-        <p:txBody>
-          <a:bodyPr/>
-          <a:lstStyle/>
-          <a:p>
-            <a:r>
-              <a:rPr lang="cs-CZ" b="1" dirty="0"/>
-              <a:t>Má </a:t>
-            </a:r>
-            <a:r>
-              <a:rPr lang="cs-CZ" dirty="0"/>
-              <a:t>několik režimů a stavů, mezi kterými za běhu programu automaticky přepíná</a:t>
-            </a:r>
-          </a:p>
-          <a:p>
-            <a:r>
-              <a:rPr lang="cs-CZ" dirty="0"/>
-              <a:t>Mezi ně se řadí:</a:t>
-            </a:r>
-          </a:p>
-          <a:p>
-            <a:pPr marL="835086" lvl="1" indent="-457200">
-              <a:buFont typeface="+mj-lt"/>
-              <a:buAutoNum type="arabicPeriod"/>
-            </a:pPr>
-            <a:r>
-              <a:rPr lang="cs-CZ" dirty="0"/>
-              <a:t>Start-up </a:t>
-            </a:r>
-          </a:p>
-          <a:p>
-            <a:pPr marL="835086" lvl="1" indent="-457200">
-              <a:buFont typeface="+mj-lt"/>
-              <a:buAutoNum type="arabicPeriod"/>
-            </a:pPr>
-            <a:r>
-              <a:rPr lang="cs-CZ" dirty="0"/>
-              <a:t>Standby</a:t>
-            </a:r>
-          </a:p>
-          <a:p>
-            <a:pPr marL="835086" lvl="1" indent="-457200">
-              <a:buFont typeface="+mj-lt"/>
-              <a:buAutoNum type="arabicPeriod"/>
-            </a:pPr>
-            <a:r>
-              <a:rPr lang="cs-CZ" dirty="0"/>
-              <a:t>VNHop</a:t>
-            </a:r>
-          </a:p>
-          <a:p>
-            <a:pPr marL="835086" lvl="1" indent="-457200">
-              <a:buFont typeface="+mj-lt"/>
-              <a:buAutoNum type="arabicPeriod"/>
-            </a:pPr>
-            <a:r>
-              <a:rPr lang="cs-CZ" dirty="0"/>
-              <a:t>aWIN</a:t>
-            </a:r>
-          </a:p>
-          <a:p>
-            <a:pPr marL="835086" lvl="1" indent="-457200">
-              <a:buFont typeface="+mj-lt"/>
-              <a:buAutoNum type="arabicPeriod"/>
-            </a:pPr>
-            <a:r>
-              <a:rPr lang="cs-CZ" dirty="0"/>
-              <a:t>E-stop (nouzový režim)</a:t>
-            </a:r>
-          </a:p>
-          <a:p>
-            <a:pPr marL="835086" lvl="1" indent="-457200">
-              <a:buFont typeface="+mj-lt"/>
-              <a:buAutoNum type="arabicPeriod"/>
-            </a:pPr>
-            <a:endParaRPr lang="cs-CZ" dirty="0"/>
-          </a:p>
-        </p:txBody>
-      </p:sp>
-    </p:spTree>
-    <p:extLst>
-      <p:ext uri="{BB962C8B-B14F-4D97-AF65-F5344CB8AC3E}">
-        <p14:creationId xmlns:p14="http://schemas.microsoft.com/office/powerpoint/2010/main" val="1968196516"/>
-      </p:ext>
-    </p:extLst>
-  </p:cSld>
-  <p:clrMapOvr>
-    <a:masterClrMapping/>
-  </p:clrMapOvr>
-  <mc:AlternateContent xmlns:mc="http://schemas.openxmlformats.org/markup-compatibility/2006">
-    <mc:Choice xmlns:p159="http://schemas.microsoft.com/office/powerpoint/2015/09/main" Requires="p159">
-      <p:transition spd="slow">
-        <p159:morph option="byObject"/>
-      </p:transition>
-    </mc:Choice>
-    <mc:Fallback>
-      <p:transition spd="slow">
-        <p:fade/>
-      </p:transition>
-    </mc:Fallback>
-  </mc:AlternateContent>
-</p:sld>
-</file>
-
-<file path=ppt/slides/slide17.xml><?xml version="1.0" encoding="utf-8"?>
-<p:sld xmlns:a="http://schemas.openxmlformats.org/drawingml/2006/main" xmlns:r="http://schemas.openxmlformats.org/officeDocument/2006/relationships" xmlns:p="http://schemas.openxmlformats.org/presentationml/2006/main">
-  <p:cSld>
-    <p:spTree>
-      <p:nvGrpSpPr>
-        <p:cNvPr id="1" name=""/>
-        <p:cNvGrpSpPr/>
-        <p:nvPr/>
-      </p:nvGrpSpPr>
-      <p:grpSpPr>
-        <a:xfrm>
-          <a:off x="0" y="0"/>
-          <a:ext cx="0" cy="0"/>
-          <a:chOff x="0" y="0"/>
-          <a:chExt cx="0" cy="0"/>
-        </a:xfrm>
-      </p:grpSpPr>
-      <p:sp>
-        <p:nvSpPr>
           <p:cNvPr id="2" name="Nadpis 1">
             <a:extLst>
               <a:ext uri="{FF2B5EF4-FFF2-40B4-BE49-F238E27FC236}">
@@ -11620,7 +11901,13 @@
           <a:p>
             <a:r>
               <a:rPr lang="cs-CZ" dirty="0"/>
-              <a:t>LCD displej v normálním režimu zobrazuje naměřenou teplotu a vlhkost</a:t>
+              <a:t>Zobrazení hodnot ze senzorů</a:t>
+            </a:r>
+          </a:p>
+          <a:p>
+            <a:r>
+              <a:rPr lang="cs-CZ" dirty="0"/>
+              <a:t>Zobrazení menu nastavení a ovládání</a:t>
             </a:r>
           </a:p>
         </p:txBody>
@@ -11670,13 +11957,13 @@
   <p:clrMapOvr>
     <a:masterClrMapping/>
   </p:clrMapOvr>
-  <mc:AlternateContent xmlns:mc="http://schemas.openxmlformats.org/markup-compatibility/2006">
-    <mc:Choice xmlns:p159="http://schemas.microsoft.com/office/powerpoint/2015/09/main" Requires="p159">
+  <mc:AlternateContent xmlns:mc="http://schemas.openxmlformats.org/markup-compatibility/2006" xmlns:p159="http://schemas.microsoft.com/office/powerpoint/2015/09/main">
+    <mc:Choice Requires="p159">
       <p:transition spd="slow">
         <p159:morph option="byObject"/>
       </p:transition>
     </mc:Choice>
-    <mc:Fallback>
+    <mc:Fallback xmlns="">
       <p:transition spd="slow">
         <p:fade/>
       </p:transition>
@@ -11685,1151 +11972,7 @@
 </p:sld>
 </file>
 
-<file path=ppt/slides/slide18.xml><?xml version="1.0" encoding="utf-8"?>
-<p:sld xmlns:a="http://schemas.openxmlformats.org/drawingml/2006/main" xmlns:r="http://schemas.openxmlformats.org/officeDocument/2006/relationships" xmlns:p="http://schemas.openxmlformats.org/presentationml/2006/main">
-  <p:cSld>
-    <p:spTree>
-      <p:nvGrpSpPr>
-        <p:cNvPr id="1" name=""/>
-        <p:cNvGrpSpPr/>
-        <p:nvPr/>
-      </p:nvGrpSpPr>
-      <p:grpSpPr>
-        <a:xfrm>
-          <a:off x="0" y="0"/>
-          <a:ext cx="0" cy="0"/>
-          <a:chOff x="0" y="0"/>
-          <a:chExt cx="0" cy="0"/>
-        </a:xfrm>
-      </p:grpSpPr>
-      <p:sp>
-        <p:nvSpPr>
-          <p:cNvPr id="2" name="Nadpis 1">
-            <a:extLst>
-              <a:ext uri="{FF2B5EF4-FFF2-40B4-BE49-F238E27FC236}">
-                <a16:creationId xmlns:a16="http://schemas.microsoft.com/office/drawing/2014/main" id="{FDFBB769-8275-4920-8559-0C09645D267A}"/>
-              </a:ext>
-            </a:extLst>
-          </p:cNvPr>
-          <p:cNvSpPr>
-            <a:spLocks noGrp="1"/>
-          </p:cNvSpPr>
-          <p:nvPr>
-            <p:ph type="title"/>
-          </p:nvPr>
-        </p:nvSpPr>
-        <p:spPr/>
-        <p:txBody>
-          <a:bodyPr/>
-          <a:lstStyle/>
-          <a:p>
-            <a:r>
-              <a:rPr lang="cs-CZ" dirty="0"/>
-              <a:t>Předobjednávky a zájem veřejnosti	</a:t>
-            </a:r>
-          </a:p>
-        </p:txBody>
-      </p:sp>
-      <p:sp>
-        <p:nvSpPr>
-          <p:cNvPr id="5" name="Zástupný obsah 4">
-            <a:extLst>
-              <a:ext uri="{FF2B5EF4-FFF2-40B4-BE49-F238E27FC236}">
-                <a16:creationId xmlns:a16="http://schemas.microsoft.com/office/drawing/2014/main" id="{1A82232B-8D8D-4EF3-B1D1-B8B4801F6DDF}"/>
-              </a:ext>
-            </a:extLst>
-          </p:cNvPr>
-          <p:cNvSpPr>
-            <a:spLocks noGrp="1"/>
-          </p:cNvSpPr>
-          <p:nvPr>
-            <p:ph idx="1"/>
-          </p:nvPr>
-        </p:nvSpPr>
-        <p:spPr>
-          <a:xfrm>
-            <a:off x="914161" y="1498601"/>
-            <a:ext cx="10360501" cy="994296"/>
-          </a:xfrm>
-        </p:spPr>
-        <p:txBody>
-          <a:bodyPr>
-            <a:normAutofit/>
-          </a:bodyPr>
-          <a:lstStyle/>
-          <a:p>
-            <a:r>
-              <a:rPr lang="cs-CZ" sz="2500" dirty="0"/>
-              <a:t>Průzkum ukázal, že ProtoPlant má potenciál stát se úspěšným na trhu</a:t>
-            </a:r>
-          </a:p>
-          <a:p>
-            <a:pPr marL="0" indent="0">
-              <a:buNone/>
-            </a:pPr>
-            <a:endParaRPr lang="cs-CZ" sz="2500" dirty="0">
-              <a:latin typeface="Lato Heavy" panose="020F0502020204030203" pitchFamily="34" charset="0"/>
-              <a:ea typeface="Lato Heavy" panose="020F0502020204030203" pitchFamily="34" charset="0"/>
-              <a:cs typeface="Lato Heavy" panose="020F0502020204030203" pitchFamily="34" charset="0"/>
-            </a:endParaRPr>
-          </a:p>
-        </p:txBody>
-      </p:sp>
-      <p:sp>
-        <p:nvSpPr>
-          <p:cNvPr id="6" name="TextovéPole 5">
-            <a:extLst>
-              <a:ext uri="{FF2B5EF4-FFF2-40B4-BE49-F238E27FC236}">
-                <a16:creationId xmlns:a16="http://schemas.microsoft.com/office/drawing/2014/main" id="{B6B813F7-6527-45BA-A3D1-818FC28ECB04}"/>
-              </a:ext>
-            </a:extLst>
-          </p:cNvPr>
-          <p:cNvSpPr txBox="1"/>
-          <p:nvPr/>
-        </p:nvSpPr>
-        <p:spPr>
-          <a:xfrm>
-            <a:off x="1682889" y="2998111"/>
-            <a:ext cx="2303258" cy="2062103"/>
-          </a:xfrm>
-          <a:prstGeom prst="rect">
-            <a:avLst/>
-          </a:prstGeom>
-          <a:noFill/>
-        </p:spPr>
-        <p:txBody>
-          <a:bodyPr wrap="none" rtlCol="0">
-            <a:spAutoFit/>
-          </a:bodyPr>
-          <a:lstStyle/>
-          <a:p>
-            <a:pPr algn="ctr"/>
-            <a:endParaRPr lang="cs-CZ" sz="2800" dirty="0"/>
-          </a:p>
-          <a:p>
-            <a:pPr algn="ctr"/>
-            <a:r>
-              <a:rPr lang="cs-CZ" sz="5000" b="1" dirty="0"/>
-              <a:t>STOVKY</a:t>
-            </a:r>
-          </a:p>
-          <a:p>
-            <a:pPr algn="ctr"/>
-            <a:r>
-              <a:rPr lang="cs-CZ" sz="2500" dirty="0"/>
-              <a:t>POTENCIÁLNÍCH</a:t>
-            </a:r>
-          </a:p>
-          <a:p>
-            <a:pPr algn="ctr"/>
-            <a:r>
-              <a:rPr lang="cs-CZ" sz="2500" dirty="0"/>
-              <a:t>ZÁJEMCŮ</a:t>
-            </a:r>
-          </a:p>
-        </p:txBody>
-      </p:sp>
-      <p:sp>
-        <p:nvSpPr>
-          <p:cNvPr id="7" name="TextovéPole 6">
-            <a:extLst>
-              <a:ext uri="{FF2B5EF4-FFF2-40B4-BE49-F238E27FC236}">
-                <a16:creationId xmlns:a16="http://schemas.microsoft.com/office/drawing/2014/main" id="{FF62149F-0CB1-4467-A204-1D5155C67F4E}"/>
-              </a:ext>
-            </a:extLst>
-          </p:cNvPr>
-          <p:cNvSpPr txBox="1"/>
-          <p:nvPr/>
-        </p:nvSpPr>
-        <p:spPr>
-          <a:xfrm>
-            <a:off x="4780397" y="3428999"/>
-            <a:ext cx="2628027" cy="1785104"/>
-          </a:xfrm>
-          <a:prstGeom prst="rect">
-            <a:avLst/>
-          </a:prstGeom>
-          <a:noFill/>
-        </p:spPr>
-        <p:txBody>
-          <a:bodyPr wrap="none" rtlCol="0">
-            <a:spAutoFit/>
-          </a:bodyPr>
-          <a:lstStyle/>
-          <a:p>
-            <a:pPr algn="ctr"/>
-            <a:r>
-              <a:rPr lang="cs-CZ" sz="2500" dirty="0"/>
-              <a:t>K VČEREJŠÍMU DNI</a:t>
-            </a:r>
-          </a:p>
-          <a:p>
-            <a:pPr algn="ctr"/>
-            <a:r>
-              <a:rPr lang="cs-CZ" sz="6000" b="1" dirty="0"/>
-              <a:t>56</a:t>
-            </a:r>
-          </a:p>
-          <a:p>
-            <a:pPr algn="ctr"/>
-            <a:r>
-              <a:rPr lang="cs-CZ" sz="2500" dirty="0"/>
-              <a:t>PŘEDOBJEDNÁVEK</a:t>
-            </a:r>
-          </a:p>
-        </p:txBody>
-      </p:sp>
-      <p:sp>
-        <p:nvSpPr>
-          <p:cNvPr id="8" name="TextovéPole 7">
-            <a:extLst>
-              <a:ext uri="{FF2B5EF4-FFF2-40B4-BE49-F238E27FC236}">
-                <a16:creationId xmlns:a16="http://schemas.microsoft.com/office/drawing/2014/main" id="{22D76625-33FE-461B-8728-632A6DD1503B}"/>
-              </a:ext>
-            </a:extLst>
-          </p:cNvPr>
-          <p:cNvSpPr txBox="1"/>
-          <p:nvPr/>
-        </p:nvSpPr>
-        <p:spPr>
-          <a:xfrm>
-            <a:off x="8248039" y="3267564"/>
-            <a:ext cx="3045193" cy="1785104"/>
-          </a:xfrm>
-          <a:prstGeom prst="rect">
-            <a:avLst/>
-          </a:prstGeom>
-          <a:noFill/>
-        </p:spPr>
-        <p:txBody>
-          <a:bodyPr wrap="none" rtlCol="0">
-            <a:spAutoFit/>
-          </a:bodyPr>
-          <a:lstStyle/>
-          <a:p>
-            <a:pPr algn="ctr"/>
-            <a:r>
-              <a:rPr lang="cs-CZ" sz="6000" b="1" dirty="0"/>
-              <a:t>∞</a:t>
-            </a:r>
-          </a:p>
-          <a:p>
-            <a:pPr algn="ctr"/>
-            <a:r>
-              <a:rPr lang="cs-CZ" sz="2500" dirty="0"/>
-              <a:t>MNOŽSTVÍ</a:t>
-            </a:r>
-          </a:p>
-          <a:p>
-            <a:pPr algn="ctr"/>
-            <a:r>
-              <a:rPr lang="cs-CZ" sz="2500" dirty="0"/>
-              <a:t>RŮZNÝCH KOMBINACÍ</a:t>
-            </a:r>
-          </a:p>
-        </p:txBody>
-      </p:sp>
-      <p:sp>
-        <p:nvSpPr>
-          <p:cNvPr id="3" name="TextovéPole 2">
-            <a:extLst>
-              <a:ext uri="{FF2B5EF4-FFF2-40B4-BE49-F238E27FC236}">
-                <a16:creationId xmlns:a16="http://schemas.microsoft.com/office/drawing/2014/main" id="{FD11F5D2-C5F3-43E8-883C-FA6C7CD9F71B}"/>
-              </a:ext>
-            </a:extLst>
-          </p:cNvPr>
-          <p:cNvSpPr txBox="1"/>
-          <p:nvPr/>
-        </p:nvSpPr>
-        <p:spPr>
-          <a:xfrm>
-            <a:off x="0" y="2636622"/>
-            <a:ext cx="12188825" cy="738664"/>
-          </a:xfrm>
-          <a:prstGeom prst="rect">
-            <a:avLst/>
-          </a:prstGeom>
-          <a:noFill/>
-        </p:spPr>
-        <p:txBody>
-          <a:bodyPr wrap="square" rtlCol="0">
-            <a:spAutoFit/>
-          </a:bodyPr>
-          <a:lstStyle/>
-          <a:p>
-            <a:pPr algn="ctr"/>
-            <a:r>
-              <a:rPr lang="cs-CZ" sz="4200" dirty="0">
-                <a:latin typeface="Lato Heavy" panose="020F0502020204030203" pitchFamily="34" charset="0"/>
-                <a:ea typeface="Lato Heavy" panose="020F0502020204030203" pitchFamily="34" charset="0"/>
-                <a:cs typeface="Lato Heavy" panose="020F0502020204030203" pitchFamily="34" charset="0"/>
-              </a:rPr>
-              <a:t>Proč?</a:t>
-            </a:r>
-          </a:p>
-        </p:txBody>
-      </p:sp>
-    </p:spTree>
-    <p:extLst>
-      <p:ext uri="{BB962C8B-B14F-4D97-AF65-F5344CB8AC3E}">
-        <p14:creationId xmlns:p14="http://schemas.microsoft.com/office/powerpoint/2010/main" val="748561093"/>
-      </p:ext>
-    </p:extLst>
-  </p:cSld>
-  <p:clrMapOvr>
-    <a:masterClrMapping/>
-  </p:clrMapOvr>
-  <mc:AlternateContent xmlns:mc="http://schemas.openxmlformats.org/markup-compatibility/2006">
-    <mc:Choice xmlns:p159="http://schemas.microsoft.com/office/powerpoint/2015/09/main" Requires="p159">
-      <p:transition spd="slow">
-        <p159:morph option="byObject"/>
-      </p:transition>
-    </mc:Choice>
-    <mc:Fallback>
-      <p:transition spd="slow">
-        <p:fade/>
-      </p:transition>
-    </mc:Fallback>
-  </mc:AlternateContent>
-  <p:timing>
-    <p:tnLst>
-      <p:par>
-        <p:cTn id="1" dur="indefinite" restart="never" nodeType="tmRoot">
-          <p:childTnLst>
-            <p:seq concurrent="1" nextAc="seek">
-              <p:cTn id="2" dur="indefinite" nodeType="mainSeq">
-                <p:childTnLst>
-                  <p:par>
-                    <p:cTn id="3" fill="hold">
-                      <p:stCondLst>
-                        <p:cond delay="indefinite"/>
-                      </p:stCondLst>
-                      <p:childTnLst>
-                        <p:par>
-                          <p:cTn id="4" fill="hold">
-                            <p:stCondLst>
-                              <p:cond delay="0"/>
-                            </p:stCondLst>
-                            <p:childTnLst>
-                              <p:par>
-                                <p:cTn id="5" presetID="10" presetClass="entr" presetSubtype="0" fill="hold" grpId="0" nodeType="clickEffect">
-                                  <p:stCondLst>
-                                    <p:cond delay="0"/>
-                                  </p:stCondLst>
-                                  <p:childTnLst>
-                                    <p:set>
-                                      <p:cBhvr>
-                                        <p:cTn id="6" dur="1" fill="hold">
-                                          <p:stCondLst>
-                                            <p:cond delay="0"/>
-                                          </p:stCondLst>
-                                        </p:cTn>
-                                        <p:tgtEl>
-                                          <p:spTgt spid="3"/>
-                                        </p:tgtEl>
-                                        <p:attrNameLst>
-                                          <p:attrName>style.visibility</p:attrName>
-                                        </p:attrNameLst>
-                                      </p:cBhvr>
-                                      <p:to>
-                                        <p:strVal val="visible"/>
-                                      </p:to>
-                                    </p:set>
-                                    <p:animEffect transition="in" filter="fade">
-                                      <p:cBhvr>
-                                        <p:cTn id="7" dur="500"/>
-                                        <p:tgtEl>
-                                          <p:spTgt spid="3"/>
-                                        </p:tgtEl>
-                                      </p:cBhvr>
-                                    </p:animEffect>
-                                  </p:childTnLst>
-                                </p:cTn>
-                              </p:par>
-                            </p:childTnLst>
-                          </p:cTn>
-                        </p:par>
-                      </p:childTnLst>
-                    </p:cTn>
-                  </p:par>
-                  <p:par>
-                    <p:cTn id="8" fill="hold">
-                      <p:stCondLst>
-                        <p:cond delay="indefinite"/>
-                      </p:stCondLst>
-                      <p:childTnLst>
-                        <p:par>
-                          <p:cTn id="9" fill="hold">
-                            <p:stCondLst>
-                              <p:cond delay="0"/>
-                            </p:stCondLst>
-                            <p:childTnLst>
-                              <p:par>
-                                <p:cTn id="10" presetID="10" presetClass="entr" presetSubtype="0" fill="hold" grpId="0" nodeType="clickEffect">
-                                  <p:stCondLst>
-                                    <p:cond delay="0"/>
-                                  </p:stCondLst>
-                                  <p:childTnLst>
-                                    <p:set>
-                                      <p:cBhvr>
-                                        <p:cTn id="11" dur="1" fill="hold">
-                                          <p:stCondLst>
-                                            <p:cond delay="0"/>
-                                          </p:stCondLst>
-                                        </p:cTn>
-                                        <p:tgtEl>
-                                          <p:spTgt spid="7"/>
-                                        </p:tgtEl>
-                                        <p:attrNameLst>
-                                          <p:attrName>style.visibility</p:attrName>
-                                        </p:attrNameLst>
-                                      </p:cBhvr>
-                                      <p:to>
-                                        <p:strVal val="visible"/>
-                                      </p:to>
-                                    </p:set>
-                                    <p:animEffect transition="in" filter="fade">
-                                      <p:cBhvr>
-                                        <p:cTn id="12" dur="500"/>
-                                        <p:tgtEl>
-                                          <p:spTgt spid="7"/>
-                                        </p:tgtEl>
-                                      </p:cBhvr>
-                                    </p:animEffect>
-                                  </p:childTnLst>
-                                </p:cTn>
-                              </p:par>
-                            </p:childTnLst>
-                          </p:cTn>
-                        </p:par>
-                      </p:childTnLst>
-                    </p:cTn>
-                  </p:par>
-                  <p:par>
-                    <p:cTn id="13" fill="hold">
-                      <p:stCondLst>
-                        <p:cond delay="indefinite"/>
-                      </p:stCondLst>
-                      <p:childTnLst>
-                        <p:par>
-                          <p:cTn id="14" fill="hold">
-                            <p:stCondLst>
-                              <p:cond delay="0"/>
-                            </p:stCondLst>
-                            <p:childTnLst>
-                              <p:par>
-                                <p:cTn id="15" presetID="10" presetClass="entr" presetSubtype="0" fill="hold" grpId="0" nodeType="clickEffect">
-                                  <p:stCondLst>
-                                    <p:cond delay="0"/>
-                                  </p:stCondLst>
-                                  <p:childTnLst>
-                                    <p:set>
-                                      <p:cBhvr>
-                                        <p:cTn id="16" dur="1" fill="hold">
-                                          <p:stCondLst>
-                                            <p:cond delay="0"/>
-                                          </p:stCondLst>
-                                        </p:cTn>
-                                        <p:tgtEl>
-                                          <p:spTgt spid="6"/>
-                                        </p:tgtEl>
-                                        <p:attrNameLst>
-                                          <p:attrName>style.visibility</p:attrName>
-                                        </p:attrNameLst>
-                                      </p:cBhvr>
-                                      <p:to>
-                                        <p:strVal val="visible"/>
-                                      </p:to>
-                                    </p:set>
-                                    <p:animEffect transition="in" filter="fade">
-                                      <p:cBhvr>
-                                        <p:cTn id="17" dur="500"/>
-                                        <p:tgtEl>
-                                          <p:spTgt spid="6"/>
-                                        </p:tgtEl>
-                                      </p:cBhvr>
-                                    </p:animEffect>
-                                  </p:childTnLst>
-                                </p:cTn>
-                              </p:par>
-                            </p:childTnLst>
-                          </p:cTn>
-                        </p:par>
-                      </p:childTnLst>
-                    </p:cTn>
-                  </p:par>
-                  <p:par>
-                    <p:cTn id="18" fill="hold">
-                      <p:stCondLst>
-                        <p:cond delay="indefinite"/>
-                      </p:stCondLst>
-                      <p:childTnLst>
-                        <p:par>
-                          <p:cTn id="19" fill="hold">
-                            <p:stCondLst>
-                              <p:cond delay="0"/>
-                            </p:stCondLst>
-                            <p:childTnLst>
-                              <p:par>
-                                <p:cTn id="20" presetID="10" presetClass="entr" presetSubtype="0" fill="hold" grpId="0" nodeType="clickEffect">
-                                  <p:stCondLst>
-                                    <p:cond delay="0"/>
-                                  </p:stCondLst>
-                                  <p:childTnLst>
-                                    <p:set>
-                                      <p:cBhvr>
-                                        <p:cTn id="21" dur="1" fill="hold">
-                                          <p:stCondLst>
-                                            <p:cond delay="0"/>
-                                          </p:stCondLst>
-                                        </p:cTn>
-                                        <p:tgtEl>
-                                          <p:spTgt spid="8"/>
-                                        </p:tgtEl>
-                                        <p:attrNameLst>
-                                          <p:attrName>style.visibility</p:attrName>
-                                        </p:attrNameLst>
-                                      </p:cBhvr>
-                                      <p:to>
-                                        <p:strVal val="visible"/>
-                                      </p:to>
-                                    </p:set>
-                                    <p:animEffect transition="in" filter="fade">
-                                      <p:cBhvr>
-                                        <p:cTn id="22" dur="500"/>
-                                        <p:tgtEl>
-                                          <p:spTgt spid="8"/>
-                                        </p:tgtEl>
-                                      </p:cBhvr>
-                                    </p:animEffect>
-                                  </p:childTnLst>
-                                </p:cTn>
-                              </p:par>
-                            </p:childTnLst>
-                          </p:cTn>
-                        </p:par>
-                      </p:childTnLst>
-                    </p:cTn>
-                  </p:par>
-                </p:childTnLst>
-              </p:cTn>
-              <p:prevCondLst>
-                <p:cond evt="onPrev" delay="0">
-                  <p:tgtEl>
-                    <p:sldTgt/>
-                  </p:tgtEl>
-                </p:cond>
-              </p:prevCondLst>
-              <p:nextCondLst>
-                <p:cond evt="onNext" delay="0">
-                  <p:tgtEl>
-                    <p:sldTgt/>
-                  </p:tgtEl>
-                </p:cond>
-              </p:nextCondLst>
-            </p:seq>
-          </p:childTnLst>
-        </p:cTn>
-      </p:par>
-    </p:tnLst>
-    <p:bldLst>
-      <p:bldP spid="6" grpId="0"/>
-      <p:bldP spid="7" grpId="0"/>
-      <p:bldP spid="8" grpId="0"/>
-      <p:bldP spid="3" grpId="0"/>
-    </p:bldLst>
-  </p:timing>
-</p:sld>
-</file>
-
-<file path=ppt/slides/slide19.xml><?xml version="1.0" encoding="utf-8"?>
-<p:sld xmlns:a="http://schemas.openxmlformats.org/drawingml/2006/main" xmlns:r="http://schemas.openxmlformats.org/officeDocument/2006/relationships" xmlns:p="http://schemas.openxmlformats.org/presentationml/2006/main">
-  <p:cSld>
-    <p:spTree>
-      <p:nvGrpSpPr>
-        <p:cNvPr id="1" name=""/>
-        <p:cNvGrpSpPr/>
-        <p:nvPr/>
-      </p:nvGrpSpPr>
-      <p:grpSpPr>
-        <a:xfrm>
-          <a:off x="0" y="0"/>
-          <a:ext cx="0" cy="0"/>
-          <a:chOff x="0" y="0"/>
-          <a:chExt cx="0" cy="0"/>
-        </a:xfrm>
-      </p:grpSpPr>
-      <p:sp>
-        <p:nvSpPr>
-          <p:cNvPr id="2" name="Nadpis 1">
-            <a:extLst>
-              <a:ext uri="{FF2B5EF4-FFF2-40B4-BE49-F238E27FC236}">
-                <a16:creationId xmlns:a16="http://schemas.microsoft.com/office/drawing/2014/main" id="{2EB66E40-095D-4EB1-9B2F-4E09D438B067}"/>
-              </a:ext>
-            </a:extLst>
-          </p:cNvPr>
-          <p:cNvSpPr>
-            <a:spLocks noGrp="1"/>
-          </p:cNvSpPr>
-          <p:nvPr>
-            <p:ph type="title"/>
-          </p:nvPr>
-        </p:nvSpPr>
-        <p:spPr/>
-        <p:txBody>
-          <a:bodyPr/>
-          <a:lstStyle/>
-          <a:p>
-            <a:r>
-              <a:rPr lang="cs-CZ" dirty="0"/>
-              <a:t>Další rozšíření a směřování	</a:t>
-            </a:r>
-          </a:p>
-        </p:txBody>
-      </p:sp>
-      <p:sp>
-        <p:nvSpPr>
-          <p:cNvPr id="3" name="Zástupný obsah 2">
-            <a:extLst>
-              <a:ext uri="{FF2B5EF4-FFF2-40B4-BE49-F238E27FC236}">
-                <a16:creationId xmlns:a16="http://schemas.microsoft.com/office/drawing/2014/main" id="{4E7ACDE7-33BD-4123-960F-37615D3BC5EB}"/>
-              </a:ext>
-            </a:extLst>
-          </p:cNvPr>
-          <p:cNvSpPr>
-            <a:spLocks noGrp="1"/>
-          </p:cNvSpPr>
-          <p:nvPr>
-            <p:ph idx="1"/>
-          </p:nvPr>
-        </p:nvSpPr>
-        <p:spPr>
-          <a:xfrm>
-            <a:off x="1218883" y="1701797"/>
-            <a:ext cx="10636169" cy="4462272"/>
-          </a:xfrm>
-        </p:spPr>
-        <p:txBody>
-          <a:bodyPr/>
-          <a:lstStyle/>
-          <a:p>
-            <a:r>
-              <a:rPr lang="cs-CZ" dirty="0" err="1"/>
-              <a:t>Přídání</a:t>
-            </a:r>
-            <a:r>
-              <a:rPr lang="cs-CZ"/>
-              <a:t> funkcí </a:t>
-            </a:r>
-            <a:r>
-              <a:rPr lang="cs-CZ" dirty="0"/>
-              <a:t>pro dálkové ovládání a sledování skleníku přes internet např. z dovolené</a:t>
-            </a:r>
-          </a:p>
-          <a:p>
-            <a:r>
-              <a:rPr lang="cs-CZ" dirty="0"/>
-              <a:t>Založení firmy a zahájení distribuce</a:t>
-            </a:r>
-          </a:p>
-          <a:p>
-            <a:r>
-              <a:rPr lang="cs-CZ" dirty="0"/>
-              <a:t>Případná patentová ochrana</a:t>
-            </a:r>
-          </a:p>
-        </p:txBody>
-      </p:sp>
-    </p:spTree>
-    <p:extLst>
-      <p:ext uri="{BB962C8B-B14F-4D97-AF65-F5344CB8AC3E}">
-        <p14:creationId xmlns:p14="http://schemas.microsoft.com/office/powerpoint/2010/main" val="632590402"/>
-      </p:ext>
-    </p:extLst>
-  </p:cSld>
-  <p:clrMapOvr>
-    <a:masterClrMapping/>
-  </p:clrMapOvr>
-  <mc:AlternateContent xmlns:mc="http://schemas.openxmlformats.org/markup-compatibility/2006">
-    <mc:Choice xmlns:p159="http://schemas.microsoft.com/office/powerpoint/2015/09/main" Requires="p159">
-      <p:transition spd="slow">
-        <p159:morph option="byObject"/>
-      </p:transition>
-    </mc:Choice>
-    <mc:Fallback>
-      <p:transition spd="slow">
-        <p:fade/>
-      </p:transition>
-    </mc:Fallback>
-  </mc:AlternateContent>
-  <p:timing>
-    <p:tnLst>
-      <p:par>
-        <p:cTn id="1" dur="indefinite" restart="never" nodeType="tmRoot">
-          <p:childTnLst>
-            <p:seq concurrent="1" nextAc="seek">
-              <p:cTn id="2" dur="indefinite" nodeType="mainSeq">
-                <p:childTnLst>
-                  <p:par>
-                    <p:cTn id="3" fill="hold">
-                      <p:stCondLst>
-                        <p:cond delay="indefinite"/>
-                      </p:stCondLst>
-                      <p:childTnLst>
-                        <p:par>
-                          <p:cTn id="4" fill="hold">
-                            <p:stCondLst>
-                              <p:cond delay="0"/>
-                            </p:stCondLst>
-                            <p:childTnLst>
-                              <p:par>
-                                <p:cTn id="5" presetID="10" presetClass="entr" presetSubtype="0" fill="hold" grpId="0" nodeType="clickEffect">
-                                  <p:stCondLst>
-                                    <p:cond delay="0"/>
-                                  </p:stCondLst>
-                                  <p:childTnLst>
-                                    <p:set>
-                                      <p:cBhvr>
-                                        <p:cTn id="6" dur="1" fill="hold">
-                                          <p:stCondLst>
-                                            <p:cond delay="0"/>
-                                          </p:stCondLst>
-                                        </p:cTn>
-                                        <p:tgtEl>
-                                          <p:spTgt spid="3">
-                                            <p:txEl>
-                                              <p:pRg st="0" end="0"/>
-                                            </p:txEl>
-                                          </p:spTgt>
-                                        </p:tgtEl>
-                                        <p:attrNameLst>
-                                          <p:attrName>style.visibility</p:attrName>
-                                        </p:attrNameLst>
-                                      </p:cBhvr>
-                                      <p:to>
-                                        <p:strVal val="visible"/>
-                                      </p:to>
-                                    </p:set>
-                                    <p:animEffect transition="in" filter="fade">
-                                      <p:cBhvr>
-                                        <p:cTn id="7" dur="500"/>
-                                        <p:tgtEl>
-                                          <p:spTgt spid="3">
-                                            <p:txEl>
-                                              <p:pRg st="0" end="0"/>
-                                            </p:txEl>
-                                          </p:spTgt>
-                                        </p:tgtEl>
-                                      </p:cBhvr>
-                                    </p:animEffect>
-                                  </p:childTnLst>
-                                </p:cTn>
-                              </p:par>
-                            </p:childTnLst>
-                          </p:cTn>
-                        </p:par>
-                      </p:childTnLst>
-                    </p:cTn>
-                  </p:par>
-                  <p:par>
-                    <p:cTn id="8" fill="hold">
-                      <p:stCondLst>
-                        <p:cond delay="indefinite"/>
-                      </p:stCondLst>
-                      <p:childTnLst>
-                        <p:par>
-                          <p:cTn id="9" fill="hold">
-                            <p:stCondLst>
-                              <p:cond delay="0"/>
-                            </p:stCondLst>
-                            <p:childTnLst>
-                              <p:par>
-                                <p:cTn id="10" presetID="10" presetClass="entr" presetSubtype="0" fill="hold" grpId="0" nodeType="clickEffect">
-                                  <p:stCondLst>
-                                    <p:cond delay="0"/>
-                                  </p:stCondLst>
-                                  <p:childTnLst>
-                                    <p:set>
-                                      <p:cBhvr>
-                                        <p:cTn id="11" dur="1" fill="hold">
-                                          <p:stCondLst>
-                                            <p:cond delay="0"/>
-                                          </p:stCondLst>
-                                        </p:cTn>
-                                        <p:tgtEl>
-                                          <p:spTgt spid="3">
-                                            <p:txEl>
-                                              <p:pRg st="1" end="1"/>
-                                            </p:txEl>
-                                          </p:spTgt>
-                                        </p:tgtEl>
-                                        <p:attrNameLst>
-                                          <p:attrName>style.visibility</p:attrName>
-                                        </p:attrNameLst>
-                                      </p:cBhvr>
-                                      <p:to>
-                                        <p:strVal val="visible"/>
-                                      </p:to>
-                                    </p:set>
-                                    <p:animEffect transition="in" filter="fade">
-                                      <p:cBhvr>
-                                        <p:cTn id="12" dur="500"/>
-                                        <p:tgtEl>
-                                          <p:spTgt spid="3">
-                                            <p:txEl>
-                                              <p:pRg st="1" end="1"/>
-                                            </p:txEl>
-                                          </p:spTgt>
-                                        </p:tgtEl>
-                                      </p:cBhvr>
-                                    </p:animEffect>
-                                  </p:childTnLst>
-                                </p:cTn>
-                              </p:par>
-                            </p:childTnLst>
-                          </p:cTn>
-                        </p:par>
-                      </p:childTnLst>
-                    </p:cTn>
-                  </p:par>
-                  <p:par>
-                    <p:cTn id="13" fill="hold">
-                      <p:stCondLst>
-                        <p:cond delay="indefinite"/>
-                      </p:stCondLst>
-                      <p:childTnLst>
-                        <p:par>
-                          <p:cTn id="14" fill="hold">
-                            <p:stCondLst>
-                              <p:cond delay="0"/>
-                            </p:stCondLst>
-                            <p:childTnLst>
-                              <p:par>
-                                <p:cTn id="15" presetID="10" presetClass="entr" presetSubtype="0" fill="hold" grpId="0" nodeType="clickEffect">
-                                  <p:stCondLst>
-                                    <p:cond delay="0"/>
-                                  </p:stCondLst>
-                                  <p:childTnLst>
-                                    <p:set>
-                                      <p:cBhvr>
-                                        <p:cTn id="16" dur="1" fill="hold">
-                                          <p:stCondLst>
-                                            <p:cond delay="0"/>
-                                          </p:stCondLst>
-                                        </p:cTn>
-                                        <p:tgtEl>
-                                          <p:spTgt spid="3">
-                                            <p:txEl>
-                                              <p:pRg st="2" end="2"/>
-                                            </p:txEl>
-                                          </p:spTgt>
-                                        </p:tgtEl>
-                                        <p:attrNameLst>
-                                          <p:attrName>style.visibility</p:attrName>
-                                        </p:attrNameLst>
-                                      </p:cBhvr>
-                                      <p:to>
-                                        <p:strVal val="visible"/>
-                                      </p:to>
-                                    </p:set>
-                                    <p:animEffect transition="in" filter="fade">
-                                      <p:cBhvr>
-                                        <p:cTn id="17" dur="500"/>
-                                        <p:tgtEl>
-                                          <p:spTgt spid="3">
-                                            <p:txEl>
-                                              <p:pRg st="2" end="2"/>
-                                            </p:txEl>
-                                          </p:spTgt>
-                                        </p:tgtEl>
-                                      </p:cBhvr>
-                                    </p:animEffect>
-                                  </p:childTnLst>
-                                </p:cTn>
-                              </p:par>
-                            </p:childTnLst>
-                          </p:cTn>
-                        </p:par>
-                      </p:childTnLst>
-                    </p:cTn>
-                  </p:par>
-                </p:childTnLst>
-              </p:cTn>
-              <p:prevCondLst>
-                <p:cond evt="onPrev" delay="0">
-                  <p:tgtEl>
-                    <p:sldTgt/>
-                  </p:tgtEl>
-                </p:cond>
-              </p:prevCondLst>
-              <p:nextCondLst>
-                <p:cond evt="onNext" delay="0">
-                  <p:tgtEl>
-                    <p:sldTgt/>
-                  </p:tgtEl>
-                </p:cond>
-              </p:nextCondLst>
-            </p:seq>
-          </p:childTnLst>
-        </p:cTn>
-      </p:par>
-    </p:tnLst>
-    <p:bldLst>
-      <p:bldP spid="3" grpId="0" build="p"/>
-    </p:bldLst>
-  </p:timing>
-</p:sld>
-</file>
-
-<file path=ppt/slides/slide2.xml><?xml version="1.0" encoding="utf-8"?>
-<p:sld xmlns:a="http://schemas.openxmlformats.org/drawingml/2006/main" xmlns:r="http://schemas.openxmlformats.org/officeDocument/2006/relationships" xmlns:p="http://schemas.openxmlformats.org/presentationml/2006/main">
-  <p:cSld>
-    <p:spTree>
-      <p:nvGrpSpPr>
-        <p:cNvPr id="1" name=""/>
-        <p:cNvGrpSpPr/>
-        <p:nvPr/>
-      </p:nvGrpSpPr>
-      <p:grpSpPr>
-        <a:xfrm>
-          <a:off x="0" y="0"/>
-          <a:ext cx="0" cy="0"/>
-          <a:chOff x="0" y="0"/>
-          <a:chExt cx="0" cy="0"/>
-        </a:xfrm>
-      </p:grpSpPr>
-      <p:sp>
-        <p:nvSpPr>
-          <p:cNvPr id="4" name="Nadpis 3">
-            <a:extLst>
-              <a:ext uri="{FF2B5EF4-FFF2-40B4-BE49-F238E27FC236}">
-                <a16:creationId xmlns:a16="http://schemas.microsoft.com/office/drawing/2014/main" id="{A4E97893-D955-4616-ADD0-A2A99B5795B1}"/>
-              </a:ext>
-            </a:extLst>
-          </p:cNvPr>
-          <p:cNvSpPr>
-            <a:spLocks noGrp="1"/>
-          </p:cNvSpPr>
-          <p:nvPr>
-            <p:ph type="title"/>
-          </p:nvPr>
-        </p:nvSpPr>
-        <p:spPr/>
-        <p:txBody>
-          <a:bodyPr/>
-          <a:lstStyle/>
-          <a:p>
-            <a:r>
-              <a:rPr lang="cs-CZ" cap="all" dirty="0">
-                <a:latin typeface="Acumin Pro" panose="020B0504020202020204" pitchFamily="34" charset="-18"/>
-              </a:rPr>
-              <a:t>Konkurence</a:t>
-            </a:r>
-            <a:endParaRPr lang="cs-CZ" dirty="0">
-              <a:latin typeface="Acumin Pro" panose="020B0504020202020204" pitchFamily="34" charset="-18"/>
-            </a:endParaRPr>
-          </a:p>
-        </p:txBody>
-      </p:sp>
-      <p:sp>
-        <p:nvSpPr>
-          <p:cNvPr id="6" name="TextovéPole 5">
-            <a:extLst>
-              <a:ext uri="{FF2B5EF4-FFF2-40B4-BE49-F238E27FC236}">
-                <a16:creationId xmlns:a16="http://schemas.microsoft.com/office/drawing/2014/main" id="{BC0A0F2C-F960-42C3-896C-E8D50A0EBD34}"/>
-              </a:ext>
-            </a:extLst>
-          </p:cNvPr>
-          <p:cNvSpPr txBox="1"/>
-          <p:nvPr/>
-        </p:nvSpPr>
-        <p:spPr>
-          <a:xfrm>
-            <a:off x="1296165" y="2420888"/>
-            <a:ext cx="4150175" cy="1815882"/>
-          </a:xfrm>
-          <a:prstGeom prst="rect">
-            <a:avLst/>
-          </a:prstGeom>
-          <a:noFill/>
-        </p:spPr>
-        <p:txBody>
-          <a:bodyPr wrap="square" rtlCol="0">
-            <a:spAutoFit/>
-          </a:bodyPr>
-          <a:lstStyle/>
-          <a:p>
-            <a:r>
-              <a:rPr lang="cs-CZ" sz="2800" dirty="0">
-                <a:latin typeface="Lato Semibold" panose="020F0502020204030203" pitchFamily="34" charset="0"/>
-                <a:ea typeface="Lato Semibold" panose="020F0502020204030203" pitchFamily="34" charset="0"/>
-                <a:cs typeface="Lato Semibold" panose="020F0502020204030203" pitchFamily="34" charset="0"/>
-              </a:rPr>
-              <a:t>PRŮMYSLOVÁ ŘEŠENÍ</a:t>
-            </a:r>
-          </a:p>
-          <a:p>
-            <a:pPr marL="457200" indent="-457200">
-              <a:buFont typeface="Arial" panose="020B0604020202020204" pitchFamily="34" charset="0"/>
-              <a:buChar char="•"/>
-            </a:pPr>
-            <a:r>
-              <a:rPr lang="cs-CZ" sz="2800" dirty="0">
-                <a:latin typeface="Lato Semibold" panose="020F0502020204030203" pitchFamily="34" charset="0"/>
-                <a:ea typeface="Lato Semibold" panose="020F0502020204030203" pitchFamily="34" charset="0"/>
-                <a:cs typeface="Lato Semibold" panose="020F0502020204030203" pitchFamily="34" charset="0"/>
-              </a:rPr>
-              <a:t>Drahá</a:t>
-            </a:r>
-          </a:p>
-          <a:p>
-            <a:pPr marL="457200" indent="-457200">
-              <a:buFont typeface="Arial" panose="020B0604020202020204" pitchFamily="34" charset="0"/>
-              <a:buChar char="•"/>
-            </a:pPr>
-            <a:r>
-              <a:rPr lang="cs-CZ" sz="2800" dirty="0">
-                <a:latin typeface="Lato Semibold" panose="020F0502020204030203" pitchFamily="34" charset="0"/>
-                <a:ea typeface="Lato Semibold" panose="020F0502020204030203" pitchFamily="34" charset="0"/>
-                <a:cs typeface="Lato Semibold" panose="020F0502020204030203" pitchFamily="34" charset="0"/>
-              </a:rPr>
-              <a:t>Na míru</a:t>
-            </a:r>
-          </a:p>
-          <a:p>
-            <a:pPr marL="457200" indent="-457200">
-              <a:buFont typeface="Arial" panose="020B0604020202020204" pitchFamily="34" charset="0"/>
-              <a:buChar char="•"/>
-            </a:pPr>
-            <a:r>
-              <a:rPr lang="cs-CZ" sz="2800" dirty="0">
-                <a:latin typeface="Lato Semibold" panose="020F0502020204030203" pitchFamily="34" charset="0"/>
-                <a:ea typeface="Lato Semibold" panose="020F0502020204030203" pitchFamily="34" charset="0"/>
-                <a:cs typeface="Lato Semibold" panose="020F0502020204030203" pitchFamily="34" charset="0"/>
-              </a:rPr>
-              <a:t>Pro velkozemědělství</a:t>
-            </a:r>
-          </a:p>
-        </p:txBody>
-      </p:sp>
-      <p:sp>
-        <p:nvSpPr>
-          <p:cNvPr id="7" name="TextovéPole 6">
-            <a:extLst>
-              <a:ext uri="{FF2B5EF4-FFF2-40B4-BE49-F238E27FC236}">
-                <a16:creationId xmlns:a16="http://schemas.microsoft.com/office/drawing/2014/main" id="{3AC57958-99FD-46FC-B3E2-6C1DE54AD326}"/>
-              </a:ext>
-            </a:extLst>
-          </p:cNvPr>
-          <p:cNvSpPr txBox="1"/>
-          <p:nvPr/>
-        </p:nvSpPr>
-        <p:spPr>
-          <a:xfrm>
-            <a:off x="6382444" y="2420888"/>
-            <a:ext cx="4608512" cy="2677656"/>
-          </a:xfrm>
-          <a:prstGeom prst="rect">
-            <a:avLst/>
-          </a:prstGeom>
-          <a:noFill/>
-        </p:spPr>
-        <p:txBody>
-          <a:bodyPr wrap="square" rtlCol="0">
-            <a:spAutoFit/>
-          </a:bodyPr>
-          <a:lstStyle/>
-          <a:p>
-            <a:r>
-              <a:rPr lang="cs-CZ" sz="2800" dirty="0">
-                <a:latin typeface="Lato Semibold" panose="020F0502020204030203" pitchFamily="34" charset="0"/>
-                <a:ea typeface="Lato Semibold" panose="020F0502020204030203" pitchFamily="34" charset="0"/>
-                <a:cs typeface="Lato Semibold" panose="020F0502020204030203" pitchFamily="34" charset="0"/>
-              </a:rPr>
-              <a:t>„KUTILSKÁ“ ŘEŠENÍ</a:t>
-            </a:r>
-          </a:p>
-          <a:p>
-            <a:pPr marL="457200" indent="-457200">
-              <a:buFont typeface="Arial" panose="020B0604020202020204" pitchFamily="34" charset="0"/>
-              <a:buChar char="•"/>
-            </a:pPr>
-            <a:r>
-              <a:rPr lang="cs-CZ" sz="2800" dirty="0">
-                <a:latin typeface="Lato Semibold" panose="020F0502020204030203" pitchFamily="34" charset="0"/>
-                <a:ea typeface="Lato Semibold" panose="020F0502020204030203" pitchFamily="34" charset="0"/>
-                <a:cs typeface="Lato Semibold" panose="020F0502020204030203" pitchFamily="34" charset="0"/>
-              </a:rPr>
-              <a:t>Nutné znalosti elektrotechniky</a:t>
-            </a:r>
-          </a:p>
-          <a:p>
-            <a:pPr marL="457200" indent="-457200">
-              <a:buFont typeface="Arial" panose="020B0604020202020204" pitchFamily="34" charset="0"/>
-              <a:buChar char="•"/>
-            </a:pPr>
-            <a:r>
-              <a:rPr lang="cs-CZ" sz="2800" dirty="0">
-                <a:latin typeface="Lato Semibold" panose="020F0502020204030203" pitchFamily="34" charset="0"/>
-                <a:ea typeface="Lato Semibold" panose="020F0502020204030203" pitchFamily="34" charset="0"/>
-                <a:cs typeface="Lato Semibold" panose="020F0502020204030203" pitchFamily="34" charset="0"/>
-              </a:rPr>
-              <a:t>Neuniverzální</a:t>
-            </a:r>
-          </a:p>
-          <a:p>
-            <a:pPr marL="457200" indent="-457200">
-              <a:buFont typeface="Arial" panose="020B0604020202020204" pitchFamily="34" charset="0"/>
-              <a:buChar char="•"/>
-            </a:pPr>
-            <a:r>
-              <a:rPr lang="cs-CZ" sz="2800" dirty="0">
-                <a:latin typeface="Lato Semibold" panose="020F0502020204030203" pitchFamily="34" charset="0"/>
-                <a:ea typeface="Lato Semibold" panose="020F0502020204030203" pitchFamily="34" charset="0"/>
-                <a:cs typeface="Lato Semibold" panose="020F0502020204030203" pitchFamily="34" charset="0"/>
-              </a:rPr>
-              <a:t>Příliš zdlouhavá výroba</a:t>
-            </a:r>
-          </a:p>
-          <a:p>
-            <a:pPr marL="457200" indent="-457200">
-              <a:buFont typeface="Arial" panose="020B0604020202020204" pitchFamily="34" charset="0"/>
-              <a:buChar char="•"/>
-            </a:pPr>
-            <a:endParaRPr lang="cs-CZ" sz="2800" dirty="0">
-              <a:latin typeface="Lato Semibold" panose="020F0502020204030203" pitchFamily="34" charset="0"/>
-              <a:ea typeface="Lato Semibold" panose="020F0502020204030203" pitchFamily="34" charset="0"/>
-              <a:cs typeface="Lato Semibold" panose="020F0502020204030203" pitchFamily="34" charset="0"/>
-            </a:endParaRPr>
-          </a:p>
-        </p:txBody>
-      </p:sp>
-    </p:spTree>
-    <p:extLst>
-      <p:ext uri="{BB962C8B-B14F-4D97-AF65-F5344CB8AC3E}">
-        <p14:creationId xmlns:p14="http://schemas.microsoft.com/office/powerpoint/2010/main" val="1678079918"/>
-      </p:ext>
-    </p:extLst>
-  </p:cSld>
-  <p:clrMapOvr>
-    <a:masterClrMapping/>
-  </p:clrMapOvr>
-  <mc:AlternateContent xmlns:mc="http://schemas.openxmlformats.org/markup-compatibility/2006">
-    <mc:Choice xmlns:p159="http://schemas.microsoft.com/office/powerpoint/2015/09/main" Requires="p159">
-      <p:transition spd="slow">
-        <p159:morph option="byObject"/>
-      </p:transition>
-    </mc:Choice>
-    <mc:Fallback>
-      <p:transition spd="slow">
-        <p:fade/>
-      </p:transition>
-    </mc:Fallback>
-  </mc:AlternateContent>
-</p:sld>
-</file>
-
-<file path=ppt/slides/slide20.xml><?xml version="1.0" encoding="utf-8"?>
+<file path=ppt/slides/slide23.xml><?xml version="1.0" encoding="utf-8"?>
 <p:sld xmlns:a="http://schemas.openxmlformats.org/drawingml/2006/main" xmlns:r="http://schemas.openxmlformats.org/officeDocument/2006/relationships" xmlns:p="http://schemas.openxmlformats.org/presentationml/2006/main">
   <p:cSld>
     <p:spTree>
@@ -12944,9 +12087,12 @@
             <a:pPr algn="ctr"/>
             <a:r>
               <a:rPr lang="cs-CZ" sz="5000" dirty="0">
-                <a:latin typeface="Acumin Pro" panose="020B0504020202020204" pitchFamily="34" charset="-18"/>
-                <a:ea typeface="Lato" panose="020F0502020204030203" pitchFamily="34" charset="0"/>
-                <a:cs typeface="Lato" panose="020F0502020204030203" pitchFamily="34" charset="0"/>
+                <a:solidFill>
+                  <a:srgbClr val="009999"/>
+                </a:solidFill>
+                <a:latin typeface="Lato Heavy" panose="020F0502020204030203" pitchFamily="34" charset="0"/>
+                <a:ea typeface="Lato Heavy" panose="020F0502020204030203" pitchFamily="34" charset="0"/>
+                <a:cs typeface="Lato Heavy" panose="020F0502020204030203" pitchFamily="34" charset="0"/>
               </a:rPr>
               <a:t>Děkuji za pozornost</a:t>
             </a:r>
@@ -12998,13 +12144,13 @@
   <p:clrMapOvr>
     <a:masterClrMapping/>
   </p:clrMapOvr>
-  <mc:AlternateContent xmlns:mc="http://schemas.openxmlformats.org/markup-compatibility/2006">
-    <mc:Choice xmlns:p159="http://schemas.microsoft.com/office/powerpoint/2015/09/main" Requires="p159">
+  <mc:AlternateContent xmlns:mc="http://schemas.openxmlformats.org/markup-compatibility/2006" xmlns:p159="http://schemas.microsoft.com/office/powerpoint/2015/09/main">
+    <mc:Choice Requires="p159">
       <p:transition spd="slow">
         <p159:morph option="byObject"/>
       </p:transition>
     </mc:Choice>
-    <mc:Fallback>
+    <mc:Fallback xmlns="">
       <p:transition spd="slow">
         <p:fade/>
       </p:transition>
@@ -13013,7 +12159,7 @@
 </p:sld>
 </file>
 
-<file path=ppt/slides/slide21.xml><?xml version="1.0" encoding="utf-8"?>
+<file path=ppt/slides/slide24.xml><?xml version="1.0" encoding="utf-8"?>
 <p:sld xmlns:a="http://schemas.openxmlformats.org/drawingml/2006/main" xmlns:r="http://schemas.openxmlformats.org/officeDocument/2006/relationships" xmlns:p="http://schemas.openxmlformats.org/presentationml/2006/main">
   <p:cSld>
     <p:spTree>
@@ -13100,13 +12246,13 @@
   <p:clrMapOvr>
     <a:masterClrMapping/>
   </p:clrMapOvr>
-  <mc:AlternateContent xmlns:mc="http://schemas.openxmlformats.org/markup-compatibility/2006">
-    <mc:Choice xmlns:p159="http://schemas.microsoft.com/office/powerpoint/2015/09/main" Requires="p159">
+  <mc:AlternateContent xmlns:mc="http://schemas.openxmlformats.org/markup-compatibility/2006" xmlns:p159="http://schemas.microsoft.com/office/powerpoint/2015/09/main">
+    <mc:Choice Requires="p159">
       <p:transition spd="slow">
         <p159:morph option="byObject"/>
       </p:transition>
     </mc:Choice>
-    <mc:Fallback>
+    <mc:Fallback xmlns="">
       <p:transition spd="slow">
         <p:fade/>
       </p:transition>
@@ -13115,7 +12261,7 @@
 </p:sld>
 </file>
 
-<file path=ppt/slides/slide22.xml><?xml version="1.0" encoding="utf-8"?>
+<file path=ppt/slides/slide25.xml><?xml version="1.0" encoding="utf-8"?>
 <p:sld xmlns:a="http://schemas.openxmlformats.org/drawingml/2006/main" xmlns:r="http://schemas.openxmlformats.org/officeDocument/2006/relationships" xmlns:p="http://schemas.openxmlformats.org/presentationml/2006/main">
   <p:cSld>
     <p:spTree>
@@ -13233,13 +12379,13 @@
   <p:clrMapOvr>
     <a:masterClrMapping/>
   </p:clrMapOvr>
-  <mc:AlternateContent xmlns:mc="http://schemas.openxmlformats.org/markup-compatibility/2006">
-    <mc:Choice xmlns:p159="http://schemas.microsoft.com/office/powerpoint/2015/09/main" Requires="p159">
+  <mc:AlternateContent xmlns:mc="http://schemas.openxmlformats.org/markup-compatibility/2006" xmlns:p159="http://schemas.microsoft.com/office/powerpoint/2015/09/main">
+    <mc:Choice Requires="p159">
       <p:transition spd="slow">
         <p159:morph option="byObject"/>
       </p:transition>
     </mc:Choice>
-    <mc:Fallback>
+    <mc:Fallback xmlns="">
       <p:transition spd="slow">
         <p:fade/>
       </p:transition>
@@ -13248,7 +12394,7 @@
 </p:sld>
 </file>
 
-<file path=ppt/slides/slide23.xml><?xml version="1.0" encoding="utf-8"?>
+<file path=ppt/slides/slide26.xml><?xml version="1.0" encoding="utf-8"?>
 <p:sld xmlns:a="http://schemas.openxmlformats.org/drawingml/2006/main" xmlns:r="http://schemas.openxmlformats.org/officeDocument/2006/relationships" xmlns:p="http://schemas.openxmlformats.org/presentationml/2006/main">
   <p:cSld>
     <p:spTree>
@@ -13293,7 +12439,7 @@
           <a:p>
             <a:r>
               <a:rPr lang="cs-CZ" dirty="0"/>
-              <a:t>CENY MODULŮ</a:t>
+              <a:t>Přibližné CENY MODULŮ</a:t>
             </a:r>
           </a:p>
         </p:txBody>
@@ -13314,14 +12460,14 @@
             <p:ph idx="1"/>
             <p:extLst>
               <p:ext uri="{D42A27DB-BD31-4B8C-83A1-F6EECF244321}">
-                <p14:modId xmlns:p14="http://schemas.microsoft.com/office/powerpoint/2010/main" val="643986853"/>
+                <p14:modId xmlns:p14="http://schemas.microsoft.com/office/powerpoint/2010/main" val="2953197480"/>
               </p:ext>
             </p:extLst>
           </p:nvPr>
         </p:nvGraphicFramePr>
         <p:xfrm>
           <a:off x="1219200" y="1701800"/>
-          <a:ext cx="10360026" cy="1828800"/>
+          <a:ext cx="10360026" cy="1371600"/>
         </p:xfrm>
         <a:graphic>
           <a:graphicData uri="http://schemas.openxmlformats.org/drawingml/2006/table">
@@ -13424,16 +12570,17 @@
                   </a:ext>
                 </a:extLst>
               </a:tr>
-              <a:tr h="370840">
+              <a:tr h="438408">
                 <a:tc>
                   <a:txBody>
                     <a:bodyPr/>
                     <a:lstStyle/>
                     <a:p>
                       <a:r>
-                        <a:rPr lang="cs-CZ" dirty="0"/>
-                        <a:t>Modul pro řízení oken</a:t>
+                        <a:rPr lang="cs-CZ" dirty="0" err="1"/>
+                        <a:t>Aktuátory</a:t>
                       </a:r>
+                      <a:endParaRPr lang="cs-CZ" dirty="0"/>
                     </a:p>
                   </a:txBody>
                   <a:tcPr/>
@@ -13457,39 +12604,6 @@
                   </a:ext>
                 </a:extLst>
               </a:tr>
-              <a:tr h="370840">
-                <a:tc>
-                  <a:txBody>
-                    <a:bodyPr/>
-                    <a:lstStyle/>
-                    <a:p>
-                      <a:r>
-                        <a:rPr lang="cs-CZ" dirty="0"/>
-                        <a:t>Zavlažování</a:t>
-                      </a:r>
-                    </a:p>
-                  </a:txBody>
-                  <a:tcPr/>
-                </a:tc>
-                <a:tc>
-                  <a:txBody>
-                    <a:bodyPr/>
-                    <a:lstStyle/>
-                    <a:p>
-                      <a:r>
-                        <a:rPr lang="cs-CZ" dirty="0"/>
-                        <a:t>500,- až 1000,-</a:t>
-                      </a:r>
-                    </a:p>
-                  </a:txBody>
-                  <a:tcPr/>
-                </a:tc>
-                <a:extLst>
-                  <a:ext uri="{0D108BD9-81ED-4DB2-BD59-A6C34878D82A}">
-                    <a16:rowId xmlns:a16="http://schemas.microsoft.com/office/drawing/2014/main" val="3158830686"/>
-                  </a:ext>
-                </a:extLst>
-              </a:tr>
             </a:tbl>
           </a:graphicData>
         </a:graphic>
@@ -13504,285 +12618,13 @@
   <p:clrMapOvr>
     <a:masterClrMapping/>
   </p:clrMapOvr>
-  <mc:AlternateContent xmlns:mc="http://schemas.openxmlformats.org/markup-compatibility/2006">
-    <mc:Choice xmlns:p159="http://schemas.microsoft.com/office/powerpoint/2015/09/main" Requires="p159">
+  <mc:AlternateContent xmlns:mc="http://schemas.openxmlformats.org/markup-compatibility/2006" xmlns:p159="http://schemas.microsoft.com/office/powerpoint/2015/09/main">
+    <mc:Choice Requires="p159">
       <p:transition spd="slow">
         <p159:morph option="byObject"/>
       </p:transition>
     </mc:Choice>
-    <mc:Fallback>
-      <p:transition spd="slow">
-        <p:fade/>
-      </p:transition>
-    </mc:Fallback>
-  </mc:AlternateContent>
-</p:sld>
-</file>
-
-<file path=ppt/slides/slide24.xml><?xml version="1.0" encoding="utf-8"?>
-<p:sld xmlns:a="http://schemas.openxmlformats.org/drawingml/2006/main" xmlns:r="http://schemas.openxmlformats.org/officeDocument/2006/relationships" xmlns:p="http://schemas.openxmlformats.org/presentationml/2006/main">
-  <p:cSld>
-    <p:spTree>
-      <p:nvGrpSpPr>
-        <p:cNvPr id="1" name=""/>
-        <p:cNvGrpSpPr/>
-        <p:nvPr/>
-      </p:nvGrpSpPr>
-      <p:grpSpPr>
-        <a:xfrm>
-          <a:off x="0" y="0"/>
-          <a:ext cx="0" cy="0"/>
-          <a:chOff x="0" y="0"/>
-          <a:chExt cx="0" cy="0"/>
-        </a:xfrm>
-      </p:grpSpPr>
-      <p:sp>
-        <p:nvSpPr>
-          <p:cNvPr id="2" name="Nadpis 1">
-            <a:extLst>
-              <a:ext uri="{FF2B5EF4-FFF2-40B4-BE49-F238E27FC236}">
-                <a16:creationId xmlns:a16="http://schemas.microsoft.com/office/drawing/2014/main" id="{EB3E7198-D03B-4DC1-974E-2A7DC1D7798F}"/>
-              </a:ext>
-            </a:extLst>
-          </p:cNvPr>
-          <p:cNvSpPr>
-            <a:spLocks noGrp="1"/>
-          </p:cNvSpPr>
-          <p:nvPr>
-            <p:ph type="title"/>
-          </p:nvPr>
-        </p:nvSpPr>
-        <p:spPr>
-          <a:xfrm>
-            <a:off x="1218883" y="252059"/>
-            <a:ext cx="10360501" cy="1223963"/>
-          </a:xfrm>
-        </p:spPr>
-        <p:txBody>
-          <a:bodyPr/>
-          <a:lstStyle/>
-          <a:p>
-            <a:r>
-              <a:rPr lang="cs-CZ" dirty="0"/>
-              <a:t>PŘESNOST SENZORŮ</a:t>
-            </a:r>
-          </a:p>
-        </p:txBody>
-      </p:sp>
-      <p:graphicFrame>
-        <p:nvGraphicFramePr>
-          <p:cNvPr id="4" name="Zástupný obsah 3">
-            <a:extLst>
-              <a:ext uri="{FF2B5EF4-FFF2-40B4-BE49-F238E27FC236}">
-                <a16:creationId xmlns:a16="http://schemas.microsoft.com/office/drawing/2014/main" id="{62B54576-3416-4159-8F63-8F9A7EEB8150}"/>
-              </a:ext>
-            </a:extLst>
-          </p:cNvPr>
-          <p:cNvGraphicFramePr>
-            <a:graphicFrameLocks noGrp="1"/>
-          </p:cNvGraphicFramePr>
-          <p:nvPr>
-            <p:ph idx="1"/>
-            <p:extLst>
-              <p:ext uri="{D42A27DB-BD31-4B8C-83A1-F6EECF244321}">
-                <p14:modId xmlns:p14="http://schemas.microsoft.com/office/powerpoint/2010/main" val="3929043480"/>
-              </p:ext>
-            </p:extLst>
-          </p:nvPr>
-        </p:nvGraphicFramePr>
-        <p:xfrm>
-          <a:off x="1219200" y="1701800"/>
-          <a:ext cx="10360026" cy="1371600"/>
-        </p:xfrm>
-        <a:graphic>
-          <a:graphicData uri="http://schemas.openxmlformats.org/drawingml/2006/table">
-            <a:tbl>
-              <a:tblPr firstRow="1" bandRow="1">
-                <a:tableStyleId>{5C22544A-7EE6-4342-B048-85BDC9FD1C3A}</a:tableStyleId>
-              </a:tblPr>
-              <a:tblGrid>
-                <a:gridCol w="1346820">
-                  <a:extLst>
-                    <a:ext uri="{9D8B030D-6E8A-4147-A177-3AD203B41FA5}">
-                      <a16:colId xmlns:a16="http://schemas.microsoft.com/office/drawing/2014/main" val="3492607053"/>
-                    </a:ext>
-                  </a:extLst>
-                </a:gridCol>
-                <a:gridCol w="4104456">
-                  <a:extLst>
-                    <a:ext uri="{9D8B030D-6E8A-4147-A177-3AD203B41FA5}">
-                      <a16:colId xmlns:a16="http://schemas.microsoft.com/office/drawing/2014/main" val="4075830071"/>
-                    </a:ext>
-                  </a:extLst>
-                </a:gridCol>
-                <a:gridCol w="4908750">
-                  <a:extLst>
-                    <a:ext uri="{9D8B030D-6E8A-4147-A177-3AD203B41FA5}">
-                      <a16:colId xmlns:a16="http://schemas.microsoft.com/office/drawing/2014/main" val="1001212032"/>
-                    </a:ext>
-                  </a:extLst>
-                </a:gridCol>
-              </a:tblGrid>
-              <a:tr h="370840">
-                <a:tc>
-                  <a:txBody>
-                    <a:bodyPr/>
-                    <a:lstStyle/>
-                    <a:p>
-                      <a:endParaRPr lang="cs-CZ" dirty="0"/>
-                    </a:p>
-                  </a:txBody>
-                  <a:tcPr/>
-                </a:tc>
-                <a:tc>
-                  <a:txBody>
-                    <a:bodyPr/>
-                    <a:lstStyle/>
-                    <a:p>
-                      <a:r>
-                        <a:rPr lang="cs-CZ"/>
-                        <a:t>DHT11</a:t>
-                      </a:r>
-                      <a:endParaRPr lang="cs-CZ" dirty="0"/>
-                    </a:p>
-                  </a:txBody>
-                  <a:tcPr/>
-                </a:tc>
-                <a:tc>
-                  <a:txBody>
-                    <a:bodyPr/>
-                    <a:lstStyle/>
-                    <a:p>
-                      <a:r>
-                        <a:rPr lang="cs-CZ"/>
-                        <a:t>DHT 22</a:t>
-                      </a:r>
-                      <a:endParaRPr lang="cs-CZ" dirty="0"/>
-                    </a:p>
-                  </a:txBody>
-                  <a:tcPr/>
-                </a:tc>
-                <a:extLst>
-                  <a:ext uri="{0D108BD9-81ED-4DB2-BD59-A6C34878D82A}">
-                    <a16:rowId xmlns:a16="http://schemas.microsoft.com/office/drawing/2014/main" val="2675194644"/>
-                  </a:ext>
-                </a:extLst>
-              </a:tr>
-              <a:tr h="370840">
-                <a:tc>
-                  <a:txBody>
-                    <a:bodyPr/>
-                    <a:lstStyle/>
-                    <a:p>
-                      <a:r>
-                        <a:rPr lang="cs-CZ"/>
-                        <a:t>Teplota</a:t>
-                      </a:r>
-                      <a:endParaRPr lang="cs-CZ" dirty="0"/>
-                    </a:p>
-                  </a:txBody>
-                  <a:tcPr/>
-                </a:tc>
-                <a:tc>
-                  <a:txBody>
-                    <a:bodyPr/>
-                    <a:lstStyle/>
-                    <a:p>
-                      <a:r>
-                        <a:rPr lang="cs-CZ" dirty="0"/>
-                        <a:t>± 1°C</a:t>
-                      </a:r>
-                    </a:p>
-                  </a:txBody>
-                  <a:tcPr/>
-                </a:tc>
-                <a:tc>
-                  <a:txBody>
-                    <a:bodyPr/>
-                    <a:lstStyle/>
-                    <a:p>
-                      <a:r>
-                        <a:rPr lang="cs-CZ" dirty="0"/>
-                        <a:t>± 0,2 °C</a:t>
-                      </a:r>
-                    </a:p>
-                  </a:txBody>
-                  <a:tcPr/>
-                </a:tc>
-                <a:extLst>
-                  <a:ext uri="{0D108BD9-81ED-4DB2-BD59-A6C34878D82A}">
-                    <a16:rowId xmlns:a16="http://schemas.microsoft.com/office/drawing/2014/main" val="2542472475"/>
-                  </a:ext>
-                </a:extLst>
-              </a:tr>
-              <a:tr h="370840">
-                <a:tc>
-                  <a:txBody>
-                    <a:bodyPr/>
-                    <a:lstStyle/>
-                    <a:p>
-                      <a:r>
-                        <a:rPr lang="cs-CZ"/>
-                        <a:t>Vlhkost</a:t>
-                      </a:r>
-                      <a:endParaRPr lang="cs-CZ" dirty="0"/>
-                    </a:p>
-                  </a:txBody>
-                  <a:tcPr/>
-                </a:tc>
-                <a:tc>
-                  <a:txBody>
-                    <a:bodyPr/>
-                    <a:lstStyle/>
-                    <a:p>
-                      <a:r>
-                        <a:rPr lang="cs-CZ" dirty="0"/>
-                        <a:t>± 5%</a:t>
-                      </a:r>
-                    </a:p>
-                  </a:txBody>
-                  <a:tcPr/>
-                </a:tc>
-                <a:tc>
-                  <a:txBody>
-                    <a:bodyPr/>
-                    <a:lstStyle/>
-                    <a:p>
-                      <a:r>
-                        <a:rPr lang="cs-CZ" dirty="0"/>
-                        <a:t>± 2% °C</a:t>
-                      </a:r>
-                    </a:p>
-                  </a:txBody>
-                  <a:tcPr/>
-                </a:tc>
-                <a:extLst>
-                  <a:ext uri="{0D108BD9-81ED-4DB2-BD59-A6C34878D82A}">
-                    <a16:rowId xmlns:a16="http://schemas.microsoft.com/office/drawing/2014/main" val="3810128070"/>
-                  </a:ext>
-                </a:extLst>
-              </a:tr>
-            </a:tbl>
-          </a:graphicData>
-        </a:graphic>
-      </p:graphicFrame>
-    </p:spTree>
-    <p:extLst>
-      <p:ext uri="{BB962C8B-B14F-4D97-AF65-F5344CB8AC3E}">
-        <p14:creationId xmlns:p14="http://schemas.microsoft.com/office/powerpoint/2010/main" val="4098314208"/>
-      </p:ext>
-    </p:extLst>
-  </p:cSld>
-  <p:clrMapOvr>
-    <a:masterClrMapping/>
-  </p:clrMapOvr>
-  <mc:AlternateContent xmlns:mc="http://schemas.openxmlformats.org/markup-compatibility/2006">
-    <mc:Choice xmlns:p159="http://schemas.microsoft.com/office/powerpoint/2015/09/main" Requires="p159">
-      <p:transition spd="slow">
-        <p159:morph option="byObject"/>
-      </p:transition>
-    </mc:Choice>
-    <mc:Fallback>
+    <mc:Fallback xmlns="">
       <p:transition spd="slow">
         <p:fade/>
       </p:transition>
@@ -13810,6 +12652,254 @@
       </p:grpSpPr>
       <p:sp>
         <p:nvSpPr>
+          <p:cNvPr id="4" name="Nadpis 3">
+            <a:extLst>
+              <a:ext uri="{FF2B5EF4-FFF2-40B4-BE49-F238E27FC236}">
+                <a16:creationId xmlns:a16="http://schemas.microsoft.com/office/drawing/2014/main" id="{A4E97893-D955-4616-ADD0-A2A99B5795B1}"/>
+              </a:ext>
+            </a:extLst>
+          </p:cNvPr>
+          <p:cNvSpPr>
+            <a:spLocks noGrp="1"/>
+          </p:cNvSpPr>
+          <p:nvPr>
+            <p:ph type="title"/>
+          </p:nvPr>
+        </p:nvSpPr>
+        <p:spPr/>
+        <p:txBody>
+          <a:bodyPr/>
+          <a:lstStyle/>
+          <a:p>
+            <a:r>
+              <a:rPr lang="cs-CZ" cap="all" dirty="0">
+                <a:latin typeface="Acumin Pro" panose="020B0504020202020204" pitchFamily="34" charset="-18"/>
+              </a:rPr>
+              <a:t>Konkurence</a:t>
+            </a:r>
+            <a:endParaRPr lang="cs-CZ" dirty="0">
+              <a:latin typeface="Acumin Pro" panose="020B0504020202020204" pitchFamily="34" charset="-18"/>
+            </a:endParaRPr>
+          </a:p>
+        </p:txBody>
+      </p:sp>
+      <p:sp>
+        <p:nvSpPr>
+          <p:cNvPr id="6" name="TextovéPole 5">
+            <a:extLst>
+              <a:ext uri="{FF2B5EF4-FFF2-40B4-BE49-F238E27FC236}">
+                <a16:creationId xmlns:a16="http://schemas.microsoft.com/office/drawing/2014/main" id="{BC0A0F2C-F960-42C3-896C-E8D50A0EBD34}"/>
+              </a:ext>
+            </a:extLst>
+          </p:cNvPr>
+          <p:cNvSpPr txBox="1"/>
+          <p:nvPr/>
+        </p:nvSpPr>
+        <p:spPr>
+          <a:xfrm>
+            <a:off x="1296165" y="2420888"/>
+            <a:ext cx="4150175" cy="1815882"/>
+          </a:xfrm>
+          <a:prstGeom prst="rect">
+            <a:avLst/>
+          </a:prstGeom>
+          <a:noFill/>
+        </p:spPr>
+        <p:txBody>
+          <a:bodyPr wrap="square" rtlCol="0">
+            <a:spAutoFit/>
+          </a:bodyPr>
+          <a:lstStyle/>
+          <a:p>
+            <a:r>
+              <a:rPr lang="cs-CZ" sz="2800" dirty="0">
+                <a:latin typeface="Lato Semibold" panose="020F0502020204030203" pitchFamily="34" charset="0"/>
+                <a:ea typeface="Lato Semibold" panose="020F0502020204030203" pitchFamily="34" charset="0"/>
+                <a:cs typeface="Lato Semibold" panose="020F0502020204030203" pitchFamily="34" charset="0"/>
+              </a:rPr>
+              <a:t>PRŮMYSLOVÁ ŘEŠENÍ</a:t>
+            </a:r>
+          </a:p>
+          <a:p>
+            <a:pPr marL="457200" indent="-457200">
+              <a:buFont typeface="Arial" panose="020B0604020202020204" pitchFamily="34" charset="0"/>
+              <a:buChar char="•"/>
+            </a:pPr>
+            <a:r>
+              <a:rPr lang="cs-CZ" sz="2800" dirty="0">
+                <a:latin typeface="Lato Semibold" panose="020F0502020204030203" pitchFamily="34" charset="0"/>
+                <a:ea typeface="Lato Semibold" panose="020F0502020204030203" pitchFamily="34" charset="0"/>
+                <a:cs typeface="Lato Semibold" panose="020F0502020204030203" pitchFamily="34" charset="0"/>
+              </a:rPr>
+              <a:t>Drahá</a:t>
+            </a:r>
+          </a:p>
+          <a:p>
+            <a:pPr marL="457200" indent="-457200">
+              <a:buFont typeface="Arial" panose="020B0604020202020204" pitchFamily="34" charset="0"/>
+              <a:buChar char="•"/>
+            </a:pPr>
+            <a:r>
+              <a:rPr lang="cs-CZ" sz="2800" dirty="0">
+                <a:latin typeface="Lato Semibold" panose="020F0502020204030203" pitchFamily="34" charset="0"/>
+                <a:ea typeface="Lato Semibold" panose="020F0502020204030203" pitchFamily="34" charset="0"/>
+                <a:cs typeface="Lato Semibold" panose="020F0502020204030203" pitchFamily="34" charset="0"/>
+              </a:rPr>
+              <a:t>Na míru</a:t>
+            </a:r>
+          </a:p>
+          <a:p>
+            <a:pPr marL="457200" indent="-457200">
+              <a:buFont typeface="Arial" panose="020B0604020202020204" pitchFamily="34" charset="0"/>
+              <a:buChar char="•"/>
+            </a:pPr>
+            <a:r>
+              <a:rPr lang="cs-CZ" sz="2800" dirty="0">
+                <a:latin typeface="Lato Semibold" panose="020F0502020204030203" pitchFamily="34" charset="0"/>
+                <a:ea typeface="Lato Semibold" panose="020F0502020204030203" pitchFamily="34" charset="0"/>
+                <a:cs typeface="Lato Semibold" panose="020F0502020204030203" pitchFamily="34" charset="0"/>
+              </a:rPr>
+              <a:t>Pro velkozemědělství</a:t>
+            </a:r>
+          </a:p>
+        </p:txBody>
+      </p:sp>
+      <p:sp>
+        <p:nvSpPr>
+          <p:cNvPr id="7" name="TextovéPole 6">
+            <a:extLst>
+              <a:ext uri="{FF2B5EF4-FFF2-40B4-BE49-F238E27FC236}">
+                <a16:creationId xmlns:a16="http://schemas.microsoft.com/office/drawing/2014/main" id="{3AC57958-99FD-46FC-B3E2-6C1DE54AD326}"/>
+              </a:ext>
+            </a:extLst>
+          </p:cNvPr>
+          <p:cNvSpPr txBox="1"/>
+          <p:nvPr/>
+        </p:nvSpPr>
+        <p:spPr>
+          <a:xfrm>
+            <a:off x="6382444" y="2420888"/>
+            <a:ext cx="4608512" cy="2677656"/>
+          </a:xfrm>
+          <a:prstGeom prst="rect">
+            <a:avLst/>
+          </a:prstGeom>
+          <a:noFill/>
+        </p:spPr>
+        <p:txBody>
+          <a:bodyPr wrap="square" rtlCol="0">
+            <a:spAutoFit/>
+          </a:bodyPr>
+          <a:lstStyle/>
+          <a:p>
+            <a:r>
+              <a:rPr lang="cs-CZ" sz="2800" dirty="0">
+                <a:latin typeface="Lato Semibold" panose="020F0502020204030203" pitchFamily="34" charset="0"/>
+                <a:ea typeface="Lato Semibold" panose="020F0502020204030203" pitchFamily="34" charset="0"/>
+                <a:cs typeface="Lato Semibold" panose="020F0502020204030203" pitchFamily="34" charset="0"/>
+              </a:rPr>
+              <a:t>„KUTILSKÁ“ ŘEŠENÍ</a:t>
+            </a:r>
+          </a:p>
+          <a:p>
+            <a:pPr marL="457200" indent="-457200">
+              <a:buFont typeface="Arial" panose="020B0604020202020204" pitchFamily="34" charset="0"/>
+              <a:buChar char="•"/>
+            </a:pPr>
+            <a:r>
+              <a:rPr lang="cs-CZ" sz="2800" dirty="0">
+                <a:latin typeface="Lato Semibold" panose="020F0502020204030203" pitchFamily="34" charset="0"/>
+                <a:ea typeface="Lato Semibold" panose="020F0502020204030203" pitchFamily="34" charset="0"/>
+                <a:cs typeface="Lato Semibold" panose="020F0502020204030203" pitchFamily="34" charset="0"/>
+              </a:rPr>
+              <a:t>Nutné znalosti elektrotechniky</a:t>
+            </a:r>
+          </a:p>
+          <a:p>
+            <a:pPr marL="457200" indent="-457200">
+              <a:buFont typeface="Arial" panose="020B0604020202020204" pitchFamily="34" charset="0"/>
+              <a:buChar char="•"/>
+            </a:pPr>
+            <a:r>
+              <a:rPr lang="cs-CZ" sz="2800" dirty="0">
+                <a:latin typeface="Lato Semibold" panose="020F0502020204030203" pitchFamily="34" charset="0"/>
+                <a:ea typeface="Lato Semibold" panose="020F0502020204030203" pitchFamily="34" charset="0"/>
+                <a:cs typeface="Lato Semibold" panose="020F0502020204030203" pitchFamily="34" charset="0"/>
+              </a:rPr>
+              <a:t>Neuniverzální</a:t>
+            </a:r>
+          </a:p>
+          <a:p>
+            <a:pPr marL="457200" indent="-457200">
+              <a:buFont typeface="Arial" panose="020B0604020202020204" pitchFamily="34" charset="0"/>
+              <a:buChar char="•"/>
+            </a:pPr>
+            <a:r>
+              <a:rPr lang="cs-CZ" sz="2800" dirty="0">
+                <a:latin typeface="Lato Semibold" panose="020F0502020204030203" pitchFamily="34" charset="0"/>
+                <a:ea typeface="Lato Semibold" panose="020F0502020204030203" pitchFamily="34" charset="0"/>
+                <a:cs typeface="Lato Semibold" panose="020F0502020204030203" pitchFamily="34" charset="0"/>
+              </a:rPr>
+              <a:t>Příliš zdlouhavá výroba</a:t>
+            </a:r>
+          </a:p>
+          <a:p>
+            <a:pPr marL="457200" indent="-457200">
+              <a:buFont typeface="Arial" panose="020B0604020202020204" pitchFamily="34" charset="0"/>
+              <a:buChar char="•"/>
+            </a:pPr>
+            <a:endParaRPr lang="cs-CZ" sz="2800" dirty="0">
+              <a:latin typeface="Lato Semibold" panose="020F0502020204030203" pitchFamily="34" charset="0"/>
+              <a:ea typeface="Lato Semibold" panose="020F0502020204030203" pitchFamily="34" charset="0"/>
+              <a:cs typeface="Lato Semibold" panose="020F0502020204030203" pitchFamily="34" charset="0"/>
+            </a:endParaRPr>
+          </a:p>
+        </p:txBody>
+      </p:sp>
+    </p:spTree>
+    <p:extLst>
+      <p:ext uri="{BB962C8B-B14F-4D97-AF65-F5344CB8AC3E}">
+        <p14:creationId xmlns:p14="http://schemas.microsoft.com/office/powerpoint/2010/main" val="1678079918"/>
+      </p:ext>
+    </p:extLst>
+  </p:cSld>
+  <p:clrMapOvr>
+    <a:masterClrMapping/>
+  </p:clrMapOvr>
+  <mc:AlternateContent xmlns:mc="http://schemas.openxmlformats.org/markup-compatibility/2006" xmlns:p159="http://schemas.microsoft.com/office/powerpoint/2015/09/main">
+    <mc:Choice Requires="p159">
+      <p:transition spd="slow">
+        <p159:morph option="byObject"/>
+      </p:transition>
+    </mc:Choice>
+    <mc:Fallback xmlns="">
+      <p:transition spd="slow">
+        <p:fade/>
+      </p:transition>
+    </mc:Fallback>
+  </mc:AlternateContent>
+</p:sld>
+</file>
+
+<file path=ppt/slides/slide4.xml><?xml version="1.0" encoding="utf-8"?>
+<p:sld xmlns:a="http://schemas.openxmlformats.org/drawingml/2006/main" xmlns:r="http://schemas.openxmlformats.org/officeDocument/2006/relationships" xmlns:p="http://schemas.openxmlformats.org/presentationml/2006/main">
+  <p:cSld>
+    <p:spTree>
+      <p:nvGrpSpPr>
+        <p:cNvPr id="1" name=""/>
+        <p:cNvGrpSpPr/>
+        <p:nvPr/>
+      </p:nvGrpSpPr>
+      <p:grpSpPr>
+        <a:xfrm>
+          <a:off x="0" y="0"/>
+          <a:ext cx="0" cy="0"/>
+          <a:chOff x="0" y="0"/>
+          <a:chExt cx="0" cy="0"/>
+        </a:xfrm>
+      </p:grpSpPr>
+      <p:sp>
+        <p:nvSpPr>
           <p:cNvPr id="9" name="TextovéPole 8">
             <a:extLst>
               <a:ext uri="{FF2B5EF4-FFF2-40B4-BE49-F238E27FC236}">
@@ -14079,7 +13169,7 @@
         <p:spPr>
           <a:xfrm>
             <a:off x="8137881" y="3212976"/>
-            <a:ext cx="3401893" cy="911019"/>
+            <a:ext cx="2911374" cy="523220"/>
           </a:xfrm>
           <a:prstGeom prst="rect">
             <a:avLst/>
@@ -14092,30 +13182,14 @@
           </a:bodyPr>
           <a:lstStyle/>
           <a:p>
-            <a:pPr lvl="0">
-              <a:lnSpc>
-                <a:spcPct val="90000"/>
-              </a:lnSpc>
-              <a:buClr>
-                <a:srgbClr val="009999"/>
-              </a:buClr>
-              <a:buSzPct val="100000"/>
-            </a:pPr>
-            <a:r>
-              <a:rPr lang="cs-CZ" sz="2800" cap="all" spc="200" dirty="0">
+            <a:r>
+              <a:rPr lang="cs-CZ" sz="2800" dirty="0">
                 <a:latin typeface="Lato Semibold" panose="020F0502020204030203" pitchFamily="34" charset="0"/>
                 <a:ea typeface="Lato Semibold" panose="020F0502020204030203" pitchFamily="34" charset="0"/>
                 <a:cs typeface="Lato Semibold" panose="020F0502020204030203" pitchFamily="34" charset="0"/>
               </a:rPr>
-              <a:t>samostatnost</a:t>
-            </a:r>
-          </a:p>
-          <a:p>
-            <a:endParaRPr lang="cs-CZ" sz="2800" dirty="0">
-              <a:latin typeface="Lato Semibold" panose="020F0502020204030203" pitchFamily="34" charset="0"/>
-              <a:ea typeface="Lato Semibold" panose="020F0502020204030203" pitchFamily="34" charset="0"/>
-              <a:cs typeface="Lato Semibold" panose="020F0502020204030203" pitchFamily="34" charset="0"/>
-            </a:endParaRPr>
+              <a:t>OPEN - SOURCE</a:t>
+            </a:r>
           </a:p>
         </p:txBody>
       </p:sp>
@@ -14713,105 +13787,6 @@
 </p:sld>
 </file>
 
-<file path=ppt/slides/slide4.xml><?xml version="1.0" encoding="utf-8"?>
-<p:sld xmlns:a="http://schemas.openxmlformats.org/drawingml/2006/main" xmlns:r="http://schemas.openxmlformats.org/officeDocument/2006/relationships" xmlns:p="http://schemas.openxmlformats.org/presentationml/2006/main">
-  <p:cSld>
-    <p:spTree>
-      <p:nvGrpSpPr>
-        <p:cNvPr id="1" name=""/>
-        <p:cNvGrpSpPr/>
-        <p:nvPr/>
-      </p:nvGrpSpPr>
-      <p:grpSpPr>
-        <a:xfrm>
-          <a:off x="0" y="0"/>
-          <a:ext cx="0" cy="0"/>
-          <a:chOff x="0" y="0"/>
-          <a:chExt cx="0" cy="0"/>
-        </a:xfrm>
-      </p:grpSpPr>
-      <p:sp>
-        <p:nvSpPr>
-          <p:cNvPr id="4" name="Nadpis 3"/>
-          <p:cNvSpPr>
-            <a:spLocks noGrp="1"/>
-          </p:cNvSpPr>
-          <p:nvPr>
-            <p:ph type="title"/>
-          </p:nvPr>
-        </p:nvSpPr>
-        <p:spPr>
-          <a:xfrm>
-            <a:off x="1625176" y="2209801"/>
-            <a:ext cx="9293771" cy="2764335"/>
-          </a:xfrm>
-        </p:spPr>
-        <p:txBody>
-          <a:bodyPr rtlCol="0"/>
-          <a:lstStyle/>
-          <a:p>
-            <a:pPr rtl="0"/>
-            <a:r>
-              <a:rPr lang="cs-CZ" dirty="0">
-                <a:latin typeface="Acumin Pro" panose="020B0504020202020204" pitchFamily="34" charset="-18"/>
-                <a:ea typeface="Lato Semibold" panose="020F0502020204030203" pitchFamily="34" charset="0"/>
-                <a:cs typeface="Lato Semibold" panose="020F0502020204030203" pitchFamily="34" charset="0"/>
-              </a:rPr>
-              <a:t>HARDWARE</a:t>
-            </a:r>
-          </a:p>
-        </p:txBody>
-      </p:sp>
-      <p:sp>
-        <p:nvSpPr>
-          <p:cNvPr id="2" name="Zástupný text 1">
-            <a:extLst>
-              <a:ext uri="{FF2B5EF4-FFF2-40B4-BE49-F238E27FC236}">
-                <a16:creationId xmlns:a16="http://schemas.microsoft.com/office/drawing/2014/main" id="{6070F5CB-C8D9-4B76-B476-EF6AF9DAAD4D}"/>
-              </a:ext>
-            </a:extLst>
-          </p:cNvPr>
-          <p:cNvSpPr>
-            <a:spLocks noGrp="1"/>
-          </p:cNvSpPr>
-          <p:nvPr>
-            <p:ph type="body" idx="1"/>
-          </p:nvPr>
-        </p:nvSpPr>
-        <p:spPr/>
-        <p:txBody>
-          <a:bodyPr/>
-          <a:lstStyle/>
-          <a:p>
-            <a:endParaRPr lang="cs-CZ" dirty="0"/>
-          </a:p>
-        </p:txBody>
-      </p:sp>
-    </p:spTree>
-    <p:extLst>
-      <p:ext uri="{BB962C8B-B14F-4D97-AF65-F5344CB8AC3E}">
-        <p14:creationId xmlns:p14="http://schemas.microsoft.com/office/powerpoint/2010/main" val="4241706387"/>
-      </p:ext>
-    </p:extLst>
-  </p:cSld>
-  <p:clrMapOvr>
-    <a:masterClrMapping/>
-  </p:clrMapOvr>
-  <mc:AlternateContent xmlns:mc="http://schemas.openxmlformats.org/markup-compatibility/2006">
-    <mc:Choice xmlns:p159="http://schemas.microsoft.com/office/powerpoint/2015/09/main" Requires="p159">
-      <p:transition spd="slow">
-        <p159:morph option="byObject"/>
-      </p:transition>
-    </mc:Choice>
-    <mc:Fallback>
-      <p:transition spd="slow">
-        <p:fade/>
-      </p:transition>
-    </mc:Fallback>
-  </mc:AlternateContent>
-</p:sld>
-</file>
-
 <file path=ppt/slides/slide5.xml><?xml version="1.0" encoding="utf-8"?>
 <p:sld xmlns:a="http://schemas.openxmlformats.org/drawingml/2006/main" xmlns:r="http://schemas.openxmlformats.org/officeDocument/2006/relationships" xmlns:p="http://schemas.openxmlformats.org/presentationml/2006/main">
   <p:cSld>
@@ -14831,10 +13806,42 @@
       </p:grpSpPr>
       <p:sp>
         <p:nvSpPr>
-          <p:cNvPr id="4" name="Nadpis 3">
+          <p:cNvPr id="4" name="Nadpis 3"/>
+          <p:cNvSpPr>
+            <a:spLocks noGrp="1"/>
+          </p:cNvSpPr>
+          <p:nvPr>
+            <p:ph type="title"/>
+          </p:nvPr>
+        </p:nvSpPr>
+        <p:spPr>
+          <a:xfrm>
+            <a:off x="1625176" y="2209801"/>
+            <a:ext cx="9293771" cy="2764335"/>
+          </a:xfrm>
+        </p:spPr>
+        <p:txBody>
+          <a:bodyPr rtlCol="0"/>
+          <a:lstStyle/>
+          <a:p>
+            <a:pPr rtl="0"/>
+            <a:r>
+              <a:rPr lang="cs-CZ" dirty="0">
+                <a:latin typeface="Acumin Pro" panose="020B0504020202020204" pitchFamily="34" charset="-18"/>
+                <a:ea typeface="Lato Semibold" panose="020F0502020204030203" pitchFamily="34" charset="0"/>
+                <a:cs typeface="Lato Semibold" panose="020F0502020204030203" pitchFamily="34" charset="0"/>
+              </a:rPr>
+              <a:t>HARDWARE</a:t>
+            </a:r>
+          </a:p>
+        </p:txBody>
+      </p:sp>
+      <p:sp>
+        <p:nvSpPr>
+          <p:cNvPr id="2" name="Zástupný text 1">
             <a:extLst>
               <a:ext uri="{FF2B5EF4-FFF2-40B4-BE49-F238E27FC236}">
-                <a16:creationId xmlns:a16="http://schemas.microsoft.com/office/drawing/2014/main" id="{A4E97893-D955-4616-ADD0-A2A99B5795B1}"/>
+                <a16:creationId xmlns:a16="http://schemas.microsoft.com/office/drawing/2014/main" id="{6070F5CB-C8D9-4B76-B476-EF6AF9DAAD4D}"/>
               </a:ext>
             </a:extLst>
           </p:cNvPr>
@@ -14842,135 +13849,35 @@
             <a:spLocks noGrp="1"/>
           </p:cNvSpPr>
           <p:nvPr>
-            <p:ph type="title"/>
-          </p:nvPr>
-        </p:nvSpPr>
-        <p:spPr>
-          <a:xfrm>
-            <a:off x="1218883" y="332829"/>
-            <a:ext cx="10360501" cy="1223963"/>
-          </a:xfrm>
-        </p:spPr>
+            <p:ph type="body" idx="1"/>
+          </p:nvPr>
+        </p:nvSpPr>
+        <p:spPr/>
         <p:txBody>
           <a:bodyPr/>
           <a:lstStyle/>
           <a:p>
-            <a:r>
-              <a:rPr lang="cs-CZ" dirty="0">
-                <a:latin typeface="Acumin Pro" panose="020B0504020202020204" pitchFamily="34" charset="-18"/>
-              </a:rPr>
-              <a:t>PPCU – ProtoPlant </a:t>
-            </a:r>
-            <a:r>
-              <a:rPr lang="cs-CZ" dirty="0" err="1">
-                <a:latin typeface="Acumin Pro" panose="020B0504020202020204" pitchFamily="34" charset="-18"/>
-              </a:rPr>
-              <a:t>control</a:t>
-            </a:r>
-            <a:r>
-              <a:rPr lang="cs-CZ" dirty="0">
-                <a:latin typeface="Acumin Pro" panose="020B0504020202020204" pitchFamily="34" charset="-18"/>
-              </a:rPr>
-              <a:t> unit</a:t>
-            </a:r>
-          </a:p>
-        </p:txBody>
-      </p:sp>
-      <p:sp>
-        <p:nvSpPr>
-          <p:cNvPr id="5" name="Zástupný obsah 4">
-            <a:extLst>
-              <a:ext uri="{FF2B5EF4-FFF2-40B4-BE49-F238E27FC236}">
-                <a16:creationId xmlns:a16="http://schemas.microsoft.com/office/drawing/2014/main" id="{30E694C6-15C7-4D54-9F65-3052677A1A28}"/>
-              </a:ext>
-            </a:extLst>
-          </p:cNvPr>
-          <p:cNvSpPr>
-            <a:spLocks noGrp="1"/>
-          </p:cNvSpPr>
-          <p:nvPr>
-            <p:ph idx="1"/>
-          </p:nvPr>
-        </p:nvSpPr>
-        <p:spPr/>
-        <p:txBody>
-          <a:bodyPr>
-            <a:normAutofit/>
-          </a:bodyPr>
-          <a:lstStyle/>
-          <a:p>
-            <a:r>
-              <a:rPr lang="cs-CZ" sz="2500" dirty="0"/>
-              <a:t>Řídící elektronika</a:t>
-            </a:r>
-          </a:p>
-          <a:p>
-            <a:r>
-              <a:rPr lang="cs-CZ" sz="2500" dirty="0"/>
-              <a:t>Integrovaný, nebo externí zdroj napájení</a:t>
-            </a:r>
-          </a:p>
-          <a:p>
-            <a:r>
-              <a:rPr lang="cs-CZ" sz="2500" dirty="0"/>
-              <a:t>Možnost připojení až 29 senzorů</a:t>
-            </a:r>
-          </a:p>
-          <a:p>
-            <a:r>
-              <a:rPr lang="cs-CZ" sz="2500" dirty="0"/>
-              <a:t>Podpora Wi-Fi</a:t>
-            </a:r>
-          </a:p>
-          <a:p>
-            <a:r>
-              <a:rPr lang="cs-CZ" sz="2500" dirty="0"/>
-              <a:t>Podpora Bluetooth (ve vývoji)</a:t>
-            </a:r>
-          </a:p>
-          <a:p>
-            <a:endParaRPr lang="cs-CZ" sz="2500" dirty="0"/>
-          </a:p>
-          <a:p>
-            <a:endParaRPr lang="cs-CZ" sz="2500" dirty="0"/>
-          </a:p>
-          <a:p>
-            <a:endParaRPr lang="cs-CZ" sz="2500" dirty="0"/>
-          </a:p>
-          <a:p>
-            <a:pPr marL="0" indent="0">
-              <a:buNone/>
-            </a:pPr>
-            <a:endParaRPr lang="cs-CZ" sz="2500" dirty="0"/>
-          </a:p>
-          <a:p>
-            <a:pPr marL="0" indent="0">
-              <a:spcBef>
-                <a:spcPts val="600"/>
-              </a:spcBef>
-              <a:buNone/>
-            </a:pPr>
-            <a:endParaRPr lang="cs-CZ" sz="2500" dirty="0"/>
+            <a:endParaRPr lang="cs-CZ" dirty="0"/>
           </a:p>
         </p:txBody>
       </p:sp>
     </p:spTree>
     <p:extLst>
       <p:ext uri="{BB962C8B-B14F-4D97-AF65-F5344CB8AC3E}">
-        <p14:creationId xmlns:p14="http://schemas.microsoft.com/office/powerpoint/2010/main" val="1119277228"/>
+        <p14:creationId xmlns:p14="http://schemas.microsoft.com/office/powerpoint/2010/main" val="4241706387"/>
       </p:ext>
     </p:extLst>
   </p:cSld>
   <p:clrMapOvr>
     <a:masterClrMapping/>
   </p:clrMapOvr>
-  <mc:AlternateContent xmlns:mc="http://schemas.openxmlformats.org/markup-compatibility/2006">
-    <mc:Choice xmlns:p159="http://schemas.microsoft.com/office/powerpoint/2015/09/main" Requires="p159">
+  <mc:AlternateContent xmlns:mc="http://schemas.openxmlformats.org/markup-compatibility/2006" xmlns:p159="http://schemas.microsoft.com/office/powerpoint/2015/09/main">
+    <mc:Choice Requires="p159">
       <p:transition spd="slow">
         <p159:morph option="byObject"/>
       </p:transition>
     </mc:Choice>
-    <mc:Fallback>
+    <mc:Fallback xmlns="">
       <p:transition spd="slow">
         <p:fade/>
       </p:transition>
@@ -14998,6 +13905,323 @@
       </p:grpSpPr>
       <p:sp>
         <p:nvSpPr>
+          <p:cNvPr id="4" name="Nadpis 3">
+            <a:extLst>
+              <a:ext uri="{FF2B5EF4-FFF2-40B4-BE49-F238E27FC236}">
+                <a16:creationId xmlns:a16="http://schemas.microsoft.com/office/drawing/2014/main" id="{A4E97893-D955-4616-ADD0-A2A99B5795B1}"/>
+              </a:ext>
+            </a:extLst>
+          </p:cNvPr>
+          <p:cNvSpPr>
+            <a:spLocks noGrp="1"/>
+          </p:cNvSpPr>
+          <p:nvPr>
+            <p:ph type="title"/>
+          </p:nvPr>
+        </p:nvSpPr>
+        <p:spPr>
+          <a:xfrm>
+            <a:off x="1218883" y="332829"/>
+            <a:ext cx="10360501" cy="1223963"/>
+          </a:xfrm>
+        </p:spPr>
+        <p:txBody>
+          <a:bodyPr/>
+          <a:lstStyle/>
+          <a:p>
+            <a:r>
+              <a:rPr lang="cs-CZ" dirty="0">
+                <a:latin typeface="Acumin Pro" panose="020B0504020202020204" pitchFamily="34" charset="-18"/>
+              </a:rPr>
+              <a:t>PPCU – ProtoPlant </a:t>
+            </a:r>
+            <a:r>
+              <a:rPr lang="cs-CZ" dirty="0" err="1">
+                <a:latin typeface="Acumin Pro" panose="020B0504020202020204" pitchFamily="34" charset="-18"/>
+              </a:rPr>
+              <a:t>control</a:t>
+            </a:r>
+            <a:r>
+              <a:rPr lang="cs-CZ" dirty="0">
+                <a:latin typeface="Acumin Pro" panose="020B0504020202020204" pitchFamily="34" charset="-18"/>
+              </a:rPr>
+              <a:t> unit</a:t>
+            </a:r>
+          </a:p>
+        </p:txBody>
+      </p:sp>
+      <p:sp>
+        <p:nvSpPr>
+          <p:cNvPr id="5" name="Zástupný obsah 4">
+            <a:extLst>
+              <a:ext uri="{FF2B5EF4-FFF2-40B4-BE49-F238E27FC236}">
+                <a16:creationId xmlns:a16="http://schemas.microsoft.com/office/drawing/2014/main" id="{30E694C6-15C7-4D54-9F65-3052677A1A28}"/>
+              </a:ext>
+            </a:extLst>
+          </p:cNvPr>
+          <p:cNvSpPr>
+            <a:spLocks noGrp="1"/>
+          </p:cNvSpPr>
+          <p:nvPr>
+            <p:ph idx="1"/>
+          </p:nvPr>
+        </p:nvSpPr>
+        <p:spPr/>
+        <p:txBody>
+          <a:bodyPr>
+            <a:normAutofit/>
+          </a:bodyPr>
+          <a:lstStyle/>
+          <a:p>
+            <a:r>
+              <a:rPr lang="cs-CZ" sz="2500" dirty="0"/>
+              <a:t>Řídící elektronika</a:t>
+            </a:r>
+          </a:p>
+          <a:p>
+            <a:r>
+              <a:rPr lang="cs-CZ" sz="2500" dirty="0"/>
+              <a:t>Integrovaný, nebo externí zdroj napájení</a:t>
+            </a:r>
+          </a:p>
+          <a:p>
+            <a:r>
+              <a:rPr lang="cs-CZ" sz="2500" dirty="0"/>
+              <a:t>Možnost připojení až 29 senzorů</a:t>
+            </a:r>
+          </a:p>
+          <a:p>
+            <a:r>
+              <a:rPr lang="cs-CZ" sz="2500" dirty="0"/>
+              <a:t>Podpora Wi-Fi</a:t>
+            </a:r>
+          </a:p>
+          <a:p>
+            <a:r>
+              <a:rPr lang="cs-CZ" sz="2500" dirty="0"/>
+              <a:t>Podpora Bluetooth (ve vývoji)</a:t>
+            </a:r>
+          </a:p>
+          <a:p>
+            <a:endParaRPr lang="cs-CZ" sz="2500" dirty="0"/>
+          </a:p>
+          <a:p>
+            <a:endParaRPr lang="cs-CZ" sz="2500" dirty="0"/>
+          </a:p>
+          <a:p>
+            <a:endParaRPr lang="cs-CZ" sz="2500" dirty="0"/>
+          </a:p>
+          <a:p>
+            <a:pPr marL="0" indent="0">
+              <a:buNone/>
+            </a:pPr>
+            <a:endParaRPr lang="cs-CZ" sz="2500" dirty="0"/>
+          </a:p>
+          <a:p>
+            <a:pPr marL="0" indent="0">
+              <a:spcBef>
+                <a:spcPts val="600"/>
+              </a:spcBef>
+              <a:buNone/>
+            </a:pPr>
+            <a:endParaRPr lang="cs-CZ" sz="2500" dirty="0"/>
+          </a:p>
+        </p:txBody>
+      </p:sp>
+    </p:spTree>
+    <p:extLst>
+      <p:ext uri="{BB962C8B-B14F-4D97-AF65-F5344CB8AC3E}">
+        <p14:creationId xmlns:p14="http://schemas.microsoft.com/office/powerpoint/2010/main" val="1119277228"/>
+      </p:ext>
+    </p:extLst>
+  </p:cSld>
+  <p:clrMapOvr>
+    <a:masterClrMapping/>
+  </p:clrMapOvr>
+  <mc:AlternateContent xmlns:mc="http://schemas.openxmlformats.org/markup-compatibility/2006" xmlns:p159="http://schemas.microsoft.com/office/powerpoint/2015/09/main">
+    <mc:Choice Requires="p159">
+      <p:transition spd="slow">
+        <p159:morph option="byObject"/>
+      </p:transition>
+    </mc:Choice>
+    <mc:Fallback xmlns="">
+      <p:transition spd="slow">
+        <p:fade/>
+      </p:transition>
+    </mc:Fallback>
+  </mc:AlternateContent>
+</p:sld>
+</file>
+
+<file path=ppt/slides/slide7.xml><?xml version="1.0" encoding="utf-8"?>
+<p:sld xmlns:a="http://schemas.openxmlformats.org/drawingml/2006/main" xmlns:r="http://schemas.openxmlformats.org/officeDocument/2006/relationships" xmlns:p="http://schemas.openxmlformats.org/presentationml/2006/main">
+  <p:cSld>
+    <p:spTree>
+      <p:nvGrpSpPr>
+        <p:cNvPr id="1" name=""/>
+        <p:cNvGrpSpPr/>
+        <p:nvPr/>
+      </p:nvGrpSpPr>
+      <p:grpSpPr>
+        <a:xfrm>
+          <a:off x="0" y="0"/>
+          <a:ext cx="0" cy="0"/>
+          <a:chOff x="0" y="0"/>
+          <a:chExt cx="0" cy="0"/>
+        </a:xfrm>
+      </p:grpSpPr>
+      <p:sp>
+        <p:nvSpPr>
+          <p:cNvPr id="4" name="Nadpis 3">
+            <a:extLst>
+              <a:ext uri="{FF2B5EF4-FFF2-40B4-BE49-F238E27FC236}">
+                <a16:creationId xmlns:a16="http://schemas.microsoft.com/office/drawing/2014/main" id="{A4E97893-D955-4616-ADD0-A2A99B5795B1}"/>
+              </a:ext>
+            </a:extLst>
+          </p:cNvPr>
+          <p:cNvSpPr>
+            <a:spLocks noGrp="1"/>
+          </p:cNvSpPr>
+          <p:nvPr>
+            <p:ph type="title"/>
+          </p:nvPr>
+        </p:nvSpPr>
+        <p:spPr>
+          <a:xfrm>
+            <a:off x="1218883" y="18331"/>
+            <a:ext cx="10360501" cy="1223963"/>
+          </a:xfrm>
+        </p:spPr>
+        <p:txBody>
+          <a:bodyPr/>
+          <a:lstStyle/>
+          <a:p>
+            <a:r>
+              <a:rPr lang="cs-CZ" dirty="0">
+                <a:latin typeface="Acumin Pro" panose="020B0504020202020204" pitchFamily="34" charset="-18"/>
+              </a:rPr>
+              <a:t>PPCU – ProtoPlant </a:t>
+            </a:r>
+            <a:r>
+              <a:rPr lang="cs-CZ" dirty="0" err="1">
+                <a:latin typeface="Acumin Pro" panose="020B0504020202020204" pitchFamily="34" charset="-18"/>
+              </a:rPr>
+              <a:t>control</a:t>
+            </a:r>
+            <a:r>
+              <a:rPr lang="cs-CZ" dirty="0">
+                <a:latin typeface="Acumin Pro" panose="020B0504020202020204" pitchFamily="34" charset="-18"/>
+              </a:rPr>
+              <a:t> unit</a:t>
+            </a:r>
+          </a:p>
+        </p:txBody>
+      </p:sp>
+      <p:pic>
+        <p:nvPicPr>
+          <p:cNvPr id="9" name="Obrázek 8">
+            <a:extLst>
+              <a:ext uri="{FF2B5EF4-FFF2-40B4-BE49-F238E27FC236}">
+                <a16:creationId xmlns:a16="http://schemas.microsoft.com/office/drawing/2014/main" id="{FCF096D8-C043-4A33-9F30-7A20498AAAC1}"/>
+              </a:ext>
+            </a:extLst>
+          </p:cNvPr>
+          <p:cNvPicPr>
+            <a:picLocks noChangeAspect="1"/>
+          </p:cNvPicPr>
+          <p:nvPr/>
+        </p:nvPicPr>
+        <p:blipFill>
+          <a:blip r:embed="rId3" cstate="print">
+            <a:extLst>
+              <a:ext uri="{28A0092B-C50C-407E-A947-70E740481C1C}">
+                <a14:useLocalDpi xmlns:a14="http://schemas.microsoft.com/office/drawing/2010/main" val="0"/>
+              </a:ext>
+            </a:extLst>
+          </a:blip>
+          <a:stretch>
+            <a:fillRect/>
+          </a:stretch>
+        </p:blipFill>
+        <p:spPr>
+          <a:xfrm>
+            <a:off x="2494012" y="1340768"/>
+            <a:ext cx="7200800" cy="5400600"/>
+          </a:xfrm>
+          <a:prstGeom prst="rect">
+            <a:avLst/>
+          </a:prstGeom>
+        </p:spPr>
+      </p:pic>
+      <p:sp>
+        <p:nvSpPr>
+          <p:cNvPr id="11" name="Zástupný obsah 10">
+            <a:extLst>
+              <a:ext uri="{FF2B5EF4-FFF2-40B4-BE49-F238E27FC236}">
+                <a16:creationId xmlns:a16="http://schemas.microsoft.com/office/drawing/2014/main" id="{301DAC61-B243-4844-A721-3730039CED34}"/>
+              </a:ext>
+            </a:extLst>
+          </p:cNvPr>
+          <p:cNvSpPr>
+            <a:spLocks noGrp="1"/>
+          </p:cNvSpPr>
+          <p:nvPr>
+            <p:ph idx="1"/>
+          </p:nvPr>
+        </p:nvSpPr>
+        <p:spPr/>
+        <p:txBody>
+          <a:bodyPr/>
+          <a:lstStyle/>
+          <a:p>
+            <a:endParaRPr lang="cs-CZ"/>
+          </a:p>
+        </p:txBody>
+      </p:sp>
+    </p:spTree>
+    <p:extLst>
+      <p:ext uri="{BB962C8B-B14F-4D97-AF65-F5344CB8AC3E}">
+        <p14:creationId xmlns:p14="http://schemas.microsoft.com/office/powerpoint/2010/main" val="270955879"/>
+      </p:ext>
+    </p:extLst>
+  </p:cSld>
+  <p:clrMapOvr>
+    <a:masterClrMapping/>
+  </p:clrMapOvr>
+  <mc:AlternateContent xmlns:mc="http://schemas.openxmlformats.org/markup-compatibility/2006" xmlns:p159="http://schemas.microsoft.com/office/powerpoint/2015/09/main">
+    <mc:Choice Requires="p159">
+      <p:transition spd="slow">
+        <p159:morph option="byObject"/>
+      </p:transition>
+    </mc:Choice>
+    <mc:Fallback xmlns="">
+      <p:transition spd="slow">
+        <p:fade/>
+      </p:transition>
+    </mc:Fallback>
+  </mc:AlternateContent>
+</p:sld>
+</file>
+
+<file path=ppt/slides/slide8.xml><?xml version="1.0" encoding="utf-8"?>
+<p:sld xmlns:a="http://schemas.openxmlformats.org/drawingml/2006/main" xmlns:r="http://schemas.openxmlformats.org/officeDocument/2006/relationships" xmlns:p="http://schemas.openxmlformats.org/presentationml/2006/main">
+  <p:cSld>
+    <p:spTree>
+      <p:nvGrpSpPr>
+        <p:cNvPr id="1" name=""/>
+        <p:cNvGrpSpPr/>
+        <p:nvPr/>
+      </p:nvGrpSpPr>
+      <p:grpSpPr>
+        <a:xfrm>
+          <a:off x="0" y="0"/>
+          <a:ext cx="0" cy="0"/>
+          <a:chOff x="0" y="0"/>
+          <a:chExt cx="0" cy="0"/>
+        </a:xfrm>
+      </p:grpSpPr>
+      <p:sp>
+        <p:nvSpPr>
           <p:cNvPr id="2" name="Nadpis 1">
             <a:extLst>
               <a:ext uri="{FF2B5EF4-FFF2-40B4-BE49-F238E27FC236}">
@@ -15108,46 +14332,6 @@
           </a:p>
         </p:txBody>
       </p:sp>
-      <p:sp>
-        <p:nvSpPr>
-          <p:cNvPr id="5" name="TextovéPole 4">
-            <a:extLst>
-              <a:ext uri="{FF2B5EF4-FFF2-40B4-BE49-F238E27FC236}">
-                <a16:creationId xmlns:a16="http://schemas.microsoft.com/office/drawing/2014/main" id="{FD2A10DE-B54A-42DD-ADB2-95528C932C3F}"/>
-              </a:ext>
-            </a:extLst>
-          </p:cNvPr>
-          <p:cNvSpPr txBox="1"/>
-          <p:nvPr/>
-        </p:nvSpPr>
-        <p:spPr>
-          <a:xfrm>
-            <a:off x="1240959" y="3167390"/>
-            <a:ext cx="4320480" cy="707886"/>
-          </a:xfrm>
-          <a:prstGeom prst="rect">
-            <a:avLst/>
-          </a:prstGeom>
-          <a:noFill/>
-        </p:spPr>
-        <p:txBody>
-          <a:bodyPr wrap="square" rtlCol="0">
-            <a:spAutoFit/>
-          </a:bodyPr>
-          <a:lstStyle/>
-          <a:p>
-            <a:pPr algn="ctr"/>
-            <a:r>
-              <a:rPr lang="cs-CZ" sz="4000" dirty="0">
-                <a:latin typeface="Lato Semibold" panose="020F0502020204030203" pitchFamily="34" charset="0"/>
-                <a:ea typeface="Lato Semibold" panose="020F0502020204030203" pitchFamily="34" charset="0"/>
-                <a:cs typeface="Lato Semibold" panose="020F0502020204030203" pitchFamily="34" charset="0"/>
-              </a:rPr>
-              <a:t>PPMB32 - F</a:t>
-            </a:r>
-          </a:p>
-        </p:txBody>
-      </p:sp>
     </p:spTree>
     <p:extLst>
       <p:ext uri="{BB962C8B-B14F-4D97-AF65-F5344CB8AC3E}">
@@ -15158,13 +14342,13 @@
   <p:clrMapOvr>
     <a:masterClrMapping/>
   </p:clrMapOvr>
-  <mc:AlternateContent xmlns:mc="http://schemas.openxmlformats.org/markup-compatibility/2006">
-    <mc:Choice xmlns:p159="http://schemas.microsoft.com/office/powerpoint/2015/09/main" Requires="p159">
+  <mc:AlternateContent xmlns:mc="http://schemas.openxmlformats.org/markup-compatibility/2006" xmlns:p159="http://schemas.microsoft.com/office/powerpoint/2015/09/main">
+    <mc:Choice Requires="p159">
       <p:transition spd="slow">
         <p159:morph option="byObject"/>
       </p:transition>
     </mc:Choice>
-    <mc:Fallback>
+    <mc:Fallback xmlns="">
       <p:transition spd="slow">
         <p:fade/>
       </p:transition>
@@ -15173,7 +14357,7 @@
 </p:sld>
 </file>
 
-<file path=ppt/slides/slide7.xml><?xml version="1.0" encoding="utf-8"?>
+<file path=ppt/slides/slide9.xml><?xml version="1.0" encoding="utf-8"?>
 <p:sld xmlns:a="http://schemas.openxmlformats.org/drawingml/2006/main" xmlns:r="http://schemas.openxmlformats.org/officeDocument/2006/relationships" xmlns:p="http://schemas.openxmlformats.org/presentationml/2006/main">
   <p:cSld>
     <p:spTree>
@@ -15305,6 +14489,41 @@
           </a:p>
         </p:txBody>
       </p:sp>
+      <p:pic>
+        <p:nvPicPr>
+          <p:cNvPr id="3" name="Obrázek 2">
+            <a:extLst>
+              <a:ext uri="{FF2B5EF4-FFF2-40B4-BE49-F238E27FC236}">
+                <a16:creationId xmlns:a16="http://schemas.microsoft.com/office/drawing/2014/main" id="{A9F69D73-0BF7-4B54-B077-5F63C697AE68}"/>
+              </a:ext>
+            </a:extLst>
+          </p:cNvPr>
+          <p:cNvPicPr>
+            <a:picLocks noChangeAspect="1"/>
+          </p:cNvPicPr>
+          <p:nvPr/>
+        </p:nvPicPr>
+        <p:blipFill rotWithShape="1">
+          <a:blip r:embed="rId3" cstate="print">
+            <a:extLst>
+              <a:ext uri="{28A0092B-C50C-407E-A947-70E740481C1C}">
+                <a14:useLocalDpi xmlns:a14="http://schemas.microsoft.com/office/drawing/2010/main" val="0"/>
+              </a:ext>
+            </a:extLst>
+          </a:blip>
+          <a:srcRect l="15399" t="-1002" r="18452" b="2304"/>
+          <a:stretch/>
+        </p:blipFill>
+        <p:spPr>
+          <a:xfrm>
+            <a:off x="1694646" y="1035725"/>
+            <a:ext cx="4777808" cy="4752528"/>
+          </a:xfrm>
+          <a:prstGeom prst="rect">
+            <a:avLst/>
+          </a:prstGeom>
+        </p:spPr>
+      </p:pic>
     </p:spTree>
     <p:extLst>
       <p:ext uri="{BB962C8B-B14F-4D97-AF65-F5344CB8AC3E}">
@@ -15315,238 +14534,13 @@
   <p:clrMapOvr>
     <a:masterClrMapping/>
   </p:clrMapOvr>
-  <mc:AlternateContent xmlns:mc="http://schemas.openxmlformats.org/markup-compatibility/2006">
-    <mc:Choice xmlns:p159="http://schemas.microsoft.com/office/powerpoint/2015/09/main" Requires="p159">
+  <mc:AlternateContent xmlns:mc="http://schemas.openxmlformats.org/markup-compatibility/2006" xmlns:p159="http://schemas.microsoft.com/office/powerpoint/2015/09/main">
+    <mc:Choice Requires="p159">
       <p:transition spd="slow">
         <p159:morph option="byObject"/>
       </p:transition>
     </mc:Choice>
-    <mc:Fallback>
-      <p:transition spd="slow">
-        <p:fade/>
-      </p:transition>
-    </mc:Fallback>
-  </mc:AlternateContent>
-</p:sld>
-</file>
-
-<file path=ppt/slides/slide8.xml><?xml version="1.0" encoding="utf-8"?>
-<p:sld xmlns:a="http://schemas.openxmlformats.org/drawingml/2006/main" xmlns:r="http://schemas.openxmlformats.org/officeDocument/2006/relationships" xmlns:p="http://schemas.openxmlformats.org/presentationml/2006/main">
-  <p:cSld>
-    <p:spTree>
-      <p:nvGrpSpPr>
-        <p:cNvPr id="1" name=""/>
-        <p:cNvGrpSpPr/>
-        <p:nvPr/>
-      </p:nvGrpSpPr>
-      <p:grpSpPr>
-        <a:xfrm>
-          <a:off x="0" y="0"/>
-          <a:ext cx="0" cy="0"/>
-          <a:chOff x="0" y="0"/>
-          <a:chExt cx="0" cy="0"/>
-        </a:xfrm>
-      </p:grpSpPr>
-      <p:sp>
-        <p:nvSpPr>
-          <p:cNvPr id="2" name="Nadpis 1">
-            <a:extLst>
-              <a:ext uri="{FF2B5EF4-FFF2-40B4-BE49-F238E27FC236}">
-                <a16:creationId xmlns:a16="http://schemas.microsoft.com/office/drawing/2014/main" id="{11BF8D4E-D914-4DA5-B983-7CE0ABDED187}"/>
-              </a:ext>
-            </a:extLst>
-          </p:cNvPr>
-          <p:cNvSpPr>
-            <a:spLocks noGrp="1"/>
-          </p:cNvSpPr>
-          <p:nvPr>
-            <p:ph type="title"/>
-          </p:nvPr>
-        </p:nvSpPr>
-        <p:spPr/>
-        <p:txBody>
-          <a:bodyPr/>
-          <a:lstStyle/>
-          <a:p>
-            <a:r>
-              <a:rPr lang="cs-CZ" dirty="0"/>
-              <a:t>PPMB32-F</a:t>
-            </a:r>
-          </a:p>
-        </p:txBody>
-      </p:sp>
-      <p:sp>
-        <p:nvSpPr>
-          <p:cNvPr id="3" name="Zástupný obsah 2">
-            <a:extLst>
-              <a:ext uri="{FF2B5EF4-FFF2-40B4-BE49-F238E27FC236}">
-                <a16:creationId xmlns:a16="http://schemas.microsoft.com/office/drawing/2014/main" id="{3EAE2FF4-A420-416B-9ECE-BC71F9058B8F}"/>
-              </a:ext>
-            </a:extLst>
-          </p:cNvPr>
-          <p:cNvSpPr>
-            <a:spLocks noGrp="1"/>
-          </p:cNvSpPr>
-          <p:nvPr>
-            <p:ph idx="1"/>
-          </p:nvPr>
-        </p:nvSpPr>
-        <p:spPr/>
-        <p:txBody>
-          <a:bodyPr/>
-          <a:lstStyle/>
-          <a:p>
-            <a:r>
-              <a:rPr lang="cs-CZ" dirty="0"/>
-              <a:t>ESP32 WROOM-32D</a:t>
-            </a:r>
-          </a:p>
-          <a:p>
-            <a:r>
-              <a:rPr lang="cs-CZ" dirty="0"/>
-              <a:t>Převodník USB -&gt; UART CP2102N přímo na desce</a:t>
-            </a:r>
-          </a:p>
-          <a:p>
-            <a:endParaRPr lang="cs-CZ" dirty="0"/>
-          </a:p>
-          <a:p>
-            <a:endParaRPr lang="cs-CZ" dirty="0"/>
-          </a:p>
-        </p:txBody>
-      </p:sp>
-    </p:spTree>
-    <p:extLst>
-      <p:ext uri="{BB962C8B-B14F-4D97-AF65-F5344CB8AC3E}">
-        <p14:creationId xmlns:p14="http://schemas.microsoft.com/office/powerpoint/2010/main" val="4205602873"/>
-      </p:ext>
-    </p:extLst>
-  </p:cSld>
-  <p:clrMapOvr>
-    <a:masterClrMapping/>
-  </p:clrMapOvr>
-  <mc:AlternateContent xmlns:mc="http://schemas.openxmlformats.org/markup-compatibility/2006">
-    <mc:Choice xmlns:p159="http://schemas.microsoft.com/office/powerpoint/2015/09/main" Requires="p159">
-      <p:transition spd="slow">
-        <p159:morph option="byObject"/>
-      </p:transition>
-    </mc:Choice>
-    <mc:Fallback>
-      <p:transition spd="slow">
-        <p:fade/>
-      </p:transition>
-    </mc:Fallback>
-  </mc:AlternateContent>
-</p:sld>
-</file>
-
-<file path=ppt/slides/slide9.xml><?xml version="1.0" encoding="utf-8"?>
-<p:sld xmlns:a="http://schemas.openxmlformats.org/drawingml/2006/main" xmlns:r="http://schemas.openxmlformats.org/officeDocument/2006/relationships" xmlns:p="http://schemas.openxmlformats.org/presentationml/2006/main">
-  <p:cSld>
-    <p:spTree>
-      <p:nvGrpSpPr>
-        <p:cNvPr id="1" name=""/>
-        <p:cNvGrpSpPr/>
-        <p:nvPr/>
-      </p:nvGrpSpPr>
-      <p:grpSpPr>
-        <a:xfrm>
-          <a:off x="0" y="0"/>
-          <a:ext cx="0" cy="0"/>
-          <a:chOff x="0" y="0"/>
-          <a:chExt cx="0" cy="0"/>
-        </a:xfrm>
-      </p:grpSpPr>
-      <p:sp>
-        <p:nvSpPr>
-          <p:cNvPr id="2" name="Nadpis 1">
-            <a:extLst>
-              <a:ext uri="{FF2B5EF4-FFF2-40B4-BE49-F238E27FC236}">
-                <a16:creationId xmlns:a16="http://schemas.microsoft.com/office/drawing/2014/main" id="{A38A4708-9936-499A-9378-DBC892DE8227}"/>
-              </a:ext>
-            </a:extLst>
-          </p:cNvPr>
-          <p:cNvSpPr>
-            <a:spLocks noGrp="1"/>
-          </p:cNvSpPr>
-          <p:nvPr>
-            <p:ph type="title"/>
-          </p:nvPr>
-        </p:nvSpPr>
-        <p:spPr/>
-        <p:txBody>
-          <a:bodyPr/>
-          <a:lstStyle/>
-          <a:p>
-            <a:r>
-              <a:rPr lang="cs-CZ" dirty="0"/>
-              <a:t>Ppmb32-e</a:t>
-            </a:r>
-          </a:p>
-        </p:txBody>
-      </p:sp>
-      <p:sp>
-        <p:nvSpPr>
-          <p:cNvPr id="3" name="Zástupný obsah 2">
-            <a:extLst>
-              <a:ext uri="{FF2B5EF4-FFF2-40B4-BE49-F238E27FC236}">
-                <a16:creationId xmlns:a16="http://schemas.microsoft.com/office/drawing/2014/main" id="{52B86B9A-187B-449F-A8D8-D0C8668FD3DF}"/>
-              </a:ext>
-            </a:extLst>
-          </p:cNvPr>
-          <p:cNvSpPr>
-            <a:spLocks noGrp="1"/>
-          </p:cNvSpPr>
-          <p:nvPr>
-            <p:ph idx="1"/>
-          </p:nvPr>
-        </p:nvSpPr>
-        <p:spPr/>
-        <p:txBody>
-          <a:bodyPr/>
-          <a:lstStyle/>
-          <a:p>
-            <a:r>
-              <a:rPr lang="cs-CZ" dirty="0"/>
-              <a:t>Zjednodušené osazování</a:t>
-            </a:r>
-          </a:p>
-          <a:p>
-            <a:r>
-              <a:rPr lang="cs-CZ" dirty="0"/>
-              <a:t>Patice pro ESP32 </a:t>
-            </a:r>
-            <a:r>
-              <a:rPr lang="cs-CZ" dirty="0" err="1"/>
-              <a:t>DevKitC</a:t>
-            </a:r>
-            <a:endParaRPr lang="cs-CZ" dirty="0"/>
-          </a:p>
-          <a:p>
-            <a:r>
-              <a:rPr lang="cs-CZ" dirty="0"/>
-              <a:t>Bez nutnosti osazování CP2102N</a:t>
-            </a:r>
-          </a:p>
-        </p:txBody>
-      </p:sp>
-    </p:spTree>
-    <p:extLst>
-      <p:ext uri="{BB962C8B-B14F-4D97-AF65-F5344CB8AC3E}">
-        <p14:creationId xmlns:p14="http://schemas.microsoft.com/office/powerpoint/2010/main" val="2211604054"/>
-      </p:ext>
-    </p:extLst>
-  </p:cSld>
-  <p:clrMapOvr>
-    <a:masterClrMapping/>
-  </p:clrMapOvr>
-  <mc:AlternateContent xmlns:mc="http://schemas.openxmlformats.org/markup-compatibility/2006">
-    <mc:Choice xmlns:p159="http://schemas.microsoft.com/office/powerpoint/2015/09/main" Requires="p159">
-      <p:transition spd="slow">
-        <p159:morph option="byObject"/>
-      </p:transition>
-    </mc:Choice>
-    <mc:Fallback>
+    <mc:Fallback xmlns="">
       <p:transition spd="slow">
         <p:fade/>
       </p:transition>
